--- a/docs/hidden_lake_anonymous_network.pptx
+++ b/docs/hidden_lake_anonymous_network.pptx
@@ -11710,8 +11710,8 @@
         </p:nvSpPr>
         <p:spPr bwMode="auto">
           <a:xfrm flipH="0" flipV="0">
-            <a:off x="1087799" y="2247899"/>
-            <a:ext cx="9791699" cy="3390899"/>
+            <a:off x="1087798" y="2247898"/>
+            <a:ext cx="9791698" cy="3778495"/>
           </a:xfrm>
         </p:spPr>
         <p:txBody>
@@ -11946,6 +11946,17 @@
                 <a:cs typeface="DejaVu Serif"/>
               </a:rPr>
               <a:t>= T</a:t>
+            </a:r>
+            <a:r>
+              <a:rPr lang="ru-RU" sz="2800" b="0" i="0">
+                <a:solidFill>
+                  <a:schemeClr val="bg1"/>
+                </a:solidFill>
+                <a:latin typeface="DejaVu Serif"/>
+                <a:ea typeface="DejaVu Serif"/>
+                <a:cs typeface="DejaVu Serif"/>
+              </a:rPr>
+              <a:t> всем участникам сети</a:t>
             </a:r>
             <a:r>
               <a:rPr lang="ru-RU" sz="2800" b="0" i="0">

--- a/docs/hidden_lake_anonymous_network.pptx
+++ b/docs/hidden_lake_anonymous_network.pptx
@@ -5,7 +5,7 @@
     <p:sldMasterId id="2147483648" r:id="rId1"/>
   </p:sldMasterIdLst>
   <p:notesMasterIdLst>
-    <p:notesMasterId r:id="rId22"/>
+    <p:notesMasterId r:id="rId24"/>
   </p:notesMasterIdLst>
   <p:sldIdLst>
     <p:sldId id="256" r:id="rId4"/>
@@ -26,6 +26,8 @@
     <p:sldId id="271" r:id="rId19"/>
     <p:sldId id="272" r:id="rId20"/>
     <p:sldId id="273" r:id="rId21"/>
+    <p:sldId id="274" r:id="rId22"/>
+    <p:sldId id="275" r:id="rId23"/>
   </p:sldIdLst>
   <p:sldSz cx="12192000" cy="6858000"/>
   <p:notesSz cx="6858000" cy="9144000"/>
@@ -1150,7 +1152,7 @@
       </p:grpSpPr>
       <p:sp>
         <p:nvSpPr>
-          <p:cNvPr id="514698531" name="Slide Image Placeholder 1"/>
+          <p:cNvPr id="1560645010" name="Slide Image Placeholder 1"/>
           <p:cNvSpPr>
             <a:spLocks noChangeAspect="1" noGrp="1" noRot="1"/>
           </p:cNvSpPr>
@@ -1167,7 +1169,7 @@
       </p:sp>
       <p:sp>
         <p:nvSpPr>
-          <p:cNvPr id="1339032351" name="Notes Placeholder 2"/>
+          <p:cNvPr id="1478932081" name="Notes Placeholder 2"/>
           <p:cNvSpPr>
             <a:spLocks noGrp="1"/>
           </p:cNvSpPr>
@@ -1192,7 +1194,7 @@
       </p:sp>
       <p:sp>
         <p:nvSpPr>
-          <p:cNvPr id="468628742" name="Slide Number Placeholder 3"/>
+          <p:cNvPr id="300991755" name="Slide Number Placeholder 3"/>
           <p:cNvSpPr>
             <a:spLocks noGrp="1"/>
           </p:cNvSpPr>
@@ -1208,7 +1210,7 @@
             <a:pPr>
               <a:defRPr/>
             </a:pPr>
-            <a:fld id="{20C6741D-8B94-5ED4-F1AF-F6F700B21825}" type="slidenum">
+            <a:fld id="{1BA97CD8-B379-3D7F-FB5D-96EB1BFE8BAD}" type="slidenum">
               <a:rPr lang="ru-RU"/>
               <a:t/>
             </a:fld>
@@ -1240,7 +1242,7 @@
       </p:grpSpPr>
       <p:sp>
         <p:nvSpPr>
-          <p:cNvPr id="1780811880" name="Slide Image Placeholder 1"/>
+          <p:cNvPr id="887171195" name="Slide Image Placeholder 1"/>
           <p:cNvSpPr>
             <a:spLocks noChangeAspect="1" noGrp="1" noRot="1"/>
           </p:cNvSpPr>
@@ -1257,7 +1259,7 @@
       </p:sp>
       <p:sp>
         <p:nvSpPr>
-          <p:cNvPr id="1090427538" name="Notes Placeholder 2"/>
+          <p:cNvPr id="1296665718" name="Notes Placeholder 2"/>
           <p:cNvSpPr>
             <a:spLocks noGrp="1"/>
           </p:cNvSpPr>
@@ -1282,7 +1284,7 @@
       </p:sp>
       <p:sp>
         <p:nvSpPr>
-          <p:cNvPr id="1085470337" name="Slide Number Placeholder 3"/>
+          <p:cNvPr id="1782754467" name="Slide Number Placeholder 3"/>
           <p:cNvSpPr>
             <a:spLocks noGrp="1"/>
           </p:cNvSpPr>
@@ -1298,7 +1300,7 @@
             <a:pPr>
               <a:defRPr/>
             </a:pPr>
-            <a:fld id="{318E1E2E-4B95-9401-E2C8-19C08B89FF53}" type="slidenum">
+            <a:fld id="{83B7ED5F-49BB-5F4A-230A-5CC1BEDB6F7E}" type="slidenum">
               <a:rPr lang="ru-RU"/>
               <a:t/>
             </a:fld>
@@ -1330,7 +1332,7 @@
       </p:grpSpPr>
       <p:sp>
         <p:nvSpPr>
-          <p:cNvPr id="243499887" name="Slide Image Placeholder 1"/>
+          <p:cNvPr id="514698531" name="Slide Image Placeholder 1"/>
           <p:cNvSpPr>
             <a:spLocks noChangeAspect="1" noGrp="1" noRot="1"/>
           </p:cNvSpPr>
@@ -1347,7 +1349,7 @@
       </p:sp>
       <p:sp>
         <p:nvSpPr>
-          <p:cNvPr id="458923248" name="Notes Placeholder 2"/>
+          <p:cNvPr id="1339032351" name="Notes Placeholder 2"/>
           <p:cNvSpPr>
             <a:spLocks noGrp="1"/>
           </p:cNvSpPr>
@@ -1372,7 +1374,7 @@
       </p:sp>
       <p:sp>
         <p:nvSpPr>
-          <p:cNvPr id="1788102679" name="Slide Number Placeholder 3"/>
+          <p:cNvPr id="468628742" name="Slide Number Placeholder 3"/>
           <p:cNvSpPr>
             <a:spLocks noGrp="1"/>
           </p:cNvSpPr>
@@ -1388,7 +1390,97 @@
             <a:pPr>
               <a:defRPr/>
             </a:pPr>
-            <a:fld id="{9567767A-E0F3-85A4-7DAA-ED60E86C8BAF}" type="slidenum">
+            <a:fld id="{20C6741D-8B94-5ED4-F1AF-F6F700B21825}" type="slidenum">
+              <a:rPr lang="ru-RU"/>
+              <a:t/>
+            </a:fld>
+            <a:endParaRPr lang="ru-RU"/>
+          </a:p>
+        </p:txBody>
+      </p:sp>
+    </p:spTree>
+  </p:cSld>
+</p:notes>
+</file>
+
+<file path=ppt/notesSlides/notesSlide19.xml><?xml version="1.0" encoding="utf-8"?>
+<p:notes xmlns:a="http://schemas.openxmlformats.org/drawingml/2006/main" xmlns:r="http://schemas.openxmlformats.org/officeDocument/2006/relationships" xmlns:p="http://schemas.openxmlformats.org/presentationml/2006/main" xmlns:m="http://schemas.openxmlformats.org/officeDocument/2006/math" xmlns:w="http://schemas.openxmlformats.org/wordprocessingml/2006/main">
+  <p:cSld name="">
+    <p:spTree>
+      <p:nvGrpSpPr>
+        <p:cNvPr id="1" name=""/>
+        <p:cNvGrpSpPr/>
+        <p:nvPr/>
+      </p:nvGrpSpPr>
+      <p:grpSpPr bwMode="auto">
+        <a:xfrm>
+          <a:off x="0" y="0"/>
+          <a:ext cx="0" cy="0"/>
+          <a:chOff x="0" y="0"/>
+          <a:chExt cx="0" cy="0"/>
+        </a:xfrm>
+      </p:grpSpPr>
+      <p:sp>
+        <p:nvSpPr>
+          <p:cNvPr id="1780811880" name="Slide Image Placeholder 1"/>
+          <p:cNvSpPr>
+            <a:spLocks noChangeAspect="1" noGrp="1" noRot="1"/>
+          </p:cNvSpPr>
+          <p:nvPr>
+            <p:ph type="sldImg"/>
+          </p:nvPr>
+        </p:nvSpPr>
+        <p:spPr bwMode="auto">
+          <a:xfrm>
+            <a:off x="685800" y="1143000"/>
+            <a:ext cx="5486400" cy="3086100"/>
+          </a:xfrm>
+        </p:spPr>
+      </p:sp>
+      <p:sp>
+        <p:nvSpPr>
+          <p:cNvPr id="1090427538" name="Notes Placeholder 2"/>
+          <p:cNvSpPr>
+            <a:spLocks noGrp="1"/>
+          </p:cNvSpPr>
+          <p:nvPr>
+            <p:ph type="body" idx="1"/>
+          </p:nvPr>
+        </p:nvSpPr>
+        <p:spPr bwMode="auto"/>
+        <p:txBody>
+          <a:bodyPr/>
+          <a:lstStyle/>
+          <a:p>
+            <a:pPr>
+              <a:defRPr/>
+            </a:pPr>
+            <a:endParaRPr lang="ru-RU">
+              <a:latin typeface="Arial"/>
+              <a:cs typeface="Arial"/>
+            </a:endParaRPr>
+          </a:p>
+        </p:txBody>
+      </p:sp>
+      <p:sp>
+        <p:nvSpPr>
+          <p:cNvPr id="1085470337" name="Slide Number Placeholder 3"/>
+          <p:cNvSpPr>
+            <a:spLocks noGrp="1"/>
+          </p:cNvSpPr>
+          <p:nvPr>
+            <p:ph type="sldNum" sz="quarter" idx="10"/>
+          </p:nvPr>
+        </p:nvSpPr>
+        <p:spPr bwMode="auto"/>
+        <p:txBody>
+          <a:bodyPr/>
+          <a:lstStyle/>
+          <a:p>
+            <a:pPr>
+              <a:defRPr/>
+            </a:pPr>
+            <a:fld id="{318E1E2E-4B95-9401-E2C8-19C08B89FF53}" type="slidenum">
               <a:rPr lang="ru-RU"/>
               <a:t/>
             </a:fld>
@@ -1479,6 +1571,96 @@
               <a:defRPr/>
             </a:pPr>
             <a:fld id="{3A217BDE-DA3E-21BB-095D-E575A9825AB3}" type="slidenum">
+              <a:rPr lang="ru-RU"/>
+              <a:t/>
+            </a:fld>
+            <a:endParaRPr lang="ru-RU"/>
+          </a:p>
+        </p:txBody>
+      </p:sp>
+    </p:spTree>
+  </p:cSld>
+</p:notes>
+</file>
+
+<file path=ppt/notesSlides/notesSlide20.xml><?xml version="1.0" encoding="utf-8"?>
+<p:notes xmlns:a="http://schemas.openxmlformats.org/drawingml/2006/main" xmlns:r="http://schemas.openxmlformats.org/officeDocument/2006/relationships" xmlns:p="http://schemas.openxmlformats.org/presentationml/2006/main" xmlns:m="http://schemas.openxmlformats.org/officeDocument/2006/math" xmlns:w="http://schemas.openxmlformats.org/wordprocessingml/2006/main">
+  <p:cSld name="">
+    <p:spTree>
+      <p:nvGrpSpPr>
+        <p:cNvPr id="1" name=""/>
+        <p:cNvGrpSpPr/>
+        <p:nvPr/>
+      </p:nvGrpSpPr>
+      <p:grpSpPr bwMode="auto">
+        <a:xfrm>
+          <a:off x="0" y="0"/>
+          <a:ext cx="0" cy="0"/>
+          <a:chOff x="0" y="0"/>
+          <a:chExt cx="0" cy="0"/>
+        </a:xfrm>
+      </p:grpSpPr>
+      <p:sp>
+        <p:nvSpPr>
+          <p:cNvPr id="243499887" name="Slide Image Placeholder 1"/>
+          <p:cNvSpPr>
+            <a:spLocks noChangeAspect="1" noGrp="1" noRot="1"/>
+          </p:cNvSpPr>
+          <p:nvPr>
+            <p:ph type="sldImg"/>
+          </p:nvPr>
+        </p:nvSpPr>
+        <p:spPr bwMode="auto">
+          <a:xfrm>
+            <a:off x="685800" y="1143000"/>
+            <a:ext cx="5486400" cy="3086100"/>
+          </a:xfrm>
+        </p:spPr>
+      </p:sp>
+      <p:sp>
+        <p:nvSpPr>
+          <p:cNvPr id="458923248" name="Notes Placeholder 2"/>
+          <p:cNvSpPr>
+            <a:spLocks noGrp="1"/>
+          </p:cNvSpPr>
+          <p:nvPr>
+            <p:ph type="body" idx="1"/>
+          </p:nvPr>
+        </p:nvSpPr>
+        <p:spPr bwMode="auto"/>
+        <p:txBody>
+          <a:bodyPr/>
+          <a:lstStyle/>
+          <a:p>
+            <a:pPr>
+              <a:defRPr/>
+            </a:pPr>
+            <a:endParaRPr lang="ru-RU">
+              <a:latin typeface="Arial"/>
+              <a:cs typeface="Arial"/>
+            </a:endParaRPr>
+          </a:p>
+        </p:txBody>
+      </p:sp>
+      <p:sp>
+        <p:nvSpPr>
+          <p:cNvPr id="1788102679" name="Slide Number Placeholder 3"/>
+          <p:cNvSpPr>
+            <a:spLocks noGrp="1"/>
+          </p:cNvSpPr>
+          <p:nvPr>
+            <p:ph type="sldNum" sz="quarter" idx="10"/>
+          </p:nvPr>
+        </p:nvSpPr>
+        <p:spPr bwMode="auto"/>
+        <p:txBody>
+          <a:bodyPr/>
+          <a:lstStyle/>
+          <a:p>
+            <a:pPr>
+              <a:defRPr/>
+            </a:pPr>
+            <a:fld id="{9567767A-E0F3-85A4-7DAA-ED60E86C8BAF}" type="slidenum">
               <a:rPr lang="ru-RU"/>
               <a:t/>
             </a:fld>
@@ -7572,7 +7754,7 @@
       </p:sp>
       <p:pic>
         <p:nvPicPr>
-          <p:cNvPr id="1000256877" name=""/>
+          <p:cNvPr id="1445042602" name=""/>
           <p:cNvPicPr>
             <a:picLocks noChangeAspect="1"/>
           </p:cNvPicPr>
@@ -7580,13 +7762,13 @@
         </p:nvPicPr>
         <p:blipFill>
           <a:blip r:embed="rId3"/>
-          <a:srcRect l="34478" t="15942" r="32728" b="23122"/>
+          <a:srcRect l="36077" t="24382" r="35798" b="28006"/>
           <a:stretch/>
         </p:blipFill>
         <p:spPr bwMode="auto">
           <a:xfrm flipH="0" flipV="0">
-            <a:off x="972692" y="2241677"/>
-            <a:ext cx="4176345" cy="2517515"/>
+            <a:off x="789518" y="2201740"/>
+            <a:ext cx="4469423" cy="2454518"/>
           </a:xfrm>
           <a:prstGeom prst="rect">
             <a:avLst/>
@@ -7641,6 +7823,648 @@
       </p:grpSpPr>
       <p:sp>
         <p:nvSpPr>
+          <p:cNvPr id="1141099962" name="Subtitle 2"/>
+          <p:cNvSpPr>
+            <a:spLocks noGrp="1"/>
+          </p:cNvSpPr>
+          <p:nvPr/>
+        </p:nvSpPr>
+        <p:spPr bwMode="auto">
+          <a:xfrm flipH="0" flipV="0">
+            <a:off x="472583" y="2613875"/>
+            <a:ext cx="5885393" cy="1773117"/>
+          </a:xfrm>
+        </p:spPr>
+        <p:txBody>
+          <a:bodyPr vertOverflow="overflow" horzOverflow="overflow" vert="horz" wrap="square" lIns="91440" tIns="45720" rIns="91440" bIns="45720" numCol="1" spcCol="0" rtlCol="0" fromWordArt="0" anchor="t" anchorCtr="0" forceAA="0" upright="0" compatLnSpc="0">
+            <a:normAutofit/>
+          </a:bodyPr>
+          <a:lstStyle>
+            <a:lvl1pPr marL="0" indent="0" algn="ctr" defTabSz="914400">
+              <a:lnSpc>
+                <a:spcPct val="90000"/>
+              </a:lnSpc>
+              <a:spcBef>
+                <a:spcPts val="998"/>
+              </a:spcBef>
+              <a:buFont typeface="Arial"/>
+              <a:buNone/>
+              <a:defRPr sz="2400">
+                <a:solidFill>
+                  <a:schemeClr val="tx1"/>
+                </a:solidFill>
+                <a:latin typeface="+mn-lt"/>
+                <a:ea typeface="+mn-ea"/>
+                <a:cs typeface="+mn-cs"/>
+              </a:defRPr>
+            </a:lvl1pPr>
+            <a:lvl2pPr marL="457200" indent="0" algn="ctr" defTabSz="914400">
+              <a:lnSpc>
+                <a:spcPct val="90000"/>
+              </a:lnSpc>
+              <a:spcBef>
+                <a:spcPts val="498"/>
+              </a:spcBef>
+              <a:buFont typeface="Arial"/>
+              <a:buNone/>
+              <a:defRPr sz="2000">
+                <a:solidFill>
+                  <a:schemeClr val="tx1"/>
+                </a:solidFill>
+                <a:latin typeface="+mn-lt"/>
+                <a:ea typeface="+mn-ea"/>
+                <a:cs typeface="+mn-cs"/>
+              </a:defRPr>
+            </a:lvl2pPr>
+            <a:lvl3pPr marL="914400" indent="0" algn="ctr" defTabSz="914400">
+              <a:lnSpc>
+                <a:spcPct val="90000"/>
+              </a:lnSpc>
+              <a:spcBef>
+                <a:spcPts val="498"/>
+              </a:spcBef>
+              <a:buFont typeface="Arial"/>
+              <a:buNone/>
+              <a:defRPr sz="1800">
+                <a:solidFill>
+                  <a:schemeClr val="tx1"/>
+                </a:solidFill>
+                <a:latin typeface="+mn-lt"/>
+                <a:ea typeface="+mn-ea"/>
+                <a:cs typeface="+mn-cs"/>
+              </a:defRPr>
+            </a:lvl3pPr>
+            <a:lvl4pPr marL="1371600" indent="0" algn="ctr" defTabSz="914400">
+              <a:lnSpc>
+                <a:spcPct val="90000"/>
+              </a:lnSpc>
+              <a:spcBef>
+                <a:spcPts val="498"/>
+              </a:spcBef>
+              <a:buFont typeface="Arial"/>
+              <a:buNone/>
+              <a:defRPr sz="1600">
+                <a:solidFill>
+                  <a:schemeClr val="tx1"/>
+                </a:solidFill>
+                <a:latin typeface="+mn-lt"/>
+                <a:ea typeface="+mn-ea"/>
+                <a:cs typeface="+mn-cs"/>
+              </a:defRPr>
+            </a:lvl4pPr>
+            <a:lvl5pPr marL="1828800" indent="0" algn="ctr" defTabSz="914400">
+              <a:lnSpc>
+                <a:spcPct val="90000"/>
+              </a:lnSpc>
+              <a:spcBef>
+                <a:spcPts val="498"/>
+              </a:spcBef>
+              <a:buFont typeface="Arial"/>
+              <a:buNone/>
+              <a:defRPr sz="1600">
+                <a:solidFill>
+                  <a:schemeClr val="tx1"/>
+                </a:solidFill>
+                <a:latin typeface="+mn-lt"/>
+                <a:ea typeface="+mn-ea"/>
+                <a:cs typeface="+mn-cs"/>
+              </a:defRPr>
+            </a:lvl5pPr>
+            <a:lvl6pPr marL="2286000" indent="0" algn="ctr" defTabSz="914400">
+              <a:lnSpc>
+                <a:spcPct val="90000"/>
+              </a:lnSpc>
+              <a:spcBef>
+                <a:spcPts val="498"/>
+              </a:spcBef>
+              <a:buFont typeface="Arial"/>
+              <a:buNone/>
+              <a:defRPr sz="1600">
+                <a:solidFill>
+                  <a:schemeClr val="tx1"/>
+                </a:solidFill>
+                <a:latin typeface="+mn-lt"/>
+                <a:ea typeface="+mn-ea"/>
+                <a:cs typeface="+mn-cs"/>
+              </a:defRPr>
+            </a:lvl6pPr>
+            <a:lvl7pPr marL="2743200" indent="0" algn="ctr" defTabSz="914400">
+              <a:lnSpc>
+                <a:spcPct val="90000"/>
+              </a:lnSpc>
+              <a:spcBef>
+                <a:spcPts val="498"/>
+              </a:spcBef>
+              <a:buFont typeface="Arial"/>
+              <a:buNone/>
+              <a:defRPr sz="1600">
+                <a:solidFill>
+                  <a:schemeClr val="tx1"/>
+                </a:solidFill>
+                <a:latin typeface="+mn-lt"/>
+                <a:ea typeface="+mn-ea"/>
+                <a:cs typeface="+mn-cs"/>
+              </a:defRPr>
+            </a:lvl7pPr>
+            <a:lvl8pPr marL="3200400" indent="0" algn="ctr" defTabSz="914400">
+              <a:lnSpc>
+                <a:spcPct val="90000"/>
+              </a:lnSpc>
+              <a:spcBef>
+                <a:spcPts val="498"/>
+              </a:spcBef>
+              <a:buFont typeface="Arial"/>
+              <a:buNone/>
+              <a:defRPr sz="1600">
+                <a:solidFill>
+                  <a:schemeClr val="tx1"/>
+                </a:solidFill>
+                <a:latin typeface="+mn-lt"/>
+                <a:ea typeface="+mn-ea"/>
+                <a:cs typeface="+mn-cs"/>
+              </a:defRPr>
+            </a:lvl8pPr>
+            <a:lvl9pPr marL="3657600" indent="0" algn="ctr" defTabSz="914400">
+              <a:lnSpc>
+                <a:spcPct val="90000"/>
+              </a:lnSpc>
+              <a:spcBef>
+                <a:spcPts val="498"/>
+              </a:spcBef>
+              <a:buFont typeface="Arial"/>
+              <a:buNone/>
+              <a:defRPr sz="1600">
+                <a:solidFill>
+                  <a:schemeClr val="tx1"/>
+                </a:solidFill>
+                <a:latin typeface="+mn-lt"/>
+                <a:ea typeface="+mn-ea"/>
+                <a:cs typeface="+mn-cs"/>
+              </a:defRPr>
+            </a:lvl9pPr>
+          </a:lstStyle>
+          <a:p>
+            <a:pPr algn="ctr">
+              <a:defRPr/>
+            </a:pPr>
+            <a:r>
+              <a:rPr lang="ru-RU" sz="2800" b="0" i="0" u="none" strike="noStrike" cap="none" spc="0">
+                <a:solidFill>
+                  <a:schemeClr val="bg1"/>
+                </a:solidFill>
+                <a:latin typeface="DejaVu Serif"/>
+                <a:ea typeface="DejaVu Serif"/>
+                <a:cs typeface="DejaVu Serif"/>
+              </a:rPr>
+              <a:t>HLE (Hidden Lake Encryptor) —</a:t>
+            </a:r>
+            <a:r>
+              <a:rPr lang="ru-RU" sz="2800" b="0" i="0" u="none" strike="noStrike" cap="none" spc="0">
+                <a:solidFill>
+                  <a:schemeClr val="bg1"/>
+                </a:solidFill>
+                <a:latin typeface="DejaVu Serif"/>
+                <a:ea typeface="DejaVu Serif"/>
+                <a:cs typeface="DejaVu Serif"/>
+              </a:rPr>
+              <a:t> </a:t>
+            </a:r>
+            <a:r>
+              <a:rPr lang="ru-RU" sz="2800" b="0" i="0" u="none" strike="noStrike" cap="none" spc="0">
+                <a:solidFill>
+                  <a:schemeClr val="bg1"/>
+                </a:solidFill>
+                <a:latin typeface="DejaVu Serif"/>
+                <a:ea typeface="DejaVu Serif"/>
+                <a:cs typeface="DejaVu Serif"/>
+              </a:rPr>
+              <a:t>сервис </a:t>
+            </a:r>
+            <a:r>
+              <a:rPr lang="ru-RU" sz="2800" b="1" i="0" u="none" strike="noStrike" cap="none" spc="0">
+                <a:solidFill>
+                  <a:schemeClr val="bg1"/>
+                </a:solidFill>
+                <a:latin typeface="DejaVu Serif"/>
+                <a:ea typeface="DejaVu Serif"/>
+                <a:cs typeface="DejaVu Serif"/>
+              </a:rPr>
+              <a:t>шифрования </a:t>
+            </a:r>
+            <a:r>
+              <a:rPr lang="ru-RU" sz="2800" b="0" i="0" u="none" strike="noStrike" cap="none" spc="0">
+                <a:solidFill>
+                  <a:schemeClr val="bg1"/>
+                </a:solidFill>
+                <a:latin typeface="DejaVu Serif"/>
+                <a:ea typeface="DejaVu Serif"/>
+                <a:cs typeface="DejaVu Serif"/>
+              </a:rPr>
+              <a:t>и </a:t>
+            </a:r>
+            <a:r>
+              <a:rPr lang="ru-RU" sz="2800" b="1" i="0" u="none" strike="noStrike" cap="none" spc="0">
+                <a:solidFill>
+                  <a:schemeClr val="bg1"/>
+                </a:solidFill>
+                <a:latin typeface="DejaVu Serif"/>
+                <a:ea typeface="DejaVu Serif"/>
+                <a:cs typeface="DejaVu Serif"/>
+              </a:rPr>
+              <a:t>расшифрования </a:t>
+            </a:r>
+            <a:r>
+              <a:rPr lang="ru-RU" sz="2800" b="0" i="0" u="none" strike="noStrike" cap="none" spc="0">
+                <a:solidFill>
+                  <a:schemeClr val="bg1"/>
+                </a:solidFill>
+                <a:latin typeface="DejaVu Serif"/>
+                <a:ea typeface="DejaVu Serif"/>
+                <a:cs typeface="DejaVu Serif"/>
+              </a:rPr>
+              <a:t>сообщений типа HL</a:t>
+            </a:r>
+            <a:endParaRPr sz="2800" b="0">
+              <a:solidFill>
+                <a:schemeClr val="bg1"/>
+              </a:solidFill>
+              <a:latin typeface="DejaVu Serif"/>
+              <a:ea typeface="DejaVu Serif"/>
+              <a:cs typeface="DejaVu Serif"/>
+            </a:endParaRPr>
+          </a:p>
+        </p:txBody>
+      </p:sp>
+      <p:pic>
+        <p:nvPicPr>
+          <p:cNvPr id="1297139809" name=""/>
+          <p:cNvPicPr>
+            <a:picLocks noChangeAspect="1"/>
+          </p:cNvPicPr>
+          <p:nvPr/>
+        </p:nvPicPr>
+        <p:blipFill>
+          <a:blip r:embed="rId3"/>
+          <a:srcRect l="34000" t="20364" r="33296" b="22831"/>
+          <a:stretch/>
+        </p:blipFill>
+        <p:spPr bwMode="auto">
+          <a:xfrm flipH="0" flipV="0">
+            <a:off x="6870865" y="2199906"/>
+            <a:ext cx="4615961" cy="2601057"/>
+          </a:xfrm>
+          <a:prstGeom prst="rect">
+            <a:avLst/>
+          </a:prstGeom>
+          <a:ln w="57150">
+            <a:solidFill>
+              <a:schemeClr val="bg2"/>
+            </a:solidFill>
+            <a:prstDash val="solid"/>
+          </a:ln>
+        </p:spPr>
+      </p:pic>
+    </p:spTree>
+  </p:cSld>
+  <p:clrMapOvr>
+    <a:masterClrMapping/>
+  </p:clrMapOvr>
+  <mc:AlternateContent xmlns:mc="http://schemas.openxmlformats.org/markup-compatibility/2006">
+    <mc:Choice xmlns:p159="http://schemas.microsoft.com/office/powerpoint/2015/09/main" xmlns:p14="http://schemas.microsoft.com/office/powerpoint/2010/main" Requires="p159">
+      <p:transition p14:dur="2000" advClick="1"/>
+    </mc:Choice>
+    <mc:Fallback>
+      <p:transition advClick="1"/>
+    </mc:Fallback>
+  </mc:AlternateContent>
+</p:sld>
+</file>
+
+<file path=ppt/slides/slide17.xml><?xml version="1.0" encoding="utf-8"?>
+<p:sld xmlns:a="http://schemas.openxmlformats.org/drawingml/2006/main" xmlns:r="http://schemas.openxmlformats.org/officeDocument/2006/relationships" xmlns:p="http://schemas.openxmlformats.org/presentationml/2006/main" xmlns:m="http://schemas.openxmlformats.org/officeDocument/2006/math" xmlns:w="http://schemas.openxmlformats.org/wordprocessingml/2006/main" showMasterPhAnim="0" show="1">
+  <p:cSld name="">
+    <p:bg>
+      <p:bgPr shadeToTitle="0">
+        <a:solidFill>
+          <a:schemeClr val="tx1"/>
+        </a:solidFill>
+      </p:bgPr>
+    </p:bg>
+    <p:spTree>
+      <p:nvGrpSpPr>
+        <p:cNvPr id="1" name=""/>
+        <p:cNvGrpSpPr/>
+        <p:nvPr/>
+      </p:nvGrpSpPr>
+      <p:grpSpPr bwMode="auto">
+        <a:xfrm>
+          <a:off x="0" y="0"/>
+          <a:ext cx="0" cy="0"/>
+          <a:chOff x="0" y="0"/>
+          <a:chExt cx="0" cy="0"/>
+        </a:xfrm>
+      </p:grpSpPr>
+      <p:sp>
+        <p:nvSpPr>
+          <p:cNvPr id="492961581" name="Subtitle 2"/>
+          <p:cNvSpPr>
+            <a:spLocks noGrp="1"/>
+          </p:cNvSpPr>
+          <p:nvPr/>
+        </p:nvSpPr>
+        <p:spPr bwMode="auto">
+          <a:xfrm flipH="0" flipV="0">
+            <a:off x="5619746" y="2577242"/>
+            <a:ext cx="5885393" cy="1809752"/>
+          </a:xfrm>
+        </p:spPr>
+        <p:txBody>
+          <a:bodyPr vertOverflow="overflow" horzOverflow="overflow" vert="horz" wrap="square" lIns="91440" tIns="45720" rIns="91440" bIns="45720" numCol="1" spcCol="0" rtlCol="0" fromWordArt="0" anchor="t" anchorCtr="0" forceAA="0" upright="0" compatLnSpc="0">
+            <a:normAutofit/>
+          </a:bodyPr>
+          <a:lstStyle>
+            <a:lvl1pPr marL="0" indent="0" algn="ctr" defTabSz="914400">
+              <a:lnSpc>
+                <a:spcPct val="90000"/>
+              </a:lnSpc>
+              <a:spcBef>
+                <a:spcPts val="998"/>
+              </a:spcBef>
+              <a:buFont typeface="Arial"/>
+              <a:buNone/>
+              <a:defRPr sz="2400">
+                <a:solidFill>
+                  <a:schemeClr val="tx1"/>
+                </a:solidFill>
+                <a:latin typeface="+mn-lt"/>
+                <a:ea typeface="+mn-ea"/>
+                <a:cs typeface="+mn-cs"/>
+              </a:defRPr>
+            </a:lvl1pPr>
+            <a:lvl2pPr marL="457200" indent="0" algn="ctr" defTabSz="914400">
+              <a:lnSpc>
+                <a:spcPct val="90000"/>
+              </a:lnSpc>
+              <a:spcBef>
+                <a:spcPts val="498"/>
+              </a:spcBef>
+              <a:buFont typeface="Arial"/>
+              <a:buNone/>
+              <a:defRPr sz="2000">
+                <a:solidFill>
+                  <a:schemeClr val="tx1"/>
+                </a:solidFill>
+                <a:latin typeface="+mn-lt"/>
+                <a:ea typeface="+mn-ea"/>
+                <a:cs typeface="+mn-cs"/>
+              </a:defRPr>
+            </a:lvl2pPr>
+            <a:lvl3pPr marL="914400" indent="0" algn="ctr" defTabSz="914400">
+              <a:lnSpc>
+                <a:spcPct val="90000"/>
+              </a:lnSpc>
+              <a:spcBef>
+                <a:spcPts val="498"/>
+              </a:spcBef>
+              <a:buFont typeface="Arial"/>
+              <a:buNone/>
+              <a:defRPr sz="1800">
+                <a:solidFill>
+                  <a:schemeClr val="tx1"/>
+                </a:solidFill>
+                <a:latin typeface="+mn-lt"/>
+                <a:ea typeface="+mn-ea"/>
+                <a:cs typeface="+mn-cs"/>
+              </a:defRPr>
+            </a:lvl3pPr>
+            <a:lvl4pPr marL="1371600" indent="0" algn="ctr" defTabSz="914400">
+              <a:lnSpc>
+                <a:spcPct val="90000"/>
+              </a:lnSpc>
+              <a:spcBef>
+                <a:spcPts val="498"/>
+              </a:spcBef>
+              <a:buFont typeface="Arial"/>
+              <a:buNone/>
+              <a:defRPr sz="1600">
+                <a:solidFill>
+                  <a:schemeClr val="tx1"/>
+                </a:solidFill>
+                <a:latin typeface="+mn-lt"/>
+                <a:ea typeface="+mn-ea"/>
+                <a:cs typeface="+mn-cs"/>
+              </a:defRPr>
+            </a:lvl4pPr>
+            <a:lvl5pPr marL="1828800" indent="0" algn="ctr" defTabSz="914400">
+              <a:lnSpc>
+                <a:spcPct val="90000"/>
+              </a:lnSpc>
+              <a:spcBef>
+                <a:spcPts val="498"/>
+              </a:spcBef>
+              <a:buFont typeface="Arial"/>
+              <a:buNone/>
+              <a:defRPr sz="1600">
+                <a:solidFill>
+                  <a:schemeClr val="tx1"/>
+                </a:solidFill>
+                <a:latin typeface="+mn-lt"/>
+                <a:ea typeface="+mn-ea"/>
+                <a:cs typeface="+mn-cs"/>
+              </a:defRPr>
+            </a:lvl5pPr>
+            <a:lvl6pPr marL="2286000" indent="0" algn="ctr" defTabSz="914400">
+              <a:lnSpc>
+                <a:spcPct val="90000"/>
+              </a:lnSpc>
+              <a:spcBef>
+                <a:spcPts val="498"/>
+              </a:spcBef>
+              <a:buFont typeface="Arial"/>
+              <a:buNone/>
+              <a:defRPr sz="1600">
+                <a:solidFill>
+                  <a:schemeClr val="tx1"/>
+                </a:solidFill>
+                <a:latin typeface="+mn-lt"/>
+                <a:ea typeface="+mn-ea"/>
+                <a:cs typeface="+mn-cs"/>
+              </a:defRPr>
+            </a:lvl6pPr>
+            <a:lvl7pPr marL="2743200" indent="0" algn="ctr" defTabSz="914400">
+              <a:lnSpc>
+                <a:spcPct val="90000"/>
+              </a:lnSpc>
+              <a:spcBef>
+                <a:spcPts val="498"/>
+              </a:spcBef>
+              <a:buFont typeface="Arial"/>
+              <a:buNone/>
+              <a:defRPr sz="1600">
+                <a:solidFill>
+                  <a:schemeClr val="tx1"/>
+                </a:solidFill>
+                <a:latin typeface="+mn-lt"/>
+                <a:ea typeface="+mn-ea"/>
+                <a:cs typeface="+mn-cs"/>
+              </a:defRPr>
+            </a:lvl7pPr>
+            <a:lvl8pPr marL="3200400" indent="0" algn="ctr" defTabSz="914400">
+              <a:lnSpc>
+                <a:spcPct val="90000"/>
+              </a:lnSpc>
+              <a:spcBef>
+                <a:spcPts val="498"/>
+              </a:spcBef>
+              <a:buFont typeface="Arial"/>
+              <a:buNone/>
+              <a:defRPr sz="1600">
+                <a:solidFill>
+                  <a:schemeClr val="tx1"/>
+                </a:solidFill>
+                <a:latin typeface="+mn-lt"/>
+                <a:ea typeface="+mn-ea"/>
+                <a:cs typeface="+mn-cs"/>
+              </a:defRPr>
+            </a:lvl8pPr>
+            <a:lvl9pPr marL="3657600" indent="0" algn="ctr" defTabSz="914400">
+              <a:lnSpc>
+                <a:spcPct val="90000"/>
+              </a:lnSpc>
+              <a:spcBef>
+                <a:spcPts val="498"/>
+              </a:spcBef>
+              <a:buFont typeface="Arial"/>
+              <a:buNone/>
+              <a:defRPr sz="1600">
+                <a:solidFill>
+                  <a:schemeClr val="tx1"/>
+                </a:solidFill>
+                <a:latin typeface="+mn-lt"/>
+                <a:ea typeface="+mn-ea"/>
+                <a:cs typeface="+mn-cs"/>
+              </a:defRPr>
+            </a:lvl9pPr>
+          </a:lstStyle>
+          <a:p>
+            <a:pPr algn="ctr">
+              <a:defRPr/>
+            </a:pPr>
+            <a:r>
+              <a:rPr lang="ru-RU" sz="2800" b="0" i="0" u="none" strike="noStrike" cap="none" spc="0">
+                <a:solidFill>
+                  <a:schemeClr val="bg1"/>
+                </a:solidFill>
+                <a:latin typeface="DejaVu Serif"/>
+                <a:ea typeface="DejaVu Serif"/>
+                <a:cs typeface="DejaVu Serif"/>
+              </a:rPr>
+              <a:t>HLA (Hidden Lake Adapters) — </a:t>
+            </a:r>
+            <a:r>
+              <a:rPr lang="ru-RU" sz="2800" b="1" i="0" u="none" strike="noStrike" cap="none" spc="0">
+                <a:solidFill>
+                  <a:schemeClr val="bg1"/>
+                </a:solidFill>
+                <a:latin typeface="DejaVu Serif"/>
+                <a:ea typeface="DejaVu Serif"/>
+                <a:cs typeface="DejaVu Serif"/>
+              </a:rPr>
+              <a:t>адаптеры </a:t>
+            </a:r>
+            <a:r>
+              <a:rPr lang="ru-RU" sz="2800" b="0" i="0" u="none" strike="noStrike" cap="none" spc="0">
+                <a:solidFill>
+                  <a:schemeClr val="bg1"/>
+                </a:solidFill>
+                <a:latin typeface="DejaVu Serif"/>
+                <a:ea typeface="DejaVu Serif"/>
+                <a:cs typeface="DejaVu Serif"/>
+              </a:rPr>
+              <a:t>для создания анонимных коммуникаций в централизованных системах</a:t>
+            </a:r>
+            <a:endParaRPr sz="2800" b="0">
+              <a:solidFill>
+                <a:schemeClr val="bg1"/>
+              </a:solidFill>
+              <a:latin typeface="DejaVu Serif"/>
+              <a:ea typeface="DejaVu Serif"/>
+              <a:cs typeface="DejaVu Serif"/>
+            </a:endParaRPr>
+          </a:p>
+        </p:txBody>
+      </p:sp>
+      <p:pic>
+        <p:nvPicPr>
+          <p:cNvPr id="854405764" name=""/>
+          <p:cNvPicPr>
+            <a:picLocks noChangeAspect="1"/>
+          </p:cNvPicPr>
+          <p:nvPr/>
+        </p:nvPicPr>
+        <p:blipFill>
+          <a:blip r:embed="rId3"/>
+          <a:srcRect l="35787" t="21586" r="34502" b="22978"/>
+          <a:stretch/>
+        </p:blipFill>
+        <p:spPr bwMode="auto">
+          <a:xfrm flipH="0" flipV="0">
+            <a:off x="569711" y="2018564"/>
+            <a:ext cx="4835769" cy="2927108"/>
+          </a:xfrm>
+          <a:prstGeom prst="rect">
+            <a:avLst/>
+          </a:prstGeom>
+          <a:ln w="57150">
+            <a:solidFill>
+              <a:schemeClr val="bg2"/>
+            </a:solidFill>
+            <a:prstDash val="solid"/>
+          </a:ln>
+        </p:spPr>
+      </p:pic>
+    </p:spTree>
+  </p:cSld>
+  <p:clrMapOvr>
+    <a:masterClrMapping/>
+  </p:clrMapOvr>
+  <mc:AlternateContent xmlns:mc="http://schemas.openxmlformats.org/markup-compatibility/2006">
+    <mc:Choice xmlns:p159="http://schemas.microsoft.com/office/powerpoint/2015/09/main" xmlns:p14="http://schemas.microsoft.com/office/powerpoint/2010/main" Requires="p159">
+      <p:transition p14:dur="2000" advClick="1"/>
+    </mc:Choice>
+    <mc:Fallback>
+      <p:transition advClick="1"/>
+    </mc:Fallback>
+  </mc:AlternateContent>
+</p:sld>
+</file>
+
+<file path=ppt/slides/slide18.xml><?xml version="1.0" encoding="utf-8"?>
+<p:sld xmlns:a="http://schemas.openxmlformats.org/drawingml/2006/main" xmlns:r="http://schemas.openxmlformats.org/officeDocument/2006/relationships" xmlns:p="http://schemas.openxmlformats.org/presentationml/2006/main" xmlns:m="http://schemas.openxmlformats.org/officeDocument/2006/math" xmlns:w="http://schemas.openxmlformats.org/wordprocessingml/2006/main" showMasterPhAnim="0" show="1">
+  <p:cSld name="">
+    <p:bg>
+      <p:bgPr shadeToTitle="0">
+        <a:solidFill>
+          <a:schemeClr val="tx1"/>
+        </a:solidFill>
+      </p:bgPr>
+    </p:bg>
+    <p:spTree>
+      <p:nvGrpSpPr>
+        <p:cNvPr id="1" name=""/>
+        <p:cNvGrpSpPr/>
+        <p:nvPr/>
+      </p:nvGrpSpPr>
+      <p:grpSpPr bwMode="auto">
+        <a:xfrm>
+          <a:off x="0" y="0"/>
+          <a:ext cx="0" cy="0"/>
+          <a:chOff x="0" y="0"/>
+          <a:chExt cx="0" cy="0"/>
+        </a:xfrm>
+      </p:grpSpPr>
+      <p:sp>
+        <p:nvSpPr>
           <p:cNvPr id="208647222" name="Subtitle 2"/>
           <p:cNvSpPr>
             <a:spLocks noGrp="1"/>
@@ -10317,7 +11141,7 @@
 </p:sld>
 </file>
 
-<file path=ppt/slides/slide17.xml><?xml version="1.0" encoding="utf-8"?>
+<file path=ppt/slides/slide19.xml><?xml version="1.0" encoding="utf-8"?>
 <p:sld xmlns:a="http://schemas.openxmlformats.org/drawingml/2006/main" xmlns:r="http://schemas.openxmlformats.org/officeDocument/2006/relationships" xmlns:p="http://schemas.openxmlformats.org/presentationml/2006/main" xmlns:m="http://schemas.openxmlformats.org/officeDocument/2006/math" xmlns:w="http://schemas.openxmlformats.org/wordprocessingml/2006/main" showMasterPhAnim="0" show="1">
   <p:cSld name="">
     <p:bg>
@@ -10824,534 +11648,6 @@
                 <a:cs typeface="DejaVu Serif"/>
               </a:rPr>
               <a:t>Децентрализованный протокол обмена ключами</a:t>
-            </a:r>
-            <a:endParaRPr lang="ru-RU" sz="2800" b="0">
-              <a:solidFill>
-                <a:schemeClr val="bg1"/>
-              </a:solidFill>
-              <a:latin typeface="DejaVu Serif"/>
-              <a:cs typeface="DejaVu Serif"/>
-            </a:endParaRPr>
-          </a:p>
-        </p:txBody>
-      </p:sp>
-    </p:spTree>
-  </p:cSld>
-  <p:clrMapOvr>
-    <a:masterClrMapping/>
-  </p:clrMapOvr>
-  <mc:AlternateContent xmlns:mc="http://schemas.openxmlformats.org/markup-compatibility/2006">
-    <mc:Choice xmlns:p159="http://schemas.microsoft.com/office/powerpoint/2015/09/main" xmlns:p14="http://schemas.microsoft.com/office/powerpoint/2010/main" Requires="p159">
-      <p:transition p14:dur="2000" advClick="1"/>
-    </mc:Choice>
-    <mc:Fallback>
-      <p:transition advClick="1"/>
-    </mc:Fallback>
-  </mc:AlternateContent>
-</p:sld>
-</file>
-
-<file path=ppt/slides/slide18.xml><?xml version="1.0" encoding="utf-8"?>
-<p:sld xmlns:a="http://schemas.openxmlformats.org/drawingml/2006/main" xmlns:r="http://schemas.openxmlformats.org/officeDocument/2006/relationships" xmlns:p="http://schemas.openxmlformats.org/presentationml/2006/main" xmlns:m="http://schemas.openxmlformats.org/officeDocument/2006/math" xmlns:w="http://schemas.openxmlformats.org/wordprocessingml/2006/main" showMasterPhAnim="0" show="1">
-  <p:cSld name="">
-    <p:bg>
-      <p:bgPr shadeToTitle="0">
-        <a:solidFill>
-          <a:schemeClr val="tx1"/>
-        </a:solidFill>
-      </p:bgPr>
-    </p:bg>
-    <p:spTree>
-      <p:nvGrpSpPr>
-        <p:cNvPr id="1" name=""/>
-        <p:cNvGrpSpPr/>
-        <p:nvPr/>
-      </p:nvGrpSpPr>
-      <p:grpSpPr bwMode="auto">
-        <a:xfrm>
-          <a:off x="0" y="0"/>
-          <a:ext cx="0" cy="0"/>
-          <a:chOff x="0" y="0"/>
-          <a:chExt cx="0" cy="0"/>
-        </a:xfrm>
-      </p:grpSpPr>
-      <p:sp>
-        <p:nvSpPr>
-          <p:cNvPr id="56255059" name="Subtitle 2"/>
-          <p:cNvSpPr>
-            <a:spLocks noGrp="1"/>
-          </p:cNvSpPr>
-          <p:nvPr/>
-        </p:nvSpPr>
-        <p:spPr bwMode="auto">
-          <a:xfrm flipH="0" flipV="0">
-            <a:off x="668535" y="1129870"/>
-            <a:ext cx="2393452" cy="646906"/>
-          </a:xfrm>
-        </p:spPr>
-        <p:txBody>
-          <a:bodyPr vertOverflow="overflow" horzOverflow="overflow" vert="horz" wrap="square" lIns="91440" tIns="45720" rIns="91440" bIns="45720" numCol="1" spcCol="0" rtlCol="0" fromWordArt="0" anchor="t" anchorCtr="0" forceAA="0" upright="0" compatLnSpc="0">
-            <a:normAutofit/>
-          </a:bodyPr>
-          <a:lstStyle>
-            <a:lvl1pPr marL="0" indent="0" algn="ctr" defTabSz="914400">
-              <a:lnSpc>
-                <a:spcPct val="90000"/>
-              </a:lnSpc>
-              <a:spcBef>
-                <a:spcPts val="999"/>
-              </a:spcBef>
-              <a:buFont typeface="Arial"/>
-              <a:buNone/>
-              <a:defRPr sz="2400">
-                <a:solidFill>
-                  <a:schemeClr val="tx1"/>
-                </a:solidFill>
-                <a:latin typeface="+mn-lt"/>
-                <a:ea typeface="+mn-ea"/>
-                <a:cs typeface="+mn-cs"/>
-              </a:defRPr>
-            </a:lvl1pPr>
-            <a:lvl2pPr marL="457200" indent="0" algn="ctr" defTabSz="914400">
-              <a:lnSpc>
-                <a:spcPct val="90000"/>
-              </a:lnSpc>
-              <a:spcBef>
-                <a:spcPts val="499"/>
-              </a:spcBef>
-              <a:buFont typeface="Arial"/>
-              <a:buNone/>
-              <a:defRPr sz="2000">
-                <a:solidFill>
-                  <a:schemeClr val="tx1"/>
-                </a:solidFill>
-                <a:latin typeface="+mn-lt"/>
-                <a:ea typeface="+mn-ea"/>
-                <a:cs typeface="+mn-cs"/>
-              </a:defRPr>
-            </a:lvl2pPr>
-            <a:lvl3pPr marL="914400" indent="0" algn="ctr" defTabSz="914400">
-              <a:lnSpc>
-                <a:spcPct val="90000"/>
-              </a:lnSpc>
-              <a:spcBef>
-                <a:spcPts val="499"/>
-              </a:spcBef>
-              <a:buFont typeface="Arial"/>
-              <a:buNone/>
-              <a:defRPr sz="1800">
-                <a:solidFill>
-                  <a:schemeClr val="tx1"/>
-                </a:solidFill>
-                <a:latin typeface="+mn-lt"/>
-                <a:ea typeface="+mn-ea"/>
-                <a:cs typeface="+mn-cs"/>
-              </a:defRPr>
-            </a:lvl3pPr>
-            <a:lvl4pPr marL="1371600" indent="0" algn="ctr" defTabSz="914400">
-              <a:lnSpc>
-                <a:spcPct val="90000"/>
-              </a:lnSpc>
-              <a:spcBef>
-                <a:spcPts val="499"/>
-              </a:spcBef>
-              <a:buFont typeface="Arial"/>
-              <a:buNone/>
-              <a:defRPr sz="1600">
-                <a:solidFill>
-                  <a:schemeClr val="tx1"/>
-                </a:solidFill>
-                <a:latin typeface="+mn-lt"/>
-                <a:ea typeface="+mn-ea"/>
-                <a:cs typeface="+mn-cs"/>
-              </a:defRPr>
-            </a:lvl4pPr>
-            <a:lvl5pPr marL="1828800" indent="0" algn="ctr" defTabSz="914400">
-              <a:lnSpc>
-                <a:spcPct val="90000"/>
-              </a:lnSpc>
-              <a:spcBef>
-                <a:spcPts val="499"/>
-              </a:spcBef>
-              <a:buFont typeface="Arial"/>
-              <a:buNone/>
-              <a:defRPr sz="1600">
-                <a:solidFill>
-                  <a:schemeClr val="tx1"/>
-                </a:solidFill>
-                <a:latin typeface="+mn-lt"/>
-                <a:ea typeface="+mn-ea"/>
-                <a:cs typeface="+mn-cs"/>
-              </a:defRPr>
-            </a:lvl5pPr>
-            <a:lvl6pPr marL="2286000" indent="0" algn="ctr" defTabSz="914400">
-              <a:lnSpc>
-                <a:spcPct val="90000"/>
-              </a:lnSpc>
-              <a:spcBef>
-                <a:spcPts val="499"/>
-              </a:spcBef>
-              <a:buFont typeface="Arial"/>
-              <a:buNone/>
-              <a:defRPr sz="1600">
-                <a:solidFill>
-                  <a:schemeClr val="tx1"/>
-                </a:solidFill>
-                <a:latin typeface="+mn-lt"/>
-                <a:ea typeface="+mn-ea"/>
-                <a:cs typeface="+mn-cs"/>
-              </a:defRPr>
-            </a:lvl6pPr>
-            <a:lvl7pPr marL="2743200" indent="0" algn="ctr" defTabSz="914400">
-              <a:lnSpc>
-                <a:spcPct val="90000"/>
-              </a:lnSpc>
-              <a:spcBef>
-                <a:spcPts val="499"/>
-              </a:spcBef>
-              <a:buFont typeface="Arial"/>
-              <a:buNone/>
-              <a:defRPr sz="1600">
-                <a:solidFill>
-                  <a:schemeClr val="tx1"/>
-                </a:solidFill>
-                <a:latin typeface="+mn-lt"/>
-                <a:ea typeface="+mn-ea"/>
-                <a:cs typeface="+mn-cs"/>
-              </a:defRPr>
-            </a:lvl7pPr>
-            <a:lvl8pPr marL="3200400" indent="0" algn="ctr" defTabSz="914400">
-              <a:lnSpc>
-                <a:spcPct val="90000"/>
-              </a:lnSpc>
-              <a:spcBef>
-                <a:spcPts val="499"/>
-              </a:spcBef>
-              <a:buFont typeface="Arial"/>
-              <a:buNone/>
-              <a:defRPr sz="1600">
-                <a:solidFill>
-                  <a:schemeClr val="tx1"/>
-                </a:solidFill>
-                <a:latin typeface="+mn-lt"/>
-                <a:ea typeface="+mn-ea"/>
-                <a:cs typeface="+mn-cs"/>
-              </a:defRPr>
-            </a:lvl8pPr>
-            <a:lvl9pPr marL="3657600" indent="0" algn="ctr" defTabSz="914400">
-              <a:lnSpc>
-                <a:spcPct val="90000"/>
-              </a:lnSpc>
-              <a:spcBef>
-                <a:spcPts val="499"/>
-              </a:spcBef>
-              <a:buFont typeface="Arial"/>
-              <a:buNone/>
-              <a:defRPr sz="1600">
-                <a:solidFill>
-                  <a:schemeClr val="tx1"/>
-                </a:solidFill>
-                <a:latin typeface="+mn-lt"/>
-                <a:ea typeface="+mn-ea"/>
-                <a:cs typeface="+mn-cs"/>
-              </a:defRPr>
-            </a:lvl9pPr>
-          </a:lstStyle>
-          <a:p>
-            <a:pPr>
-              <a:defRPr/>
-            </a:pPr>
-            <a:r>
-              <a:rPr lang="ru-RU" sz="3600" b="0">
-                <a:solidFill>
-                  <a:schemeClr val="bg1"/>
-                </a:solidFill>
-                <a:latin typeface="DejaVu Serif"/>
-                <a:ea typeface="DejaVu Serif"/>
-                <a:cs typeface="DejaVu Serif"/>
-              </a:rPr>
-              <a:t>Ссылки</a:t>
-            </a:r>
-            <a:endParaRPr sz="3600" b="0">
-              <a:solidFill>
-                <a:schemeClr val="bg1"/>
-              </a:solidFill>
-              <a:latin typeface="DejaVu Serif"/>
-              <a:cs typeface="DejaVu Serif"/>
-            </a:endParaRPr>
-          </a:p>
-        </p:txBody>
-      </p:sp>
-      <p:sp>
-        <p:nvSpPr>
-          <p:cNvPr id="1550406416" name="Subtitle 2"/>
-          <p:cNvSpPr>
-            <a:spLocks noGrp="1"/>
-          </p:cNvSpPr>
-          <p:nvPr/>
-        </p:nvSpPr>
-        <p:spPr bwMode="auto">
-          <a:xfrm flipH="0" flipV="0">
-            <a:off x="668535" y="2393764"/>
-            <a:ext cx="9829154" cy="2203877"/>
-          </a:xfrm>
-        </p:spPr>
-        <p:txBody>
-          <a:bodyPr vertOverflow="overflow" horzOverflow="overflow" vert="horz" wrap="square" lIns="91440" tIns="45720" rIns="91440" bIns="45720" numCol="1" spcCol="0" rtlCol="0" fromWordArt="0" anchor="t" anchorCtr="0" forceAA="0" upright="0" compatLnSpc="0">
-            <a:normAutofit/>
-          </a:bodyPr>
-          <a:lstStyle>
-            <a:lvl1pPr marL="0" indent="0" algn="ctr" defTabSz="914400">
-              <a:lnSpc>
-                <a:spcPct val="90000"/>
-              </a:lnSpc>
-              <a:spcBef>
-                <a:spcPts val="999"/>
-              </a:spcBef>
-              <a:buFont typeface="Arial"/>
-              <a:buNone/>
-              <a:defRPr sz="2400">
-                <a:solidFill>
-                  <a:schemeClr val="tx1"/>
-                </a:solidFill>
-                <a:latin typeface="+mn-lt"/>
-                <a:ea typeface="+mn-ea"/>
-                <a:cs typeface="+mn-cs"/>
-              </a:defRPr>
-            </a:lvl1pPr>
-            <a:lvl2pPr marL="457200" indent="0" algn="ctr" defTabSz="914400">
-              <a:lnSpc>
-                <a:spcPct val="90000"/>
-              </a:lnSpc>
-              <a:spcBef>
-                <a:spcPts val="499"/>
-              </a:spcBef>
-              <a:buFont typeface="Arial"/>
-              <a:buNone/>
-              <a:defRPr sz="2000">
-                <a:solidFill>
-                  <a:schemeClr val="tx1"/>
-                </a:solidFill>
-                <a:latin typeface="+mn-lt"/>
-                <a:ea typeface="+mn-ea"/>
-                <a:cs typeface="+mn-cs"/>
-              </a:defRPr>
-            </a:lvl2pPr>
-            <a:lvl3pPr marL="914400" indent="0" algn="ctr" defTabSz="914400">
-              <a:lnSpc>
-                <a:spcPct val="90000"/>
-              </a:lnSpc>
-              <a:spcBef>
-                <a:spcPts val="499"/>
-              </a:spcBef>
-              <a:buFont typeface="Arial"/>
-              <a:buNone/>
-              <a:defRPr sz="1800">
-                <a:solidFill>
-                  <a:schemeClr val="tx1"/>
-                </a:solidFill>
-                <a:latin typeface="+mn-lt"/>
-                <a:ea typeface="+mn-ea"/>
-                <a:cs typeface="+mn-cs"/>
-              </a:defRPr>
-            </a:lvl3pPr>
-            <a:lvl4pPr marL="1371600" indent="0" algn="ctr" defTabSz="914400">
-              <a:lnSpc>
-                <a:spcPct val="90000"/>
-              </a:lnSpc>
-              <a:spcBef>
-                <a:spcPts val="499"/>
-              </a:spcBef>
-              <a:buFont typeface="Arial"/>
-              <a:buNone/>
-              <a:defRPr sz="1600">
-                <a:solidFill>
-                  <a:schemeClr val="tx1"/>
-                </a:solidFill>
-                <a:latin typeface="+mn-lt"/>
-                <a:ea typeface="+mn-ea"/>
-                <a:cs typeface="+mn-cs"/>
-              </a:defRPr>
-            </a:lvl4pPr>
-            <a:lvl5pPr marL="1828800" indent="0" algn="ctr" defTabSz="914400">
-              <a:lnSpc>
-                <a:spcPct val="90000"/>
-              </a:lnSpc>
-              <a:spcBef>
-                <a:spcPts val="499"/>
-              </a:spcBef>
-              <a:buFont typeface="Arial"/>
-              <a:buNone/>
-              <a:defRPr sz="1600">
-                <a:solidFill>
-                  <a:schemeClr val="tx1"/>
-                </a:solidFill>
-                <a:latin typeface="+mn-lt"/>
-                <a:ea typeface="+mn-ea"/>
-                <a:cs typeface="+mn-cs"/>
-              </a:defRPr>
-            </a:lvl5pPr>
-            <a:lvl6pPr marL="2286000" indent="0" algn="ctr" defTabSz="914400">
-              <a:lnSpc>
-                <a:spcPct val="90000"/>
-              </a:lnSpc>
-              <a:spcBef>
-                <a:spcPts val="499"/>
-              </a:spcBef>
-              <a:buFont typeface="Arial"/>
-              <a:buNone/>
-              <a:defRPr sz="1600">
-                <a:solidFill>
-                  <a:schemeClr val="tx1"/>
-                </a:solidFill>
-                <a:latin typeface="+mn-lt"/>
-                <a:ea typeface="+mn-ea"/>
-                <a:cs typeface="+mn-cs"/>
-              </a:defRPr>
-            </a:lvl6pPr>
-            <a:lvl7pPr marL="2743200" indent="0" algn="ctr" defTabSz="914400">
-              <a:lnSpc>
-                <a:spcPct val="90000"/>
-              </a:lnSpc>
-              <a:spcBef>
-                <a:spcPts val="499"/>
-              </a:spcBef>
-              <a:buFont typeface="Arial"/>
-              <a:buNone/>
-              <a:defRPr sz="1600">
-                <a:solidFill>
-                  <a:schemeClr val="tx1"/>
-                </a:solidFill>
-                <a:latin typeface="+mn-lt"/>
-                <a:ea typeface="+mn-ea"/>
-                <a:cs typeface="+mn-cs"/>
-              </a:defRPr>
-            </a:lvl7pPr>
-            <a:lvl8pPr marL="3200400" indent="0" algn="ctr" defTabSz="914400">
-              <a:lnSpc>
-                <a:spcPct val="90000"/>
-              </a:lnSpc>
-              <a:spcBef>
-                <a:spcPts val="499"/>
-              </a:spcBef>
-              <a:buFont typeface="Arial"/>
-              <a:buNone/>
-              <a:defRPr sz="1600">
-                <a:solidFill>
-                  <a:schemeClr val="tx1"/>
-                </a:solidFill>
-                <a:latin typeface="+mn-lt"/>
-                <a:ea typeface="+mn-ea"/>
-                <a:cs typeface="+mn-cs"/>
-              </a:defRPr>
-            </a:lvl8pPr>
-            <a:lvl9pPr marL="3657600" indent="0" algn="ctr" defTabSz="914400">
-              <a:lnSpc>
-                <a:spcPct val="90000"/>
-              </a:lnSpc>
-              <a:spcBef>
-                <a:spcPts val="499"/>
-              </a:spcBef>
-              <a:buFont typeface="Arial"/>
-              <a:buNone/>
-              <a:defRPr sz="1600">
-                <a:solidFill>
-                  <a:schemeClr val="tx1"/>
-                </a:solidFill>
-                <a:latin typeface="+mn-lt"/>
-                <a:ea typeface="+mn-ea"/>
-                <a:cs typeface="+mn-cs"/>
-              </a:defRPr>
-            </a:lvl9pPr>
-          </a:lstStyle>
-          <a:p>
-            <a:pPr marL="394023" indent="-394023" algn="l">
-              <a:buFont typeface="Arial"/>
-              <a:buChar char="•"/>
-              <a:defRPr/>
-            </a:pPr>
-            <a:r>
-              <a:rPr lang="ru-RU" sz="2800" b="0">
-                <a:solidFill>
-                  <a:schemeClr val="bg1"/>
-                </a:solidFill>
-                <a:latin typeface="DejaVu Serif"/>
-                <a:ea typeface="DejaVu Serif"/>
-                <a:cs typeface="DejaVu Serif"/>
-              </a:rPr>
-              <a:t>Проект go-peer</a:t>
-            </a:r>
-            <a:endParaRPr lang="ru-RU" sz="2700" b="0" i="0" u="none" strike="noStrike" cap="none" spc="0">
-              <a:solidFill>
-                <a:schemeClr val="bg1"/>
-              </a:solidFill>
-              <a:latin typeface="DejaVu Serif"/>
-              <a:ea typeface="DejaVu Serif"/>
-              <a:cs typeface="DejaVu Serif"/>
-            </a:endParaRPr>
-          </a:p>
-          <a:p>
-            <a:pPr algn="l">
-              <a:defRPr/>
-            </a:pPr>
-            <a:r>
-              <a:rPr lang="ru-RU" sz="2000" b="0" i="0" u="none" strike="noStrike" cap="none" spc="0">
-                <a:solidFill>
-                  <a:schemeClr val="bg1"/>
-                </a:solidFill>
-                <a:latin typeface="DejaVu Serif"/>
-                <a:ea typeface="DejaVu Serif"/>
-                <a:cs typeface="DejaVu Serif"/>
-              </a:rPr>
-              <a:t>https://github.com/number571/go-peer</a:t>
-            </a:r>
-            <a:endParaRPr lang="ru-RU" sz="2800" b="0">
-              <a:solidFill>
-                <a:schemeClr val="bg1"/>
-              </a:solidFill>
-              <a:latin typeface="DejaVu Serif"/>
-              <a:ea typeface="DejaVu Serif"/>
-              <a:cs typeface="DejaVu Serif"/>
-            </a:endParaRPr>
-          </a:p>
-          <a:p>
-            <a:pPr marL="394023" indent="-394023" algn="l">
-              <a:buFont typeface="Arial"/>
-              <a:buChar char="•"/>
-              <a:defRPr/>
-            </a:pPr>
-            <a:r>
-              <a:rPr lang="ru-RU" sz="2800" b="0">
-                <a:solidFill>
-                  <a:schemeClr val="bg1"/>
-                </a:solidFill>
-                <a:latin typeface="DejaVu Serif"/>
-                <a:cs typeface="DejaVu Serif"/>
-              </a:rPr>
-              <a:t>Директория Hidden Lake</a:t>
-            </a:r>
-            <a:endParaRPr lang="ru-RU" sz="2800" b="0">
-              <a:solidFill>
-                <a:schemeClr val="bg1"/>
-              </a:solidFill>
-              <a:latin typeface="DejaVu Serif"/>
-              <a:cs typeface="DejaVu Serif"/>
-            </a:endParaRPr>
-          </a:p>
-          <a:p>
-            <a:pPr algn="l">
-              <a:defRPr/>
-            </a:pPr>
-            <a:r>
-              <a:rPr lang="ru-RU" sz="2000" b="0" i="0" u="none" strike="noStrike" cap="none" spc="0">
-                <a:solidFill>
-                  <a:schemeClr val="bg1"/>
-                </a:solidFill>
-                <a:latin typeface="DejaVu Serif"/>
-                <a:ea typeface="DejaVu Serif"/>
-                <a:cs typeface="DejaVu Serif"/>
-              </a:rPr>
-              <a:t>https://github.com/number571/go-peer/tree/master/cmd/hidden_lake</a:t>
             </a:r>
             <a:endParaRPr lang="ru-RU" sz="2800" b="0">
               <a:solidFill>
@@ -11500,6 +11796,534 @@
           </a:ln>
         </p:spPr>
       </p:pic>
+    </p:spTree>
+  </p:cSld>
+  <p:clrMapOvr>
+    <a:masterClrMapping/>
+  </p:clrMapOvr>
+  <mc:AlternateContent xmlns:mc="http://schemas.openxmlformats.org/markup-compatibility/2006">
+    <mc:Choice xmlns:p159="http://schemas.microsoft.com/office/powerpoint/2015/09/main" xmlns:p14="http://schemas.microsoft.com/office/powerpoint/2010/main" Requires="p159">
+      <p:transition p14:dur="2000" advClick="1"/>
+    </mc:Choice>
+    <mc:Fallback>
+      <p:transition advClick="1"/>
+    </mc:Fallback>
+  </mc:AlternateContent>
+</p:sld>
+</file>
+
+<file path=ppt/slides/slide20.xml><?xml version="1.0" encoding="utf-8"?>
+<p:sld xmlns:a="http://schemas.openxmlformats.org/drawingml/2006/main" xmlns:r="http://schemas.openxmlformats.org/officeDocument/2006/relationships" xmlns:p="http://schemas.openxmlformats.org/presentationml/2006/main" xmlns:m="http://schemas.openxmlformats.org/officeDocument/2006/math" xmlns:w="http://schemas.openxmlformats.org/wordprocessingml/2006/main" showMasterPhAnim="0" show="1">
+  <p:cSld name="">
+    <p:bg>
+      <p:bgPr shadeToTitle="0">
+        <a:solidFill>
+          <a:schemeClr val="tx1"/>
+        </a:solidFill>
+      </p:bgPr>
+    </p:bg>
+    <p:spTree>
+      <p:nvGrpSpPr>
+        <p:cNvPr id="1" name=""/>
+        <p:cNvGrpSpPr/>
+        <p:nvPr/>
+      </p:nvGrpSpPr>
+      <p:grpSpPr bwMode="auto">
+        <a:xfrm>
+          <a:off x="0" y="0"/>
+          <a:ext cx="0" cy="0"/>
+          <a:chOff x="0" y="0"/>
+          <a:chExt cx="0" cy="0"/>
+        </a:xfrm>
+      </p:grpSpPr>
+      <p:sp>
+        <p:nvSpPr>
+          <p:cNvPr id="56255059" name="Subtitle 2"/>
+          <p:cNvSpPr>
+            <a:spLocks noGrp="1"/>
+          </p:cNvSpPr>
+          <p:nvPr/>
+        </p:nvSpPr>
+        <p:spPr bwMode="auto">
+          <a:xfrm flipH="0" flipV="0">
+            <a:off x="668535" y="1129870"/>
+            <a:ext cx="2393452" cy="646906"/>
+          </a:xfrm>
+        </p:spPr>
+        <p:txBody>
+          <a:bodyPr vertOverflow="overflow" horzOverflow="overflow" vert="horz" wrap="square" lIns="91440" tIns="45720" rIns="91440" bIns="45720" numCol="1" spcCol="0" rtlCol="0" fromWordArt="0" anchor="t" anchorCtr="0" forceAA="0" upright="0" compatLnSpc="0">
+            <a:normAutofit/>
+          </a:bodyPr>
+          <a:lstStyle>
+            <a:lvl1pPr marL="0" indent="0" algn="ctr" defTabSz="914400">
+              <a:lnSpc>
+                <a:spcPct val="90000"/>
+              </a:lnSpc>
+              <a:spcBef>
+                <a:spcPts val="999"/>
+              </a:spcBef>
+              <a:buFont typeface="Arial"/>
+              <a:buNone/>
+              <a:defRPr sz="2400">
+                <a:solidFill>
+                  <a:schemeClr val="tx1"/>
+                </a:solidFill>
+                <a:latin typeface="+mn-lt"/>
+                <a:ea typeface="+mn-ea"/>
+                <a:cs typeface="+mn-cs"/>
+              </a:defRPr>
+            </a:lvl1pPr>
+            <a:lvl2pPr marL="457200" indent="0" algn="ctr" defTabSz="914400">
+              <a:lnSpc>
+                <a:spcPct val="90000"/>
+              </a:lnSpc>
+              <a:spcBef>
+                <a:spcPts val="499"/>
+              </a:spcBef>
+              <a:buFont typeface="Arial"/>
+              <a:buNone/>
+              <a:defRPr sz="2000">
+                <a:solidFill>
+                  <a:schemeClr val="tx1"/>
+                </a:solidFill>
+                <a:latin typeface="+mn-lt"/>
+                <a:ea typeface="+mn-ea"/>
+                <a:cs typeface="+mn-cs"/>
+              </a:defRPr>
+            </a:lvl2pPr>
+            <a:lvl3pPr marL="914400" indent="0" algn="ctr" defTabSz="914400">
+              <a:lnSpc>
+                <a:spcPct val="90000"/>
+              </a:lnSpc>
+              <a:spcBef>
+                <a:spcPts val="499"/>
+              </a:spcBef>
+              <a:buFont typeface="Arial"/>
+              <a:buNone/>
+              <a:defRPr sz="1800">
+                <a:solidFill>
+                  <a:schemeClr val="tx1"/>
+                </a:solidFill>
+                <a:latin typeface="+mn-lt"/>
+                <a:ea typeface="+mn-ea"/>
+                <a:cs typeface="+mn-cs"/>
+              </a:defRPr>
+            </a:lvl3pPr>
+            <a:lvl4pPr marL="1371600" indent="0" algn="ctr" defTabSz="914400">
+              <a:lnSpc>
+                <a:spcPct val="90000"/>
+              </a:lnSpc>
+              <a:spcBef>
+                <a:spcPts val="499"/>
+              </a:spcBef>
+              <a:buFont typeface="Arial"/>
+              <a:buNone/>
+              <a:defRPr sz="1600">
+                <a:solidFill>
+                  <a:schemeClr val="tx1"/>
+                </a:solidFill>
+                <a:latin typeface="+mn-lt"/>
+                <a:ea typeface="+mn-ea"/>
+                <a:cs typeface="+mn-cs"/>
+              </a:defRPr>
+            </a:lvl4pPr>
+            <a:lvl5pPr marL="1828800" indent="0" algn="ctr" defTabSz="914400">
+              <a:lnSpc>
+                <a:spcPct val="90000"/>
+              </a:lnSpc>
+              <a:spcBef>
+                <a:spcPts val="499"/>
+              </a:spcBef>
+              <a:buFont typeface="Arial"/>
+              <a:buNone/>
+              <a:defRPr sz="1600">
+                <a:solidFill>
+                  <a:schemeClr val="tx1"/>
+                </a:solidFill>
+                <a:latin typeface="+mn-lt"/>
+                <a:ea typeface="+mn-ea"/>
+                <a:cs typeface="+mn-cs"/>
+              </a:defRPr>
+            </a:lvl5pPr>
+            <a:lvl6pPr marL="2286000" indent="0" algn="ctr" defTabSz="914400">
+              <a:lnSpc>
+                <a:spcPct val="90000"/>
+              </a:lnSpc>
+              <a:spcBef>
+                <a:spcPts val="499"/>
+              </a:spcBef>
+              <a:buFont typeface="Arial"/>
+              <a:buNone/>
+              <a:defRPr sz="1600">
+                <a:solidFill>
+                  <a:schemeClr val="tx1"/>
+                </a:solidFill>
+                <a:latin typeface="+mn-lt"/>
+                <a:ea typeface="+mn-ea"/>
+                <a:cs typeface="+mn-cs"/>
+              </a:defRPr>
+            </a:lvl6pPr>
+            <a:lvl7pPr marL="2743200" indent="0" algn="ctr" defTabSz="914400">
+              <a:lnSpc>
+                <a:spcPct val="90000"/>
+              </a:lnSpc>
+              <a:spcBef>
+                <a:spcPts val="499"/>
+              </a:spcBef>
+              <a:buFont typeface="Arial"/>
+              <a:buNone/>
+              <a:defRPr sz="1600">
+                <a:solidFill>
+                  <a:schemeClr val="tx1"/>
+                </a:solidFill>
+                <a:latin typeface="+mn-lt"/>
+                <a:ea typeface="+mn-ea"/>
+                <a:cs typeface="+mn-cs"/>
+              </a:defRPr>
+            </a:lvl7pPr>
+            <a:lvl8pPr marL="3200400" indent="0" algn="ctr" defTabSz="914400">
+              <a:lnSpc>
+                <a:spcPct val="90000"/>
+              </a:lnSpc>
+              <a:spcBef>
+                <a:spcPts val="499"/>
+              </a:spcBef>
+              <a:buFont typeface="Arial"/>
+              <a:buNone/>
+              <a:defRPr sz="1600">
+                <a:solidFill>
+                  <a:schemeClr val="tx1"/>
+                </a:solidFill>
+                <a:latin typeface="+mn-lt"/>
+                <a:ea typeface="+mn-ea"/>
+                <a:cs typeface="+mn-cs"/>
+              </a:defRPr>
+            </a:lvl8pPr>
+            <a:lvl9pPr marL="3657600" indent="0" algn="ctr" defTabSz="914400">
+              <a:lnSpc>
+                <a:spcPct val="90000"/>
+              </a:lnSpc>
+              <a:spcBef>
+                <a:spcPts val="499"/>
+              </a:spcBef>
+              <a:buFont typeface="Arial"/>
+              <a:buNone/>
+              <a:defRPr sz="1600">
+                <a:solidFill>
+                  <a:schemeClr val="tx1"/>
+                </a:solidFill>
+                <a:latin typeface="+mn-lt"/>
+                <a:ea typeface="+mn-ea"/>
+                <a:cs typeface="+mn-cs"/>
+              </a:defRPr>
+            </a:lvl9pPr>
+          </a:lstStyle>
+          <a:p>
+            <a:pPr>
+              <a:defRPr/>
+            </a:pPr>
+            <a:r>
+              <a:rPr lang="ru-RU" sz="3600" b="0">
+                <a:solidFill>
+                  <a:schemeClr val="bg1"/>
+                </a:solidFill>
+                <a:latin typeface="DejaVu Serif"/>
+                <a:ea typeface="DejaVu Serif"/>
+                <a:cs typeface="DejaVu Serif"/>
+              </a:rPr>
+              <a:t>Ссылки</a:t>
+            </a:r>
+            <a:endParaRPr sz="3600" b="0">
+              <a:solidFill>
+                <a:schemeClr val="bg1"/>
+              </a:solidFill>
+              <a:latin typeface="DejaVu Serif"/>
+              <a:cs typeface="DejaVu Serif"/>
+            </a:endParaRPr>
+          </a:p>
+        </p:txBody>
+      </p:sp>
+      <p:sp>
+        <p:nvSpPr>
+          <p:cNvPr id="1550406416" name="Subtitle 2"/>
+          <p:cNvSpPr>
+            <a:spLocks noGrp="1"/>
+          </p:cNvSpPr>
+          <p:nvPr/>
+        </p:nvSpPr>
+        <p:spPr bwMode="auto">
+          <a:xfrm flipH="0" flipV="0">
+            <a:off x="668535" y="2393764"/>
+            <a:ext cx="9829154" cy="2203877"/>
+          </a:xfrm>
+        </p:spPr>
+        <p:txBody>
+          <a:bodyPr vertOverflow="overflow" horzOverflow="overflow" vert="horz" wrap="square" lIns="91440" tIns="45720" rIns="91440" bIns="45720" numCol="1" spcCol="0" rtlCol="0" fromWordArt="0" anchor="t" anchorCtr="0" forceAA="0" upright="0" compatLnSpc="0">
+            <a:normAutofit/>
+          </a:bodyPr>
+          <a:lstStyle>
+            <a:lvl1pPr marL="0" indent="0" algn="ctr" defTabSz="914400">
+              <a:lnSpc>
+                <a:spcPct val="90000"/>
+              </a:lnSpc>
+              <a:spcBef>
+                <a:spcPts val="999"/>
+              </a:spcBef>
+              <a:buFont typeface="Arial"/>
+              <a:buNone/>
+              <a:defRPr sz="2400">
+                <a:solidFill>
+                  <a:schemeClr val="tx1"/>
+                </a:solidFill>
+                <a:latin typeface="+mn-lt"/>
+                <a:ea typeface="+mn-ea"/>
+                <a:cs typeface="+mn-cs"/>
+              </a:defRPr>
+            </a:lvl1pPr>
+            <a:lvl2pPr marL="457200" indent="0" algn="ctr" defTabSz="914400">
+              <a:lnSpc>
+                <a:spcPct val="90000"/>
+              </a:lnSpc>
+              <a:spcBef>
+                <a:spcPts val="499"/>
+              </a:spcBef>
+              <a:buFont typeface="Arial"/>
+              <a:buNone/>
+              <a:defRPr sz="2000">
+                <a:solidFill>
+                  <a:schemeClr val="tx1"/>
+                </a:solidFill>
+                <a:latin typeface="+mn-lt"/>
+                <a:ea typeface="+mn-ea"/>
+                <a:cs typeface="+mn-cs"/>
+              </a:defRPr>
+            </a:lvl2pPr>
+            <a:lvl3pPr marL="914400" indent="0" algn="ctr" defTabSz="914400">
+              <a:lnSpc>
+                <a:spcPct val="90000"/>
+              </a:lnSpc>
+              <a:spcBef>
+                <a:spcPts val="499"/>
+              </a:spcBef>
+              <a:buFont typeface="Arial"/>
+              <a:buNone/>
+              <a:defRPr sz="1800">
+                <a:solidFill>
+                  <a:schemeClr val="tx1"/>
+                </a:solidFill>
+                <a:latin typeface="+mn-lt"/>
+                <a:ea typeface="+mn-ea"/>
+                <a:cs typeface="+mn-cs"/>
+              </a:defRPr>
+            </a:lvl3pPr>
+            <a:lvl4pPr marL="1371600" indent="0" algn="ctr" defTabSz="914400">
+              <a:lnSpc>
+                <a:spcPct val="90000"/>
+              </a:lnSpc>
+              <a:spcBef>
+                <a:spcPts val="499"/>
+              </a:spcBef>
+              <a:buFont typeface="Arial"/>
+              <a:buNone/>
+              <a:defRPr sz="1600">
+                <a:solidFill>
+                  <a:schemeClr val="tx1"/>
+                </a:solidFill>
+                <a:latin typeface="+mn-lt"/>
+                <a:ea typeface="+mn-ea"/>
+                <a:cs typeface="+mn-cs"/>
+              </a:defRPr>
+            </a:lvl4pPr>
+            <a:lvl5pPr marL="1828800" indent="0" algn="ctr" defTabSz="914400">
+              <a:lnSpc>
+                <a:spcPct val="90000"/>
+              </a:lnSpc>
+              <a:spcBef>
+                <a:spcPts val="499"/>
+              </a:spcBef>
+              <a:buFont typeface="Arial"/>
+              <a:buNone/>
+              <a:defRPr sz="1600">
+                <a:solidFill>
+                  <a:schemeClr val="tx1"/>
+                </a:solidFill>
+                <a:latin typeface="+mn-lt"/>
+                <a:ea typeface="+mn-ea"/>
+                <a:cs typeface="+mn-cs"/>
+              </a:defRPr>
+            </a:lvl5pPr>
+            <a:lvl6pPr marL="2286000" indent="0" algn="ctr" defTabSz="914400">
+              <a:lnSpc>
+                <a:spcPct val="90000"/>
+              </a:lnSpc>
+              <a:spcBef>
+                <a:spcPts val="499"/>
+              </a:spcBef>
+              <a:buFont typeface="Arial"/>
+              <a:buNone/>
+              <a:defRPr sz="1600">
+                <a:solidFill>
+                  <a:schemeClr val="tx1"/>
+                </a:solidFill>
+                <a:latin typeface="+mn-lt"/>
+                <a:ea typeface="+mn-ea"/>
+                <a:cs typeface="+mn-cs"/>
+              </a:defRPr>
+            </a:lvl6pPr>
+            <a:lvl7pPr marL="2743200" indent="0" algn="ctr" defTabSz="914400">
+              <a:lnSpc>
+                <a:spcPct val="90000"/>
+              </a:lnSpc>
+              <a:spcBef>
+                <a:spcPts val="499"/>
+              </a:spcBef>
+              <a:buFont typeface="Arial"/>
+              <a:buNone/>
+              <a:defRPr sz="1600">
+                <a:solidFill>
+                  <a:schemeClr val="tx1"/>
+                </a:solidFill>
+                <a:latin typeface="+mn-lt"/>
+                <a:ea typeface="+mn-ea"/>
+                <a:cs typeface="+mn-cs"/>
+              </a:defRPr>
+            </a:lvl7pPr>
+            <a:lvl8pPr marL="3200400" indent="0" algn="ctr" defTabSz="914400">
+              <a:lnSpc>
+                <a:spcPct val="90000"/>
+              </a:lnSpc>
+              <a:spcBef>
+                <a:spcPts val="499"/>
+              </a:spcBef>
+              <a:buFont typeface="Arial"/>
+              <a:buNone/>
+              <a:defRPr sz="1600">
+                <a:solidFill>
+                  <a:schemeClr val="tx1"/>
+                </a:solidFill>
+                <a:latin typeface="+mn-lt"/>
+                <a:ea typeface="+mn-ea"/>
+                <a:cs typeface="+mn-cs"/>
+              </a:defRPr>
+            </a:lvl8pPr>
+            <a:lvl9pPr marL="3657600" indent="0" algn="ctr" defTabSz="914400">
+              <a:lnSpc>
+                <a:spcPct val="90000"/>
+              </a:lnSpc>
+              <a:spcBef>
+                <a:spcPts val="499"/>
+              </a:spcBef>
+              <a:buFont typeface="Arial"/>
+              <a:buNone/>
+              <a:defRPr sz="1600">
+                <a:solidFill>
+                  <a:schemeClr val="tx1"/>
+                </a:solidFill>
+                <a:latin typeface="+mn-lt"/>
+                <a:ea typeface="+mn-ea"/>
+                <a:cs typeface="+mn-cs"/>
+              </a:defRPr>
+            </a:lvl9pPr>
+          </a:lstStyle>
+          <a:p>
+            <a:pPr marL="394023" indent="-394023" algn="l">
+              <a:buFont typeface="Arial"/>
+              <a:buChar char="•"/>
+              <a:defRPr/>
+            </a:pPr>
+            <a:r>
+              <a:rPr lang="ru-RU" sz="2800" b="0">
+                <a:solidFill>
+                  <a:schemeClr val="bg1"/>
+                </a:solidFill>
+                <a:latin typeface="DejaVu Serif"/>
+                <a:ea typeface="DejaVu Serif"/>
+                <a:cs typeface="DejaVu Serif"/>
+              </a:rPr>
+              <a:t>Проект go-peer</a:t>
+            </a:r>
+            <a:endParaRPr lang="ru-RU" sz="2700" b="0" i="0" u="none" strike="noStrike" cap="none" spc="0">
+              <a:solidFill>
+                <a:schemeClr val="bg1"/>
+              </a:solidFill>
+              <a:latin typeface="DejaVu Serif"/>
+              <a:ea typeface="DejaVu Serif"/>
+              <a:cs typeface="DejaVu Serif"/>
+            </a:endParaRPr>
+          </a:p>
+          <a:p>
+            <a:pPr algn="l">
+              <a:defRPr/>
+            </a:pPr>
+            <a:r>
+              <a:rPr lang="ru-RU" sz="2000" b="0" i="0" u="none" strike="noStrike" cap="none" spc="0">
+                <a:solidFill>
+                  <a:schemeClr val="bg1"/>
+                </a:solidFill>
+                <a:latin typeface="DejaVu Serif"/>
+                <a:ea typeface="DejaVu Serif"/>
+                <a:cs typeface="DejaVu Serif"/>
+              </a:rPr>
+              <a:t>https://github.com/number571/go-peer</a:t>
+            </a:r>
+            <a:endParaRPr lang="ru-RU" sz="2800" b="0">
+              <a:solidFill>
+                <a:schemeClr val="bg1"/>
+              </a:solidFill>
+              <a:latin typeface="DejaVu Serif"/>
+              <a:ea typeface="DejaVu Serif"/>
+              <a:cs typeface="DejaVu Serif"/>
+            </a:endParaRPr>
+          </a:p>
+          <a:p>
+            <a:pPr marL="394023" indent="-394023" algn="l">
+              <a:buFont typeface="Arial"/>
+              <a:buChar char="•"/>
+              <a:defRPr/>
+            </a:pPr>
+            <a:r>
+              <a:rPr lang="ru-RU" sz="2800" b="0">
+                <a:solidFill>
+                  <a:schemeClr val="bg1"/>
+                </a:solidFill>
+                <a:latin typeface="DejaVu Serif"/>
+                <a:cs typeface="DejaVu Serif"/>
+              </a:rPr>
+              <a:t>Директория Hidden Lake</a:t>
+            </a:r>
+            <a:endParaRPr lang="ru-RU" sz="2800" b="0">
+              <a:solidFill>
+                <a:schemeClr val="bg1"/>
+              </a:solidFill>
+              <a:latin typeface="DejaVu Serif"/>
+              <a:cs typeface="DejaVu Serif"/>
+            </a:endParaRPr>
+          </a:p>
+          <a:p>
+            <a:pPr algn="l">
+              <a:defRPr/>
+            </a:pPr>
+            <a:r>
+              <a:rPr lang="ru-RU" sz="2000" b="0" i="0" u="none" strike="noStrike" cap="none" spc="0">
+                <a:solidFill>
+                  <a:schemeClr val="bg1"/>
+                </a:solidFill>
+                <a:latin typeface="DejaVu Serif"/>
+                <a:ea typeface="DejaVu Serif"/>
+                <a:cs typeface="DejaVu Serif"/>
+              </a:rPr>
+              <a:t>https://github.com/number571/go-peer/tree/master/cmd/hidden_lake</a:t>
+            </a:r>
+            <a:endParaRPr lang="ru-RU" sz="2800" b="0">
+              <a:solidFill>
+                <a:schemeClr val="bg1"/>
+              </a:solidFill>
+              <a:latin typeface="DejaVu Serif"/>
+              <a:cs typeface="DejaVu Serif"/>
+            </a:endParaRPr>
+          </a:p>
+        </p:txBody>
+      </p:sp>
     </p:spTree>
   </p:cSld>
   <p:clrMapOvr>
@@ -12792,7 +13616,7 @@
       </p:sp>
       <p:pic>
         <p:nvPicPr>
-          <p:cNvPr id="1734566980" name=""/>
+          <p:cNvPr id="2116240150" name=""/>
           <p:cNvPicPr>
             <a:picLocks noChangeAspect="1"/>
           </p:cNvPicPr>
@@ -12800,13 +13624,12 @@
         </p:nvPicPr>
         <p:blipFill>
           <a:blip r:embed="rId3"/>
-          <a:srcRect l="34500" t="18580" r="33208" b="19926"/>
           <a:stretch/>
         </p:blipFill>
         <p:spPr bwMode="auto">
           <a:xfrm flipH="0" flipV="0">
-            <a:off x="820620" y="2165106"/>
-            <a:ext cx="4346733" cy="2685314"/>
+            <a:off x="1039732" y="1498903"/>
+            <a:ext cx="4017717" cy="4017717"/>
           </a:xfrm>
           <a:prstGeom prst="rect">
             <a:avLst/>

--- a/docs/hidden_lake_anonymous_network.pptx
+++ b/docs/hidden_lake_anonymous_network.pptx
@@ -1692,7 +1692,7 @@
       </p:grpSpPr>
       <p:sp>
         <p:nvSpPr>
-          <p:cNvPr id="1111480821" name="Slide Image Placeholder 1"/>
+          <p:cNvPr id="120598433" name="Slide Image Placeholder 1"/>
           <p:cNvSpPr>
             <a:spLocks noChangeAspect="1" noGrp="1" noRot="1"/>
           </p:cNvSpPr>
@@ -1709,7 +1709,7 @@
       </p:sp>
       <p:sp>
         <p:nvSpPr>
-          <p:cNvPr id="989950442" name="Notes Placeholder 2"/>
+          <p:cNvPr id="1706999123" name="Notes Placeholder 2"/>
           <p:cNvSpPr>
             <a:spLocks noGrp="1"/>
           </p:cNvSpPr>
@@ -1734,7 +1734,7 @@
       </p:sp>
       <p:sp>
         <p:nvSpPr>
-          <p:cNvPr id="987636813" name="Slide Number Placeholder 3"/>
+          <p:cNvPr id="1536301601" name="Slide Number Placeholder 3"/>
           <p:cNvSpPr>
             <a:spLocks noGrp="1"/>
           </p:cNvSpPr>
@@ -1750,7 +1750,7 @@
             <a:pPr>
               <a:defRPr/>
             </a:pPr>
-            <a:fld id="{09555163-744C-7249-F1D0-476B8F698A7C}" type="slidenum">
+            <a:fld id="{2A01EADA-1441-0DD8-CF16-90FD4A710B71}" type="slidenum">
               <a:rPr lang="ru-RU"/>
               <a:t/>
             </a:fld>
@@ -1782,7 +1782,7 @@
       </p:grpSpPr>
       <p:sp>
         <p:nvSpPr>
-          <p:cNvPr id="120598433" name="Slide Image Placeholder 1"/>
+          <p:cNvPr id="1111480821" name="Slide Image Placeholder 1"/>
           <p:cNvSpPr>
             <a:spLocks noChangeAspect="1" noGrp="1" noRot="1"/>
           </p:cNvSpPr>
@@ -1799,7 +1799,7 @@
       </p:sp>
       <p:sp>
         <p:nvSpPr>
-          <p:cNvPr id="1706999123" name="Notes Placeholder 2"/>
+          <p:cNvPr id="989950442" name="Notes Placeholder 2"/>
           <p:cNvSpPr>
             <a:spLocks noGrp="1"/>
           </p:cNvSpPr>
@@ -1824,7 +1824,7 @@
       </p:sp>
       <p:sp>
         <p:nvSpPr>
-          <p:cNvPr id="1536301601" name="Slide Number Placeholder 3"/>
+          <p:cNvPr id="987636813" name="Slide Number Placeholder 3"/>
           <p:cNvSpPr>
             <a:spLocks noGrp="1"/>
           </p:cNvSpPr>
@@ -1840,7 +1840,7 @@
             <a:pPr>
               <a:defRPr/>
             </a:pPr>
-            <a:fld id="{2A01EADA-1441-0DD8-CF16-90FD4A710B71}" type="slidenum">
+            <a:fld id="{09555163-744C-7249-F1D0-476B8F698A7C}" type="slidenum">
               <a:rPr lang="ru-RU"/>
               <a:t/>
             </a:fld>
@@ -8063,7 +8063,7 @@
               <a:t>и </a:t>
             </a:r>
             <a:r>
-              <a:rPr lang="ru-RU" sz="2800" b="1" i="0" u="none" strike="noStrike" cap="none" spc="0">
+              <a:rPr lang="ru-RU" sz="2800" b="0" i="0" u="none" strike="noStrike" cap="none" spc="0">
                 <a:solidFill>
                   <a:schemeClr val="bg1"/>
                 </a:solidFill>
@@ -8082,7 +8082,18 @@
                 <a:ea typeface="DejaVu Serif"/>
                 <a:cs typeface="DejaVu Serif"/>
               </a:rPr>
-              <a:t>сообщений типа HL</a:t>
+              <a:t>сообщений формата </a:t>
+            </a:r>
+            <a:r>
+              <a:rPr lang="ru-RU" sz="2800" b="1" i="0" u="none" strike="noStrike" cap="none" spc="0">
+                <a:solidFill>
+                  <a:schemeClr val="bg1"/>
+                </a:solidFill>
+                <a:latin typeface="DejaVu Serif"/>
+                <a:ea typeface="DejaVu Serif"/>
+                <a:cs typeface="DejaVu Serif"/>
+              </a:rPr>
+              <a:t>go-peer</a:t>
             </a:r>
             <a:endParaRPr sz="2800" b="0">
               <a:solidFill>
@@ -8105,7 +8116,7 @@
         </p:nvPicPr>
         <p:blipFill>
           <a:blip r:embed="rId3"/>
-          <a:srcRect l="34000" t="20364" r="33296" b="22831"/>
+          <a:srcRect l="34000" t="20364" r="33295" b="22831"/>
           <a:stretch/>
         </p:blipFill>
         <p:spPr bwMode="auto">
@@ -12364,37 +12375,9 @@
           <a:chExt cx="0" cy="0"/>
         </a:xfrm>
       </p:grpSpPr>
-      <p:pic>
-        <p:nvPicPr>
-          <p:cNvPr id="2142968607" name=""/>
-          <p:cNvPicPr>
-            <a:picLocks noChangeAspect="1"/>
-          </p:cNvPicPr>
-          <p:nvPr/>
-        </p:nvPicPr>
-        <p:blipFill>
-          <a:blip r:embed="rId3"/>
-          <a:stretch/>
-        </p:blipFill>
-        <p:spPr bwMode="auto">
-          <a:xfrm>
-            <a:off x="2362932" y="1538653"/>
-            <a:ext cx="7305674" cy="4752974"/>
-          </a:xfrm>
-          <a:prstGeom prst="rect">
-            <a:avLst/>
-          </a:prstGeom>
-          <a:ln w="57150">
-            <a:solidFill>
-              <a:schemeClr val="bg2"/>
-            </a:solidFill>
-            <a:prstDash val="solid"/>
-          </a:ln>
-        </p:spPr>
-      </p:pic>
-      <p:sp>
-        <p:nvSpPr>
-          <p:cNvPr id="1216139587" name="Subtitle 2"/>
+      <p:sp>
+        <p:nvSpPr>
+          <p:cNvPr id="261025170" name="Subtitle 2"/>
           <p:cNvSpPr>
             <a:spLocks noGrp="1"/>
           </p:cNvSpPr>
@@ -12404,8 +12387,8 @@
         </p:nvSpPr>
         <p:spPr bwMode="auto">
           <a:xfrm flipH="0" flipV="0">
-            <a:off x="2596822" y="622437"/>
-            <a:ext cx="6837894" cy="550221"/>
+            <a:off x="2596821" y="622436"/>
+            <a:ext cx="6837894" cy="550220"/>
           </a:xfrm>
         </p:spPr>
         <p:txBody>
@@ -12433,6 +12416,529 @@
                 <a:schemeClr val="bg1"/>
               </a:solidFill>
               <a:latin typeface="DejaVu Serif"/>
+              <a:cs typeface="DejaVu Serif"/>
+            </a:endParaRPr>
+          </a:p>
+        </p:txBody>
+      </p:sp>
+      <p:sp>
+        <p:nvSpPr>
+          <p:cNvPr id="1921123839" name="Subtitle 2"/>
+          <p:cNvSpPr>
+            <a:spLocks noGrp="1"/>
+          </p:cNvSpPr>
+          <p:nvPr/>
+        </p:nvSpPr>
+        <p:spPr bwMode="auto">
+          <a:xfrm flipH="0" flipV="0">
+            <a:off x="1087798" y="2247898"/>
+            <a:ext cx="9791698" cy="3778495"/>
+          </a:xfrm>
+        </p:spPr>
+        <p:txBody>
+          <a:bodyPr vertOverflow="overflow" horzOverflow="overflow" vert="horz" wrap="square" lIns="91440" tIns="45720" rIns="91440" bIns="45720" numCol="1" spcCol="0" rtlCol="0" fromWordArt="0" anchor="t" anchorCtr="0" forceAA="0" upright="0" compatLnSpc="0">
+            <a:normAutofit fontScale="90000" lnSpcReduction="2000"/>
+          </a:bodyPr>
+          <a:lstStyle>
+            <a:lvl1pPr marL="0" indent="0" algn="ctr" defTabSz="914400">
+              <a:lnSpc>
+                <a:spcPct val="90000"/>
+              </a:lnSpc>
+              <a:spcBef>
+                <a:spcPts val="999"/>
+              </a:spcBef>
+              <a:buFont typeface="Arial"/>
+              <a:buNone/>
+              <a:defRPr sz="2400">
+                <a:solidFill>
+                  <a:schemeClr val="tx1"/>
+                </a:solidFill>
+                <a:latin typeface="+mn-lt"/>
+                <a:ea typeface="+mn-ea"/>
+                <a:cs typeface="+mn-cs"/>
+              </a:defRPr>
+            </a:lvl1pPr>
+            <a:lvl2pPr marL="457200" indent="0" algn="ctr" defTabSz="914400">
+              <a:lnSpc>
+                <a:spcPct val="90000"/>
+              </a:lnSpc>
+              <a:spcBef>
+                <a:spcPts val="499"/>
+              </a:spcBef>
+              <a:buFont typeface="Arial"/>
+              <a:buNone/>
+              <a:defRPr sz="2000">
+                <a:solidFill>
+                  <a:schemeClr val="tx1"/>
+                </a:solidFill>
+                <a:latin typeface="+mn-lt"/>
+                <a:ea typeface="+mn-ea"/>
+                <a:cs typeface="+mn-cs"/>
+              </a:defRPr>
+            </a:lvl2pPr>
+            <a:lvl3pPr marL="914400" indent="0" algn="ctr" defTabSz="914400">
+              <a:lnSpc>
+                <a:spcPct val="90000"/>
+              </a:lnSpc>
+              <a:spcBef>
+                <a:spcPts val="499"/>
+              </a:spcBef>
+              <a:buFont typeface="Arial"/>
+              <a:buNone/>
+              <a:defRPr sz="1800">
+                <a:solidFill>
+                  <a:schemeClr val="tx1"/>
+                </a:solidFill>
+                <a:latin typeface="+mn-lt"/>
+                <a:ea typeface="+mn-ea"/>
+                <a:cs typeface="+mn-cs"/>
+              </a:defRPr>
+            </a:lvl3pPr>
+            <a:lvl4pPr marL="1371600" indent="0" algn="ctr" defTabSz="914400">
+              <a:lnSpc>
+                <a:spcPct val="90000"/>
+              </a:lnSpc>
+              <a:spcBef>
+                <a:spcPts val="499"/>
+              </a:spcBef>
+              <a:buFont typeface="Arial"/>
+              <a:buNone/>
+              <a:defRPr sz="1600">
+                <a:solidFill>
+                  <a:schemeClr val="tx1"/>
+                </a:solidFill>
+                <a:latin typeface="+mn-lt"/>
+                <a:ea typeface="+mn-ea"/>
+                <a:cs typeface="+mn-cs"/>
+              </a:defRPr>
+            </a:lvl4pPr>
+            <a:lvl5pPr marL="1828800" indent="0" algn="ctr" defTabSz="914400">
+              <a:lnSpc>
+                <a:spcPct val="90000"/>
+              </a:lnSpc>
+              <a:spcBef>
+                <a:spcPts val="499"/>
+              </a:spcBef>
+              <a:buFont typeface="Arial"/>
+              <a:buNone/>
+              <a:defRPr sz="1600">
+                <a:solidFill>
+                  <a:schemeClr val="tx1"/>
+                </a:solidFill>
+                <a:latin typeface="+mn-lt"/>
+                <a:ea typeface="+mn-ea"/>
+                <a:cs typeface="+mn-cs"/>
+              </a:defRPr>
+            </a:lvl5pPr>
+            <a:lvl6pPr marL="2286000" indent="0" algn="ctr" defTabSz="914400">
+              <a:lnSpc>
+                <a:spcPct val="90000"/>
+              </a:lnSpc>
+              <a:spcBef>
+                <a:spcPts val="499"/>
+              </a:spcBef>
+              <a:buFont typeface="Arial"/>
+              <a:buNone/>
+              <a:defRPr sz="1600">
+                <a:solidFill>
+                  <a:schemeClr val="tx1"/>
+                </a:solidFill>
+                <a:latin typeface="+mn-lt"/>
+                <a:ea typeface="+mn-ea"/>
+                <a:cs typeface="+mn-cs"/>
+              </a:defRPr>
+            </a:lvl6pPr>
+            <a:lvl7pPr marL="2743200" indent="0" algn="ctr" defTabSz="914400">
+              <a:lnSpc>
+                <a:spcPct val="90000"/>
+              </a:lnSpc>
+              <a:spcBef>
+                <a:spcPts val="499"/>
+              </a:spcBef>
+              <a:buFont typeface="Arial"/>
+              <a:buNone/>
+              <a:defRPr sz="1600">
+                <a:solidFill>
+                  <a:schemeClr val="tx1"/>
+                </a:solidFill>
+                <a:latin typeface="+mn-lt"/>
+                <a:ea typeface="+mn-ea"/>
+                <a:cs typeface="+mn-cs"/>
+              </a:defRPr>
+            </a:lvl7pPr>
+            <a:lvl8pPr marL="3200400" indent="0" algn="ctr" defTabSz="914400">
+              <a:lnSpc>
+                <a:spcPct val="90000"/>
+              </a:lnSpc>
+              <a:spcBef>
+                <a:spcPts val="499"/>
+              </a:spcBef>
+              <a:buFont typeface="Arial"/>
+              <a:buNone/>
+              <a:defRPr sz="1600">
+                <a:solidFill>
+                  <a:schemeClr val="tx1"/>
+                </a:solidFill>
+                <a:latin typeface="+mn-lt"/>
+                <a:ea typeface="+mn-ea"/>
+                <a:cs typeface="+mn-cs"/>
+              </a:defRPr>
+            </a:lvl8pPr>
+            <a:lvl9pPr marL="3657600" indent="0" algn="ctr" defTabSz="914400">
+              <a:lnSpc>
+                <a:spcPct val="90000"/>
+              </a:lnSpc>
+              <a:spcBef>
+                <a:spcPts val="499"/>
+              </a:spcBef>
+              <a:buFont typeface="Arial"/>
+              <a:buNone/>
+              <a:defRPr sz="1600">
+                <a:solidFill>
+                  <a:schemeClr val="tx1"/>
+                </a:solidFill>
+                <a:latin typeface="+mn-lt"/>
+                <a:ea typeface="+mn-ea"/>
+                <a:cs typeface="+mn-cs"/>
+              </a:defRPr>
+            </a:lvl9pPr>
+          </a:lstStyle>
+          <a:p>
+            <a:pPr marL="482137" indent="-482137" algn="l">
+              <a:buFont typeface="Arial"/>
+              <a:buAutoNum type="arabicPeriod"/>
+              <a:defRPr/>
+            </a:pPr>
+            <a:r>
+              <a:rPr lang="ru-RU" sz="2800" b="0" i="0">
+                <a:solidFill>
+                  <a:schemeClr val="bg1"/>
+                </a:solidFill>
+                <a:latin typeface="DejaVu Serif"/>
+                <a:ea typeface="DejaVu Serif"/>
+                <a:cs typeface="DejaVu Serif"/>
+              </a:rPr>
+              <a:t>Каждое сообщение шифруется ключом получателя</a:t>
+            </a:r>
+            <a:r>
+              <a:rPr lang="ru-RU" sz="2800" b="0" i="0">
+                <a:solidFill>
+                  <a:schemeClr val="bg1"/>
+                </a:solidFill>
+                <a:latin typeface="DejaVu Serif"/>
+                <a:ea typeface="DejaVu Serif"/>
+                <a:cs typeface="DejaVu Serif"/>
+              </a:rPr>
+              <a:t>,</a:t>
+            </a:r>
+            <a:endParaRPr sz="2800" b="0" i="0">
+              <a:solidFill>
+                <a:schemeClr val="bg1"/>
+              </a:solidFill>
+              <a:latin typeface="DejaVu Serif"/>
+              <a:ea typeface="DejaVu Serif"/>
+              <a:cs typeface="DejaVu Serif"/>
+            </a:endParaRPr>
+          </a:p>
+          <a:p>
+            <a:pPr marL="482137" indent="-482137" algn="l">
+              <a:buFont typeface="Arial"/>
+              <a:buAutoNum type="arabicPeriod"/>
+              <a:defRPr/>
+            </a:pPr>
+            <a:r>
+              <a:rPr lang="ru-RU" sz="2800" b="0" i="0">
+                <a:solidFill>
+                  <a:schemeClr val="bg1"/>
+                </a:solidFill>
+                <a:latin typeface="DejaVu Serif"/>
+                <a:ea typeface="DejaVu Serif"/>
+                <a:cs typeface="DejaVu Serif"/>
+              </a:rPr>
+              <a:t>Сообщение отправляется в период </a:t>
+            </a:r>
+            <a:r>
+              <a:rPr lang="ru-RU" sz="2800" b="1" i="0">
+                <a:solidFill>
+                  <a:schemeClr val="bg1"/>
+                </a:solidFill>
+                <a:latin typeface="DejaVu Serif"/>
+                <a:ea typeface="DejaVu Serif"/>
+                <a:cs typeface="DejaVu Serif"/>
+              </a:rPr>
+              <a:t>= T</a:t>
+            </a:r>
+            <a:r>
+              <a:rPr lang="ru-RU" sz="2800" b="0" i="0">
+                <a:solidFill>
+                  <a:schemeClr val="bg1"/>
+                </a:solidFill>
+                <a:latin typeface="DejaVu Serif"/>
+                <a:ea typeface="DejaVu Serif"/>
+                <a:cs typeface="DejaVu Serif"/>
+              </a:rPr>
+              <a:t> всем участникам сети</a:t>
+            </a:r>
+            <a:r>
+              <a:rPr lang="ru-RU" sz="2800" b="0" i="0">
+                <a:solidFill>
+                  <a:schemeClr val="bg1"/>
+                </a:solidFill>
+                <a:latin typeface="DejaVu Serif"/>
+                <a:ea typeface="DejaVu Serif"/>
+                <a:cs typeface="DejaVu Serif"/>
+              </a:rPr>
+              <a:t>,</a:t>
+            </a:r>
+            <a:endParaRPr sz="2800" b="0" i="0">
+              <a:solidFill>
+                <a:schemeClr val="bg1"/>
+              </a:solidFill>
+              <a:latin typeface="DejaVu Serif"/>
+              <a:ea typeface="DejaVu Serif"/>
+              <a:cs typeface="DejaVu Serif"/>
+            </a:endParaRPr>
+          </a:p>
+          <a:p>
+            <a:pPr marL="482137" indent="-482137" algn="l">
+              <a:buFont typeface="Arial"/>
+              <a:buAutoNum type="arabicPeriod"/>
+              <a:defRPr/>
+            </a:pPr>
+            <a:r>
+              <a:rPr lang="ru-RU" sz="2800" b="0" i="0">
+                <a:solidFill>
+                  <a:schemeClr val="bg1"/>
+                </a:solidFill>
+                <a:latin typeface="DejaVu Serif"/>
+                <a:ea typeface="DejaVu Serif"/>
+                <a:cs typeface="DejaVu Serif"/>
+              </a:rPr>
+              <a:t>Период </a:t>
+            </a:r>
+            <a:r>
+              <a:rPr lang="ru-RU" sz="2800" b="1" i="0">
+                <a:solidFill>
+                  <a:schemeClr val="bg1"/>
+                </a:solidFill>
+                <a:latin typeface="DejaVu Serif"/>
+                <a:ea typeface="DejaVu Serif"/>
+                <a:cs typeface="DejaVu Serif"/>
+              </a:rPr>
+              <a:t>T</a:t>
+            </a:r>
+            <a:r>
+              <a:rPr lang="ru-RU" sz="2800" b="0" i="0">
+                <a:solidFill>
+                  <a:schemeClr val="bg1"/>
+                </a:solidFill>
+                <a:latin typeface="DejaVu Serif"/>
+                <a:ea typeface="DejaVu Serif"/>
+                <a:cs typeface="DejaVu Serif"/>
+              </a:rPr>
+              <a:t> одного участника независим от периодов </a:t>
+            </a:r>
+            <a:r>
+              <a:rPr lang="ru-RU" sz="2800" b="1" i="0">
+                <a:solidFill>
+                  <a:schemeClr val="bg1"/>
+                </a:solidFill>
+                <a:latin typeface="DejaVu Serif"/>
+                <a:ea typeface="DejaVu Serif"/>
+                <a:cs typeface="DejaVu Serif"/>
+              </a:rPr>
+              <a:t>T</a:t>
+            </a:r>
+            <a:r>
+              <a:rPr lang="ru-RU" sz="2800" b="1" i="0" baseline="-25000">
+                <a:solidFill>
+                  <a:schemeClr val="bg1"/>
+                </a:solidFill>
+                <a:latin typeface="DejaVu Serif"/>
+                <a:ea typeface="DejaVu Serif"/>
+                <a:cs typeface="DejaVu Serif"/>
+              </a:rPr>
+              <a:t>1</a:t>
+            </a:r>
+            <a:r>
+              <a:rPr lang="ru-RU" sz="2800" b="1" i="0">
+                <a:solidFill>
+                  <a:schemeClr val="bg1"/>
+                </a:solidFill>
+                <a:latin typeface="DejaVu Serif"/>
+                <a:ea typeface="DejaVu Serif"/>
+                <a:cs typeface="DejaVu Serif"/>
+              </a:rPr>
+              <a:t>, T</a:t>
+            </a:r>
+            <a:r>
+              <a:rPr lang="ru-RU" sz="2800" b="1" i="0" baseline="-25000">
+                <a:solidFill>
+                  <a:schemeClr val="bg1"/>
+                </a:solidFill>
+                <a:latin typeface="DejaVu Serif"/>
+                <a:ea typeface="DejaVu Serif"/>
+                <a:cs typeface="DejaVu Serif"/>
+              </a:rPr>
+              <a:t>2</a:t>
+            </a:r>
+            <a:r>
+              <a:rPr lang="ru-RU" sz="2800" b="1" i="0">
+                <a:solidFill>
+                  <a:schemeClr val="bg1"/>
+                </a:solidFill>
+                <a:latin typeface="DejaVu Serif"/>
+                <a:ea typeface="DejaVu Serif"/>
+                <a:cs typeface="DejaVu Serif"/>
+              </a:rPr>
+              <a:t>, ..., T</a:t>
+            </a:r>
+            <a:r>
+              <a:rPr lang="ru-RU" sz="2800" b="1" i="0" baseline="-25000">
+                <a:solidFill>
+                  <a:schemeClr val="bg1"/>
+                </a:solidFill>
+                <a:latin typeface="DejaVu Serif"/>
+                <a:ea typeface="DejaVu Serif"/>
+                <a:cs typeface="DejaVu Serif"/>
+              </a:rPr>
+              <a:t>n</a:t>
+            </a:r>
+            <a:r>
+              <a:rPr lang="ru-RU" sz="2800" b="0" i="0">
+                <a:solidFill>
+                  <a:schemeClr val="bg1"/>
+                </a:solidFill>
+                <a:latin typeface="DejaVu Serif"/>
+                <a:ea typeface="DejaVu Serif"/>
+                <a:cs typeface="DejaVu Serif"/>
+              </a:rPr>
+              <a:t> других участников</a:t>
+            </a:r>
+            <a:r>
+              <a:rPr lang="ru-RU" sz="2800" b="0" i="0">
+                <a:solidFill>
+                  <a:schemeClr val="bg1"/>
+                </a:solidFill>
+                <a:latin typeface="DejaVu Serif"/>
+                <a:ea typeface="DejaVu Serif"/>
+                <a:cs typeface="DejaVu Serif"/>
+              </a:rPr>
+              <a:t>,</a:t>
+            </a:r>
+            <a:endParaRPr sz="2800" b="0" i="0">
+              <a:solidFill>
+                <a:schemeClr val="bg1"/>
+              </a:solidFill>
+              <a:latin typeface="DejaVu Serif"/>
+              <a:ea typeface="DejaVu Serif"/>
+              <a:cs typeface="DejaVu Serif"/>
+            </a:endParaRPr>
+          </a:p>
+          <a:p>
+            <a:pPr marL="482137" indent="-482137" algn="l">
+              <a:buFont typeface="Arial"/>
+              <a:buAutoNum type="arabicPeriod"/>
+              <a:defRPr/>
+            </a:pPr>
+            <a:r>
+              <a:rPr lang="ru-RU" sz="2800" b="0" i="0">
+                <a:solidFill>
+                  <a:schemeClr val="bg1"/>
+                </a:solidFill>
+                <a:latin typeface="DejaVu Serif"/>
+                <a:ea typeface="DejaVu Serif"/>
+                <a:cs typeface="DejaVu Serif"/>
+              </a:rPr>
+              <a:t>Если </a:t>
+            </a:r>
+            <a:r>
+              <a:rPr lang="ru-RU" sz="2800" b="0" i="0" u="none" strike="noStrike" cap="none" spc="0">
+                <a:solidFill>
+                  <a:schemeClr val="bg1"/>
+                </a:solidFill>
+                <a:latin typeface="DejaVu Serif"/>
+                <a:ea typeface="DejaVu Serif"/>
+                <a:cs typeface="DejaVu Serif"/>
+              </a:rPr>
+              <a:t>на период </a:t>
+            </a:r>
+            <a:r>
+              <a:rPr lang="ru-RU" sz="2800" b="1" i="0" u="none" strike="noStrike" cap="none" spc="0">
+                <a:solidFill>
+                  <a:schemeClr val="bg1"/>
+                </a:solidFill>
+                <a:latin typeface="DejaVu Serif"/>
+                <a:ea typeface="DejaVu Serif"/>
+                <a:cs typeface="DejaVu Serif"/>
+              </a:rPr>
+              <a:t>T</a:t>
+            </a:r>
+            <a:r>
+              <a:rPr lang="ru-RU" sz="2800" b="0" i="0" u="none" strike="noStrike" cap="none" spc="0">
+                <a:solidFill>
+                  <a:schemeClr val="bg1"/>
+                </a:solidFill>
+                <a:latin typeface="DejaVu Serif"/>
+                <a:ea typeface="DejaVu Serif"/>
+                <a:cs typeface="DejaVu Serif"/>
+              </a:rPr>
+              <a:t> </a:t>
+            </a:r>
+            <a:r>
+              <a:rPr lang="ru-RU" sz="2800" b="0" i="0">
+                <a:solidFill>
+                  <a:schemeClr val="bg1"/>
+                </a:solidFill>
+                <a:latin typeface="DejaVu Serif"/>
+                <a:ea typeface="DejaVu Serif"/>
+                <a:cs typeface="DejaVu Serif"/>
+              </a:rPr>
+              <a:t>сообщения </a:t>
+            </a:r>
+            <a:r>
+              <a:rPr lang="ru-RU" sz="2800" b="0" i="0">
+                <a:solidFill>
+                  <a:schemeClr val="bg1"/>
+                </a:solidFill>
+                <a:latin typeface="DejaVu Serif"/>
+                <a:ea typeface="DejaVu Serif"/>
+                <a:cs typeface="DejaVu Serif"/>
+              </a:rPr>
+              <a:t>не существует, то в сеть отправляется ложное сообщение без получателя,</a:t>
+            </a:r>
+            <a:endParaRPr sz="2800" b="0" i="0">
+              <a:solidFill>
+                <a:schemeClr val="bg1"/>
+              </a:solidFill>
+              <a:latin typeface="DejaVu Serif"/>
+              <a:ea typeface="DejaVu Serif"/>
+              <a:cs typeface="DejaVu Serif"/>
+            </a:endParaRPr>
+          </a:p>
+          <a:p>
+            <a:pPr marL="482137" indent="-482137" algn="l">
+              <a:buFont typeface="Arial"/>
+              <a:buAutoNum type="arabicPeriod"/>
+              <a:defRPr/>
+            </a:pPr>
+            <a:r>
+              <a:rPr lang="ru-RU" sz="2800" b="0" i="0">
+                <a:solidFill>
+                  <a:schemeClr val="bg1"/>
+                </a:solidFill>
+                <a:latin typeface="DejaVu Serif"/>
+                <a:ea typeface="DejaVu Serif"/>
+                <a:cs typeface="DejaVu Serif"/>
+              </a:rPr>
+              <a:t>Каждый участник пытается расшифровать принятое им сообщение из сети.</a:t>
+            </a:r>
+            <a:endParaRPr sz="2800" b="0" i="0">
+              <a:solidFill>
+                <a:schemeClr val="bg1"/>
+              </a:solidFill>
+              <a:latin typeface="DejaVu Serif"/>
+              <a:ea typeface="DejaVu Serif"/>
               <a:cs typeface="DejaVu Serif"/>
             </a:endParaRPr>
           </a:p>
@@ -12478,9 +12984,37 @@
           <a:chExt cx="0" cy="0"/>
         </a:xfrm>
       </p:grpSpPr>
-      <p:sp>
-        <p:nvSpPr>
-          <p:cNvPr id="261025170" name="Subtitle 2"/>
+      <p:pic>
+        <p:nvPicPr>
+          <p:cNvPr id="2142968607" name=""/>
+          <p:cNvPicPr>
+            <a:picLocks noChangeAspect="1"/>
+          </p:cNvPicPr>
+          <p:nvPr/>
+        </p:nvPicPr>
+        <p:blipFill>
+          <a:blip r:embed="rId3"/>
+          <a:stretch/>
+        </p:blipFill>
+        <p:spPr bwMode="auto">
+          <a:xfrm>
+            <a:off x="2362932" y="1538653"/>
+            <a:ext cx="7305674" cy="4752974"/>
+          </a:xfrm>
+          <a:prstGeom prst="rect">
+            <a:avLst/>
+          </a:prstGeom>
+          <a:ln w="57150">
+            <a:solidFill>
+              <a:schemeClr val="bg2"/>
+            </a:solidFill>
+            <a:prstDash val="solid"/>
+          </a:ln>
+        </p:spPr>
+      </p:pic>
+      <p:sp>
+        <p:nvSpPr>
+          <p:cNvPr id="1216139587" name="Subtitle 2"/>
           <p:cNvSpPr>
             <a:spLocks noGrp="1"/>
           </p:cNvSpPr>
@@ -12490,8 +13024,8 @@
         </p:nvSpPr>
         <p:spPr bwMode="auto">
           <a:xfrm flipH="0" flipV="0">
-            <a:off x="2596821" y="622436"/>
-            <a:ext cx="6837894" cy="550220"/>
+            <a:off x="2596822" y="622437"/>
+            <a:ext cx="6837894" cy="550221"/>
           </a:xfrm>
         </p:spPr>
         <p:txBody>
@@ -12519,529 +13053,6 @@
                 <a:schemeClr val="bg1"/>
               </a:solidFill>
               <a:latin typeface="DejaVu Serif"/>
-              <a:cs typeface="DejaVu Serif"/>
-            </a:endParaRPr>
-          </a:p>
-        </p:txBody>
-      </p:sp>
-      <p:sp>
-        <p:nvSpPr>
-          <p:cNvPr id="1921123839" name="Subtitle 2"/>
-          <p:cNvSpPr>
-            <a:spLocks noGrp="1"/>
-          </p:cNvSpPr>
-          <p:nvPr/>
-        </p:nvSpPr>
-        <p:spPr bwMode="auto">
-          <a:xfrm flipH="0" flipV="0">
-            <a:off x="1087798" y="2247898"/>
-            <a:ext cx="9791698" cy="3778495"/>
-          </a:xfrm>
-        </p:spPr>
-        <p:txBody>
-          <a:bodyPr vertOverflow="overflow" horzOverflow="overflow" vert="horz" wrap="square" lIns="91440" tIns="45720" rIns="91440" bIns="45720" numCol="1" spcCol="0" rtlCol="0" fromWordArt="0" anchor="t" anchorCtr="0" forceAA="0" upright="0" compatLnSpc="0">
-            <a:normAutofit fontScale="90000" lnSpcReduction="2000"/>
-          </a:bodyPr>
-          <a:lstStyle>
-            <a:lvl1pPr marL="0" indent="0" algn="ctr" defTabSz="914400">
-              <a:lnSpc>
-                <a:spcPct val="90000"/>
-              </a:lnSpc>
-              <a:spcBef>
-                <a:spcPts val="999"/>
-              </a:spcBef>
-              <a:buFont typeface="Arial"/>
-              <a:buNone/>
-              <a:defRPr sz="2400">
-                <a:solidFill>
-                  <a:schemeClr val="tx1"/>
-                </a:solidFill>
-                <a:latin typeface="+mn-lt"/>
-                <a:ea typeface="+mn-ea"/>
-                <a:cs typeface="+mn-cs"/>
-              </a:defRPr>
-            </a:lvl1pPr>
-            <a:lvl2pPr marL="457200" indent="0" algn="ctr" defTabSz="914400">
-              <a:lnSpc>
-                <a:spcPct val="90000"/>
-              </a:lnSpc>
-              <a:spcBef>
-                <a:spcPts val="499"/>
-              </a:spcBef>
-              <a:buFont typeface="Arial"/>
-              <a:buNone/>
-              <a:defRPr sz="2000">
-                <a:solidFill>
-                  <a:schemeClr val="tx1"/>
-                </a:solidFill>
-                <a:latin typeface="+mn-lt"/>
-                <a:ea typeface="+mn-ea"/>
-                <a:cs typeface="+mn-cs"/>
-              </a:defRPr>
-            </a:lvl2pPr>
-            <a:lvl3pPr marL="914400" indent="0" algn="ctr" defTabSz="914400">
-              <a:lnSpc>
-                <a:spcPct val="90000"/>
-              </a:lnSpc>
-              <a:spcBef>
-                <a:spcPts val="499"/>
-              </a:spcBef>
-              <a:buFont typeface="Arial"/>
-              <a:buNone/>
-              <a:defRPr sz="1800">
-                <a:solidFill>
-                  <a:schemeClr val="tx1"/>
-                </a:solidFill>
-                <a:latin typeface="+mn-lt"/>
-                <a:ea typeface="+mn-ea"/>
-                <a:cs typeface="+mn-cs"/>
-              </a:defRPr>
-            </a:lvl3pPr>
-            <a:lvl4pPr marL="1371600" indent="0" algn="ctr" defTabSz="914400">
-              <a:lnSpc>
-                <a:spcPct val="90000"/>
-              </a:lnSpc>
-              <a:spcBef>
-                <a:spcPts val="499"/>
-              </a:spcBef>
-              <a:buFont typeface="Arial"/>
-              <a:buNone/>
-              <a:defRPr sz="1600">
-                <a:solidFill>
-                  <a:schemeClr val="tx1"/>
-                </a:solidFill>
-                <a:latin typeface="+mn-lt"/>
-                <a:ea typeface="+mn-ea"/>
-                <a:cs typeface="+mn-cs"/>
-              </a:defRPr>
-            </a:lvl4pPr>
-            <a:lvl5pPr marL="1828800" indent="0" algn="ctr" defTabSz="914400">
-              <a:lnSpc>
-                <a:spcPct val="90000"/>
-              </a:lnSpc>
-              <a:spcBef>
-                <a:spcPts val="499"/>
-              </a:spcBef>
-              <a:buFont typeface="Arial"/>
-              <a:buNone/>
-              <a:defRPr sz="1600">
-                <a:solidFill>
-                  <a:schemeClr val="tx1"/>
-                </a:solidFill>
-                <a:latin typeface="+mn-lt"/>
-                <a:ea typeface="+mn-ea"/>
-                <a:cs typeface="+mn-cs"/>
-              </a:defRPr>
-            </a:lvl5pPr>
-            <a:lvl6pPr marL="2286000" indent="0" algn="ctr" defTabSz="914400">
-              <a:lnSpc>
-                <a:spcPct val="90000"/>
-              </a:lnSpc>
-              <a:spcBef>
-                <a:spcPts val="499"/>
-              </a:spcBef>
-              <a:buFont typeface="Arial"/>
-              <a:buNone/>
-              <a:defRPr sz="1600">
-                <a:solidFill>
-                  <a:schemeClr val="tx1"/>
-                </a:solidFill>
-                <a:latin typeface="+mn-lt"/>
-                <a:ea typeface="+mn-ea"/>
-                <a:cs typeface="+mn-cs"/>
-              </a:defRPr>
-            </a:lvl6pPr>
-            <a:lvl7pPr marL="2743200" indent="0" algn="ctr" defTabSz="914400">
-              <a:lnSpc>
-                <a:spcPct val="90000"/>
-              </a:lnSpc>
-              <a:spcBef>
-                <a:spcPts val="499"/>
-              </a:spcBef>
-              <a:buFont typeface="Arial"/>
-              <a:buNone/>
-              <a:defRPr sz="1600">
-                <a:solidFill>
-                  <a:schemeClr val="tx1"/>
-                </a:solidFill>
-                <a:latin typeface="+mn-lt"/>
-                <a:ea typeface="+mn-ea"/>
-                <a:cs typeface="+mn-cs"/>
-              </a:defRPr>
-            </a:lvl7pPr>
-            <a:lvl8pPr marL="3200400" indent="0" algn="ctr" defTabSz="914400">
-              <a:lnSpc>
-                <a:spcPct val="90000"/>
-              </a:lnSpc>
-              <a:spcBef>
-                <a:spcPts val="499"/>
-              </a:spcBef>
-              <a:buFont typeface="Arial"/>
-              <a:buNone/>
-              <a:defRPr sz="1600">
-                <a:solidFill>
-                  <a:schemeClr val="tx1"/>
-                </a:solidFill>
-                <a:latin typeface="+mn-lt"/>
-                <a:ea typeface="+mn-ea"/>
-                <a:cs typeface="+mn-cs"/>
-              </a:defRPr>
-            </a:lvl8pPr>
-            <a:lvl9pPr marL="3657600" indent="0" algn="ctr" defTabSz="914400">
-              <a:lnSpc>
-                <a:spcPct val="90000"/>
-              </a:lnSpc>
-              <a:spcBef>
-                <a:spcPts val="499"/>
-              </a:spcBef>
-              <a:buFont typeface="Arial"/>
-              <a:buNone/>
-              <a:defRPr sz="1600">
-                <a:solidFill>
-                  <a:schemeClr val="tx1"/>
-                </a:solidFill>
-                <a:latin typeface="+mn-lt"/>
-                <a:ea typeface="+mn-ea"/>
-                <a:cs typeface="+mn-cs"/>
-              </a:defRPr>
-            </a:lvl9pPr>
-          </a:lstStyle>
-          <a:p>
-            <a:pPr marL="482137" indent="-482137" algn="l">
-              <a:buFont typeface="Arial"/>
-              <a:buAutoNum type="arabicPeriod"/>
-              <a:defRPr/>
-            </a:pPr>
-            <a:r>
-              <a:rPr lang="ru-RU" sz="2800" b="0" i="0">
-                <a:solidFill>
-                  <a:schemeClr val="bg1"/>
-                </a:solidFill>
-                <a:latin typeface="DejaVu Serif"/>
-                <a:ea typeface="DejaVu Serif"/>
-                <a:cs typeface="DejaVu Serif"/>
-              </a:rPr>
-              <a:t>Каждое сообщение шифруется ключом получателя</a:t>
-            </a:r>
-            <a:r>
-              <a:rPr lang="ru-RU" sz="2800" b="0" i="0">
-                <a:solidFill>
-                  <a:schemeClr val="bg1"/>
-                </a:solidFill>
-                <a:latin typeface="DejaVu Serif"/>
-                <a:ea typeface="DejaVu Serif"/>
-                <a:cs typeface="DejaVu Serif"/>
-              </a:rPr>
-              <a:t>,</a:t>
-            </a:r>
-            <a:endParaRPr sz="2800" b="0" i="0">
-              <a:solidFill>
-                <a:schemeClr val="bg1"/>
-              </a:solidFill>
-              <a:latin typeface="DejaVu Serif"/>
-              <a:ea typeface="DejaVu Serif"/>
-              <a:cs typeface="DejaVu Serif"/>
-            </a:endParaRPr>
-          </a:p>
-          <a:p>
-            <a:pPr marL="482137" indent="-482137" algn="l">
-              <a:buFont typeface="Arial"/>
-              <a:buAutoNum type="arabicPeriod"/>
-              <a:defRPr/>
-            </a:pPr>
-            <a:r>
-              <a:rPr lang="ru-RU" sz="2800" b="0" i="0">
-                <a:solidFill>
-                  <a:schemeClr val="bg1"/>
-                </a:solidFill>
-                <a:latin typeface="DejaVu Serif"/>
-                <a:ea typeface="DejaVu Serif"/>
-                <a:cs typeface="DejaVu Serif"/>
-              </a:rPr>
-              <a:t>Сообщение отправляется в период </a:t>
-            </a:r>
-            <a:r>
-              <a:rPr lang="ru-RU" sz="2800" b="1" i="0">
-                <a:solidFill>
-                  <a:schemeClr val="bg1"/>
-                </a:solidFill>
-                <a:latin typeface="DejaVu Serif"/>
-                <a:ea typeface="DejaVu Serif"/>
-                <a:cs typeface="DejaVu Serif"/>
-              </a:rPr>
-              <a:t>= T</a:t>
-            </a:r>
-            <a:r>
-              <a:rPr lang="ru-RU" sz="2800" b="0" i="0">
-                <a:solidFill>
-                  <a:schemeClr val="bg1"/>
-                </a:solidFill>
-                <a:latin typeface="DejaVu Serif"/>
-                <a:ea typeface="DejaVu Serif"/>
-                <a:cs typeface="DejaVu Serif"/>
-              </a:rPr>
-              <a:t> всем участникам сети</a:t>
-            </a:r>
-            <a:r>
-              <a:rPr lang="ru-RU" sz="2800" b="0" i="0">
-                <a:solidFill>
-                  <a:schemeClr val="bg1"/>
-                </a:solidFill>
-                <a:latin typeface="DejaVu Serif"/>
-                <a:ea typeface="DejaVu Serif"/>
-                <a:cs typeface="DejaVu Serif"/>
-              </a:rPr>
-              <a:t>,</a:t>
-            </a:r>
-            <a:endParaRPr sz="2800" b="0" i="0">
-              <a:solidFill>
-                <a:schemeClr val="bg1"/>
-              </a:solidFill>
-              <a:latin typeface="DejaVu Serif"/>
-              <a:ea typeface="DejaVu Serif"/>
-              <a:cs typeface="DejaVu Serif"/>
-            </a:endParaRPr>
-          </a:p>
-          <a:p>
-            <a:pPr marL="482137" indent="-482137" algn="l">
-              <a:buFont typeface="Arial"/>
-              <a:buAutoNum type="arabicPeriod"/>
-              <a:defRPr/>
-            </a:pPr>
-            <a:r>
-              <a:rPr lang="ru-RU" sz="2800" b="0" i="0">
-                <a:solidFill>
-                  <a:schemeClr val="bg1"/>
-                </a:solidFill>
-                <a:latin typeface="DejaVu Serif"/>
-                <a:ea typeface="DejaVu Serif"/>
-                <a:cs typeface="DejaVu Serif"/>
-              </a:rPr>
-              <a:t>Период </a:t>
-            </a:r>
-            <a:r>
-              <a:rPr lang="ru-RU" sz="2800" b="1" i="0">
-                <a:solidFill>
-                  <a:schemeClr val="bg1"/>
-                </a:solidFill>
-                <a:latin typeface="DejaVu Serif"/>
-                <a:ea typeface="DejaVu Serif"/>
-                <a:cs typeface="DejaVu Serif"/>
-              </a:rPr>
-              <a:t>T</a:t>
-            </a:r>
-            <a:r>
-              <a:rPr lang="ru-RU" sz="2800" b="0" i="0">
-                <a:solidFill>
-                  <a:schemeClr val="bg1"/>
-                </a:solidFill>
-                <a:latin typeface="DejaVu Serif"/>
-                <a:ea typeface="DejaVu Serif"/>
-                <a:cs typeface="DejaVu Serif"/>
-              </a:rPr>
-              <a:t> одного участника независим от периодов </a:t>
-            </a:r>
-            <a:r>
-              <a:rPr lang="ru-RU" sz="2800" b="1" i="0">
-                <a:solidFill>
-                  <a:schemeClr val="bg1"/>
-                </a:solidFill>
-                <a:latin typeface="DejaVu Serif"/>
-                <a:ea typeface="DejaVu Serif"/>
-                <a:cs typeface="DejaVu Serif"/>
-              </a:rPr>
-              <a:t>T</a:t>
-            </a:r>
-            <a:r>
-              <a:rPr lang="ru-RU" sz="2800" b="1" i="0" baseline="-25000">
-                <a:solidFill>
-                  <a:schemeClr val="bg1"/>
-                </a:solidFill>
-                <a:latin typeface="DejaVu Serif"/>
-                <a:ea typeface="DejaVu Serif"/>
-                <a:cs typeface="DejaVu Serif"/>
-              </a:rPr>
-              <a:t>1</a:t>
-            </a:r>
-            <a:r>
-              <a:rPr lang="ru-RU" sz="2800" b="1" i="0">
-                <a:solidFill>
-                  <a:schemeClr val="bg1"/>
-                </a:solidFill>
-                <a:latin typeface="DejaVu Serif"/>
-                <a:ea typeface="DejaVu Serif"/>
-                <a:cs typeface="DejaVu Serif"/>
-              </a:rPr>
-              <a:t>, T</a:t>
-            </a:r>
-            <a:r>
-              <a:rPr lang="ru-RU" sz="2800" b="1" i="0" baseline="-25000">
-                <a:solidFill>
-                  <a:schemeClr val="bg1"/>
-                </a:solidFill>
-                <a:latin typeface="DejaVu Serif"/>
-                <a:ea typeface="DejaVu Serif"/>
-                <a:cs typeface="DejaVu Serif"/>
-              </a:rPr>
-              <a:t>2</a:t>
-            </a:r>
-            <a:r>
-              <a:rPr lang="ru-RU" sz="2800" b="1" i="0">
-                <a:solidFill>
-                  <a:schemeClr val="bg1"/>
-                </a:solidFill>
-                <a:latin typeface="DejaVu Serif"/>
-                <a:ea typeface="DejaVu Serif"/>
-                <a:cs typeface="DejaVu Serif"/>
-              </a:rPr>
-              <a:t>, ..., T</a:t>
-            </a:r>
-            <a:r>
-              <a:rPr lang="ru-RU" sz="2800" b="1" i="0" baseline="-25000">
-                <a:solidFill>
-                  <a:schemeClr val="bg1"/>
-                </a:solidFill>
-                <a:latin typeface="DejaVu Serif"/>
-                <a:ea typeface="DejaVu Serif"/>
-                <a:cs typeface="DejaVu Serif"/>
-              </a:rPr>
-              <a:t>n</a:t>
-            </a:r>
-            <a:r>
-              <a:rPr lang="ru-RU" sz="2800" b="0" i="0">
-                <a:solidFill>
-                  <a:schemeClr val="bg1"/>
-                </a:solidFill>
-                <a:latin typeface="DejaVu Serif"/>
-                <a:ea typeface="DejaVu Serif"/>
-                <a:cs typeface="DejaVu Serif"/>
-              </a:rPr>
-              <a:t> других участников</a:t>
-            </a:r>
-            <a:r>
-              <a:rPr lang="ru-RU" sz="2800" b="0" i="0">
-                <a:solidFill>
-                  <a:schemeClr val="bg1"/>
-                </a:solidFill>
-                <a:latin typeface="DejaVu Serif"/>
-                <a:ea typeface="DejaVu Serif"/>
-                <a:cs typeface="DejaVu Serif"/>
-              </a:rPr>
-              <a:t>,</a:t>
-            </a:r>
-            <a:endParaRPr sz="2800" b="0" i="0">
-              <a:solidFill>
-                <a:schemeClr val="bg1"/>
-              </a:solidFill>
-              <a:latin typeface="DejaVu Serif"/>
-              <a:ea typeface="DejaVu Serif"/>
-              <a:cs typeface="DejaVu Serif"/>
-            </a:endParaRPr>
-          </a:p>
-          <a:p>
-            <a:pPr marL="482137" indent="-482137" algn="l">
-              <a:buFont typeface="Arial"/>
-              <a:buAutoNum type="arabicPeriod"/>
-              <a:defRPr/>
-            </a:pPr>
-            <a:r>
-              <a:rPr lang="ru-RU" sz="2800" b="0" i="0">
-                <a:solidFill>
-                  <a:schemeClr val="bg1"/>
-                </a:solidFill>
-                <a:latin typeface="DejaVu Serif"/>
-                <a:ea typeface="DejaVu Serif"/>
-                <a:cs typeface="DejaVu Serif"/>
-              </a:rPr>
-              <a:t>Если </a:t>
-            </a:r>
-            <a:r>
-              <a:rPr lang="ru-RU" sz="2800" b="0" i="0" u="none" strike="noStrike" cap="none" spc="0">
-                <a:solidFill>
-                  <a:schemeClr val="bg1"/>
-                </a:solidFill>
-                <a:latin typeface="DejaVu Serif"/>
-                <a:ea typeface="DejaVu Serif"/>
-                <a:cs typeface="DejaVu Serif"/>
-              </a:rPr>
-              <a:t>на период </a:t>
-            </a:r>
-            <a:r>
-              <a:rPr lang="ru-RU" sz="2800" b="1" i="0" u="none" strike="noStrike" cap="none" spc="0">
-                <a:solidFill>
-                  <a:schemeClr val="bg1"/>
-                </a:solidFill>
-                <a:latin typeface="DejaVu Serif"/>
-                <a:ea typeface="DejaVu Serif"/>
-                <a:cs typeface="DejaVu Serif"/>
-              </a:rPr>
-              <a:t>T</a:t>
-            </a:r>
-            <a:r>
-              <a:rPr lang="ru-RU" sz="2800" b="0" i="0" u="none" strike="noStrike" cap="none" spc="0">
-                <a:solidFill>
-                  <a:schemeClr val="bg1"/>
-                </a:solidFill>
-                <a:latin typeface="DejaVu Serif"/>
-                <a:ea typeface="DejaVu Serif"/>
-                <a:cs typeface="DejaVu Serif"/>
-              </a:rPr>
-              <a:t> </a:t>
-            </a:r>
-            <a:r>
-              <a:rPr lang="ru-RU" sz="2800" b="0" i="0">
-                <a:solidFill>
-                  <a:schemeClr val="bg1"/>
-                </a:solidFill>
-                <a:latin typeface="DejaVu Serif"/>
-                <a:ea typeface="DejaVu Serif"/>
-                <a:cs typeface="DejaVu Serif"/>
-              </a:rPr>
-              <a:t>сообщения </a:t>
-            </a:r>
-            <a:r>
-              <a:rPr lang="ru-RU" sz="2800" b="0" i="0">
-                <a:solidFill>
-                  <a:schemeClr val="bg1"/>
-                </a:solidFill>
-                <a:latin typeface="DejaVu Serif"/>
-                <a:ea typeface="DejaVu Serif"/>
-                <a:cs typeface="DejaVu Serif"/>
-              </a:rPr>
-              <a:t>не существует, то в сеть отправляется ложное сообщение без получателя,</a:t>
-            </a:r>
-            <a:endParaRPr sz="2800" b="0" i="0">
-              <a:solidFill>
-                <a:schemeClr val="bg1"/>
-              </a:solidFill>
-              <a:latin typeface="DejaVu Serif"/>
-              <a:ea typeface="DejaVu Serif"/>
-              <a:cs typeface="DejaVu Serif"/>
-            </a:endParaRPr>
-          </a:p>
-          <a:p>
-            <a:pPr marL="482137" indent="-482137" algn="l">
-              <a:buFont typeface="Arial"/>
-              <a:buAutoNum type="arabicPeriod"/>
-              <a:defRPr/>
-            </a:pPr>
-            <a:r>
-              <a:rPr lang="ru-RU" sz="2800" b="0" i="0">
-                <a:solidFill>
-                  <a:schemeClr val="bg1"/>
-                </a:solidFill>
-                <a:latin typeface="DejaVu Serif"/>
-                <a:ea typeface="DejaVu Serif"/>
-                <a:cs typeface="DejaVu Serif"/>
-              </a:rPr>
-              <a:t>Каждый участник пытается расшифровать принятое им сообщение из сети.</a:t>
-            </a:r>
-            <a:endParaRPr sz="2800" b="0" i="0">
-              <a:solidFill>
-                <a:schemeClr val="bg1"/>
-              </a:solidFill>
-              <a:latin typeface="DejaVu Serif"/>
-              <a:ea typeface="DejaVu Serif"/>
               <a:cs typeface="DejaVu Serif"/>
             </a:endParaRPr>
           </a:p>

--- a/docs/hidden_lake_anonymous_network.pptx
+++ b/docs/hidden_lake_anonymous_network.pptx
@@ -5994,8 +5994,8 @@
         </p:nvSpPr>
         <p:spPr bwMode="auto">
           <a:xfrm flipH="0" flipV="0">
-            <a:off x="661298" y="2641355"/>
-            <a:ext cx="10752259" cy="2344615"/>
+            <a:off x="661297" y="2641354"/>
+            <a:ext cx="10752258" cy="2359269"/>
           </a:xfrm>
         </p:spPr>
         <p:txBody>
@@ -6293,8 +6293,21 @@
                 <a:ea typeface="DejaVu Serif"/>
                 <a:cs typeface="DejaVu Serif"/>
               </a:rPr>
-              <a:t>На текущий момент существует 4 сервиса: </a:t>
-            </a:r>
+              <a:t>На текущий момент существует 5 сервисов: </a:t>
+            </a:r>
+            <a:endParaRPr lang="ru-RU" sz="2400" b="0" i="0" u="none" strike="noStrike" cap="none" spc="0">
+              <a:solidFill>
+                <a:schemeClr val="bg1"/>
+              </a:solidFill>
+              <a:latin typeface="DejaVu Serif"/>
+              <a:ea typeface="DejaVu Serif"/>
+              <a:cs typeface="DejaVu Serif"/>
+            </a:endParaRPr>
+          </a:p>
+          <a:p>
+            <a:pPr algn="ctr">
+              <a:defRPr/>
+            </a:pPr>
             <a:r>
               <a:rPr lang="ru-RU" sz="2400" b="0" i="0" u="none" strike="noStrike" cap="none" spc="0">
                 <a:solidFill>
@@ -6337,7 +6350,7 @@
                 <a:ea typeface="DejaVu Serif"/>
                 <a:cs typeface="DejaVu Serif"/>
               </a:rPr>
-              <a:t>HLL</a:t>
+              <a:t>HLL, HLE</a:t>
             </a:r>
             <a:endParaRPr sz="2400" b="0">
               <a:solidFill>
@@ -6347,209 +6360,6 @@
               <a:ea typeface="DejaVu Serif"/>
               <a:cs typeface="DejaVu Serif"/>
             </a:endParaRPr>
-          </a:p>
-          <a:p>
-            <a:pPr algn="ctr">
-              <a:defRPr/>
-            </a:pPr>
-            <a:endParaRPr sz="2800" b="0">
-              <a:solidFill>
-                <a:schemeClr val="bg1"/>
-              </a:solidFill>
-              <a:latin typeface="DejaVu Serif"/>
-              <a:ea typeface="DejaVu Serif"/>
-              <a:cs typeface="DejaVu Serif"/>
-            </a:endParaRPr>
-          </a:p>
-        </p:txBody>
-      </p:sp>
-      <p:sp>
-        <p:nvSpPr>
-          <p:cNvPr id="1434824501" name="Subtitle 2"/>
-          <p:cNvSpPr>
-            <a:spLocks noGrp="1"/>
-          </p:cNvSpPr>
-          <p:nvPr/>
-        </p:nvSpPr>
-        <p:spPr bwMode="auto">
-          <a:xfrm flipH="0" flipV="0">
-            <a:off x="7420384" y="1978269"/>
-            <a:ext cx="4127255" cy="3797543"/>
-          </a:xfrm>
-        </p:spPr>
-        <p:txBody>
-          <a:bodyPr vertOverflow="overflow" horzOverflow="overflow" vert="horz" wrap="square" lIns="91440" tIns="45720" rIns="91440" bIns="45720" numCol="1" spcCol="0" rtlCol="0" fromWordArt="0" anchor="t" anchorCtr="0" forceAA="0" upright="0" compatLnSpc="0">
-            <a:normAutofit/>
-          </a:bodyPr>
-          <a:lstStyle>
-            <a:lvl1pPr marL="0" indent="0" algn="ctr" defTabSz="914400">
-              <a:lnSpc>
-                <a:spcPct val="90000"/>
-              </a:lnSpc>
-              <a:spcBef>
-                <a:spcPts val="999"/>
-              </a:spcBef>
-              <a:buFont typeface="Arial"/>
-              <a:buNone/>
-              <a:defRPr sz="2400">
-                <a:solidFill>
-                  <a:schemeClr val="tx1"/>
-                </a:solidFill>
-                <a:latin typeface="+mn-lt"/>
-                <a:ea typeface="+mn-ea"/>
-                <a:cs typeface="+mn-cs"/>
-              </a:defRPr>
-            </a:lvl1pPr>
-            <a:lvl2pPr marL="457200" indent="0" algn="ctr" defTabSz="914400">
-              <a:lnSpc>
-                <a:spcPct val="90000"/>
-              </a:lnSpc>
-              <a:spcBef>
-                <a:spcPts val="499"/>
-              </a:spcBef>
-              <a:buFont typeface="Arial"/>
-              <a:buNone/>
-              <a:defRPr sz="2000">
-                <a:solidFill>
-                  <a:schemeClr val="tx1"/>
-                </a:solidFill>
-                <a:latin typeface="+mn-lt"/>
-                <a:ea typeface="+mn-ea"/>
-                <a:cs typeface="+mn-cs"/>
-              </a:defRPr>
-            </a:lvl2pPr>
-            <a:lvl3pPr marL="914400" indent="0" algn="ctr" defTabSz="914400">
-              <a:lnSpc>
-                <a:spcPct val="90000"/>
-              </a:lnSpc>
-              <a:spcBef>
-                <a:spcPts val="499"/>
-              </a:spcBef>
-              <a:buFont typeface="Arial"/>
-              <a:buNone/>
-              <a:defRPr sz="1800">
-                <a:solidFill>
-                  <a:schemeClr val="tx1"/>
-                </a:solidFill>
-                <a:latin typeface="+mn-lt"/>
-                <a:ea typeface="+mn-ea"/>
-                <a:cs typeface="+mn-cs"/>
-              </a:defRPr>
-            </a:lvl3pPr>
-            <a:lvl4pPr marL="1371600" indent="0" algn="ctr" defTabSz="914400">
-              <a:lnSpc>
-                <a:spcPct val="90000"/>
-              </a:lnSpc>
-              <a:spcBef>
-                <a:spcPts val="499"/>
-              </a:spcBef>
-              <a:buFont typeface="Arial"/>
-              <a:buNone/>
-              <a:defRPr sz="1600">
-                <a:solidFill>
-                  <a:schemeClr val="tx1"/>
-                </a:solidFill>
-                <a:latin typeface="+mn-lt"/>
-                <a:ea typeface="+mn-ea"/>
-                <a:cs typeface="+mn-cs"/>
-              </a:defRPr>
-            </a:lvl4pPr>
-            <a:lvl5pPr marL="1828800" indent="0" algn="ctr" defTabSz="914400">
-              <a:lnSpc>
-                <a:spcPct val="90000"/>
-              </a:lnSpc>
-              <a:spcBef>
-                <a:spcPts val="499"/>
-              </a:spcBef>
-              <a:buFont typeface="Arial"/>
-              <a:buNone/>
-              <a:defRPr sz="1600">
-                <a:solidFill>
-                  <a:schemeClr val="tx1"/>
-                </a:solidFill>
-                <a:latin typeface="+mn-lt"/>
-                <a:ea typeface="+mn-ea"/>
-                <a:cs typeface="+mn-cs"/>
-              </a:defRPr>
-            </a:lvl5pPr>
-            <a:lvl6pPr marL="2286000" indent="0" algn="ctr" defTabSz="914400">
-              <a:lnSpc>
-                <a:spcPct val="90000"/>
-              </a:lnSpc>
-              <a:spcBef>
-                <a:spcPts val="499"/>
-              </a:spcBef>
-              <a:buFont typeface="Arial"/>
-              <a:buNone/>
-              <a:defRPr sz="1600">
-                <a:solidFill>
-                  <a:schemeClr val="tx1"/>
-                </a:solidFill>
-                <a:latin typeface="+mn-lt"/>
-                <a:ea typeface="+mn-ea"/>
-                <a:cs typeface="+mn-cs"/>
-              </a:defRPr>
-            </a:lvl6pPr>
-            <a:lvl7pPr marL="2743200" indent="0" algn="ctr" defTabSz="914400">
-              <a:lnSpc>
-                <a:spcPct val="90000"/>
-              </a:lnSpc>
-              <a:spcBef>
-                <a:spcPts val="499"/>
-              </a:spcBef>
-              <a:buFont typeface="Arial"/>
-              <a:buNone/>
-              <a:defRPr sz="1600">
-                <a:solidFill>
-                  <a:schemeClr val="tx1"/>
-                </a:solidFill>
-                <a:latin typeface="+mn-lt"/>
-                <a:ea typeface="+mn-ea"/>
-                <a:cs typeface="+mn-cs"/>
-              </a:defRPr>
-            </a:lvl7pPr>
-            <a:lvl8pPr marL="3200400" indent="0" algn="ctr" defTabSz="914400">
-              <a:lnSpc>
-                <a:spcPct val="90000"/>
-              </a:lnSpc>
-              <a:spcBef>
-                <a:spcPts val="499"/>
-              </a:spcBef>
-              <a:buFont typeface="Arial"/>
-              <a:buNone/>
-              <a:defRPr sz="1600">
-                <a:solidFill>
-                  <a:schemeClr val="tx1"/>
-                </a:solidFill>
-                <a:latin typeface="+mn-lt"/>
-                <a:ea typeface="+mn-ea"/>
-                <a:cs typeface="+mn-cs"/>
-              </a:defRPr>
-            </a:lvl8pPr>
-            <a:lvl9pPr marL="3657600" indent="0" algn="ctr" defTabSz="914400">
-              <a:lnSpc>
-                <a:spcPct val="90000"/>
-              </a:lnSpc>
-              <a:spcBef>
-                <a:spcPts val="499"/>
-              </a:spcBef>
-              <a:buFont typeface="Arial"/>
-              <a:buNone/>
-              <a:defRPr sz="1600">
-                <a:solidFill>
-                  <a:schemeClr val="tx1"/>
-                </a:solidFill>
-                <a:latin typeface="+mn-lt"/>
-                <a:ea typeface="+mn-ea"/>
-                <a:cs typeface="+mn-cs"/>
-              </a:defRPr>
-            </a:lvl9pPr>
-          </a:lstStyle>
-          <a:p>
-            <a:pPr>
-              <a:defRPr/>
-            </a:pPr>
-            <a:endParaRPr/>
           </a:p>
         </p:txBody>
       </p:sp>

--- a/docs/hidden_lake_anonymous_network.pptx
+++ b/docs/hidden_lake_anonymous_network.pptx
@@ -5,7 +5,7 @@
     <p:sldMasterId id="2147483648" r:id="rId1"/>
   </p:sldMasterIdLst>
   <p:notesMasterIdLst>
-    <p:notesMasterId r:id="rId24"/>
+    <p:notesMasterId r:id="rId25"/>
   </p:notesMasterIdLst>
   <p:sldIdLst>
     <p:sldId id="256" r:id="rId4"/>
@@ -28,6 +28,7 @@
     <p:sldId id="273" r:id="rId21"/>
     <p:sldId id="274" r:id="rId22"/>
     <p:sldId id="275" r:id="rId23"/>
+    <p:sldId id="276" r:id="rId24"/>
   </p:sldIdLst>
   <p:sldSz cx="12192000" cy="6858000"/>
   <p:notesSz cx="6858000" cy="9144000"/>
@@ -1062,7 +1063,7 @@
       </p:grpSpPr>
       <p:sp>
         <p:nvSpPr>
-          <p:cNvPr id="133442018" name="Slide Image Placeholder 1"/>
+          <p:cNvPr id="1034402889" name="Slide Image Placeholder 1"/>
           <p:cNvSpPr>
             <a:spLocks noChangeAspect="1" noGrp="1" noRot="1"/>
           </p:cNvSpPr>
@@ -1079,7 +1080,7 @@
       </p:sp>
       <p:sp>
         <p:nvSpPr>
-          <p:cNvPr id="889146850" name="Notes Placeholder 2"/>
+          <p:cNvPr id="209875784" name="Notes Placeholder 2"/>
           <p:cNvSpPr>
             <a:spLocks noGrp="1"/>
           </p:cNvSpPr>
@@ -1104,7 +1105,7 @@
       </p:sp>
       <p:sp>
         <p:nvSpPr>
-          <p:cNvPr id="1316121892" name="Slide Number Placeholder 3"/>
+          <p:cNvPr id="252421212" name="Slide Number Placeholder 3"/>
           <p:cNvSpPr>
             <a:spLocks noGrp="1"/>
           </p:cNvSpPr>
@@ -1120,7 +1121,7 @@
             <a:pPr>
               <a:defRPr/>
             </a:pPr>
-            <a:fld id="{AF0EDD2A-8ECF-765C-1458-D6CE0083FFE4}" type="slidenum">
+            <a:fld id="{B798F575-F241-97D8-E319-0F8F0E460582}" type="slidenum">
               <a:rPr lang="ru-RU"/>
               <a:t/>
             </a:fld>
@@ -1242,7 +1243,7 @@
       </p:grpSpPr>
       <p:sp>
         <p:nvSpPr>
-          <p:cNvPr id="887171195" name="Slide Image Placeholder 1"/>
+          <p:cNvPr id="133442018" name="Slide Image Placeholder 1"/>
           <p:cNvSpPr>
             <a:spLocks noChangeAspect="1" noGrp="1" noRot="1"/>
           </p:cNvSpPr>
@@ -1259,7 +1260,7 @@
       </p:sp>
       <p:sp>
         <p:nvSpPr>
-          <p:cNvPr id="1296665718" name="Notes Placeholder 2"/>
+          <p:cNvPr id="889146850" name="Notes Placeholder 2"/>
           <p:cNvSpPr>
             <a:spLocks noGrp="1"/>
           </p:cNvSpPr>
@@ -1284,7 +1285,7 @@
       </p:sp>
       <p:sp>
         <p:nvSpPr>
-          <p:cNvPr id="1782754467" name="Slide Number Placeholder 3"/>
+          <p:cNvPr id="1316121892" name="Slide Number Placeholder 3"/>
           <p:cNvSpPr>
             <a:spLocks noGrp="1"/>
           </p:cNvSpPr>
@@ -1300,7 +1301,7 @@
             <a:pPr>
               <a:defRPr/>
             </a:pPr>
-            <a:fld id="{83B7ED5F-49BB-5F4A-230A-5CC1BEDB6F7E}" type="slidenum">
+            <a:fld id="{AF0EDD2A-8ECF-765C-1458-D6CE0083FFE4}" type="slidenum">
               <a:rPr lang="ru-RU"/>
               <a:t/>
             </a:fld>
@@ -1332,7 +1333,7 @@
       </p:grpSpPr>
       <p:sp>
         <p:nvSpPr>
-          <p:cNvPr id="514698531" name="Slide Image Placeholder 1"/>
+          <p:cNvPr id="887171195" name="Slide Image Placeholder 1"/>
           <p:cNvSpPr>
             <a:spLocks noChangeAspect="1" noGrp="1" noRot="1"/>
           </p:cNvSpPr>
@@ -1349,7 +1350,7 @@
       </p:sp>
       <p:sp>
         <p:nvSpPr>
-          <p:cNvPr id="1339032351" name="Notes Placeholder 2"/>
+          <p:cNvPr id="1296665718" name="Notes Placeholder 2"/>
           <p:cNvSpPr>
             <a:spLocks noGrp="1"/>
           </p:cNvSpPr>
@@ -1374,7 +1375,7 @@
       </p:sp>
       <p:sp>
         <p:nvSpPr>
-          <p:cNvPr id="468628742" name="Slide Number Placeholder 3"/>
+          <p:cNvPr id="1782754467" name="Slide Number Placeholder 3"/>
           <p:cNvSpPr>
             <a:spLocks noGrp="1"/>
           </p:cNvSpPr>
@@ -1390,7 +1391,7 @@
             <a:pPr>
               <a:defRPr/>
             </a:pPr>
-            <a:fld id="{20C6741D-8B94-5ED4-F1AF-F6F700B21825}" type="slidenum">
+            <a:fld id="{83B7ED5F-49BB-5F4A-230A-5CC1BEDB6F7E}" type="slidenum">
               <a:rPr lang="ru-RU"/>
               <a:t/>
             </a:fld>
@@ -1422,7 +1423,7 @@
       </p:grpSpPr>
       <p:sp>
         <p:nvSpPr>
-          <p:cNvPr id="1780811880" name="Slide Image Placeholder 1"/>
+          <p:cNvPr id="514698531" name="Slide Image Placeholder 1"/>
           <p:cNvSpPr>
             <a:spLocks noChangeAspect="1" noGrp="1" noRot="1"/>
           </p:cNvSpPr>
@@ -1439,7 +1440,7 @@
       </p:sp>
       <p:sp>
         <p:nvSpPr>
-          <p:cNvPr id="1090427538" name="Notes Placeholder 2"/>
+          <p:cNvPr id="1339032351" name="Notes Placeholder 2"/>
           <p:cNvSpPr>
             <a:spLocks noGrp="1"/>
           </p:cNvSpPr>
@@ -1464,7 +1465,7 @@
       </p:sp>
       <p:sp>
         <p:nvSpPr>
-          <p:cNvPr id="1085470337" name="Slide Number Placeholder 3"/>
+          <p:cNvPr id="468628742" name="Slide Number Placeholder 3"/>
           <p:cNvSpPr>
             <a:spLocks noGrp="1"/>
           </p:cNvSpPr>
@@ -1480,7 +1481,7 @@
             <a:pPr>
               <a:defRPr/>
             </a:pPr>
-            <a:fld id="{318E1E2E-4B95-9401-E2C8-19C08B89FF53}" type="slidenum">
+            <a:fld id="{20C6741D-8B94-5ED4-F1AF-F6F700B21825}" type="slidenum">
               <a:rPr lang="ru-RU"/>
               <a:t/>
             </a:fld>
@@ -1584,6 +1585,96 @@
 </file>
 
 <file path=ppt/notesSlides/notesSlide20.xml><?xml version="1.0" encoding="utf-8"?>
+<p:notes xmlns:a="http://schemas.openxmlformats.org/drawingml/2006/main" xmlns:r="http://schemas.openxmlformats.org/officeDocument/2006/relationships" xmlns:p="http://schemas.openxmlformats.org/presentationml/2006/main" xmlns:m="http://schemas.openxmlformats.org/officeDocument/2006/math" xmlns:w="http://schemas.openxmlformats.org/wordprocessingml/2006/main">
+  <p:cSld name="">
+    <p:spTree>
+      <p:nvGrpSpPr>
+        <p:cNvPr id="1" name=""/>
+        <p:cNvGrpSpPr/>
+        <p:nvPr/>
+      </p:nvGrpSpPr>
+      <p:grpSpPr bwMode="auto">
+        <a:xfrm>
+          <a:off x="0" y="0"/>
+          <a:ext cx="0" cy="0"/>
+          <a:chOff x="0" y="0"/>
+          <a:chExt cx="0" cy="0"/>
+        </a:xfrm>
+      </p:grpSpPr>
+      <p:sp>
+        <p:nvSpPr>
+          <p:cNvPr id="1780811880" name="Slide Image Placeholder 1"/>
+          <p:cNvSpPr>
+            <a:spLocks noChangeAspect="1" noGrp="1" noRot="1"/>
+          </p:cNvSpPr>
+          <p:nvPr>
+            <p:ph type="sldImg"/>
+          </p:nvPr>
+        </p:nvSpPr>
+        <p:spPr bwMode="auto">
+          <a:xfrm>
+            <a:off x="685800" y="1143000"/>
+            <a:ext cx="5486400" cy="3086100"/>
+          </a:xfrm>
+        </p:spPr>
+      </p:sp>
+      <p:sp>
+        <p:nvSpPr>
+          <p:cNvPr id="1090427538" name="Notes Placeholder 2"/>
+          <p:cNvSpPr>
+            <a:spLocks noGrp="1"/>
+          </p:cNvSpPr>
+          <p:nvPr>
+            <p:ph type="body" idx="1"/>
+          </p:nvPr>
+        </p:nvSpPr>
+        <p:spPr bwMode="auto"/>
+        <p:txBody>
+          <a:bodyPr/>
+          <a:lstStyle/>
+          <a:p>
+            <a:pPr>
+              <a:defRPr/>
+            </a:pPr>
+            <a:endParaRPr lang="ru-RU">
+              <a:latin typeface="Arial"/>
+              <a:cs typeface="Arial"/>
+            </a:endParaRPr>
+          </a:p>
+        </p:txBody>
+      </p:sp>
+      <p:sp>
+        <p:nvSpPr>
+          <p:cNvPr id="1085470337" name="Slide Number Placeholder 3"/>
+          <p:cNvSpPr>
+            <a:spLocks noGrp="1"/>
+          </p:cNvSpPr>
+          <p:nvPr>
+            <p:ph type="sldNum" sz="quarter" idx="10"/>
+          </p:nvPr>
+        </p:nvSpPr>
+        <p:spPr bwMode="auto"/>
+        <p:txBody>
+          <a:bodyPr/>
+          <a:lstStyle/>
+          <a:p>
+            <a:pPr>
+              <a:defRPr/>
+            </a:pPr>
+            <a:fld id="{318E1E2E-4B95-9401-E2C8-19C08B89FF53}" type="slidenum">
+              <a:rPr lang="ru-RU"/>
+              <a:t/>
+            </a:fld>
+            <a:endParaRPr lang="ru-RU"/>
+          </a:p>
+        </p:txBody>
+      </p:sp>
+    </p:spTree>
+  </p:cSld>
+</p:notes>
+</file>
+
+<file path=ppt/notesSlides/notesSlide21.xml><?xml version="1.0" encoding="utf-8"?>
 <p:notes xmlns:a="http://schemas.openxmlformats.org/drawingml/2006/main" xmlns:r="http://schemas.openxmlformats.org/officeDocument/2006/relationships" xmlns:p="http://schemas.openxmlformats.org/presentationml/2006/main" xmlns:m="http://schemas.openxmlformats.org/officeDocument/2006/math" xmlns:w="http://schemas.openxmlformats.org/wordprocessingml/2006/main">
   <p:cSld name="">
     <p:spTree>
@@ -6293,7 +6384,7 @@
                 <a:ea typeface="DejaVu Serif"/>
                 <a:cs typeface="DejaVu Serif"/>
               </a:rPr>
-              <a:t>На текущий момент существует 5 сервисов: </a:t>
+              <a:t>На текущий момент существует 6 сервисов: </a:t>
             </a:r>
             <a:endParaRPr lang="ru-RU" sz="2400" b="0" i="0" u="none" strike="noStrike" cap="none" spc="0">
               <a:solidFill>
@@ -6309,7 +6400,7 @@
               <a:defRPr/>
             </a:pPr>
             <a:r>
-              <a:rPr lang="ru-RU" sz="2400" b="0" i="0" u="none" strike="noStrike" cap="none" spc="0">
+              <a:rPr lang="ru-RU" sz="2400" b="1" i="0" u="none" strike="noStrike" cap="none" spc="0">
                 <a:solidFill>
                   <a:schemeClr val="bg1"/>
                 </a:solidFill>
@@ -6320,7 +6411,7 @@
               <a:t>HLS, </a:t>
             </a:r>
             <a:r>
-              <a:rPr lang="ru-RU" sz="2400" b="0" i="0" u="none" strike="noStrike" cap="none" spc="0">
+              <a:rPr lang="ru-RU" sz="2400" b="1" i="0" u="none" strike="noStrike" cap="none" spc="0">
                 <a:solidFill>
                   <a:schemeClr val="bg1"/>
                 </a:solidFill>
@@ -6331,7 +6422,7 @@
               <a:t>HLT, </a:t>
             </a:r>
             <a:r>
-              <a:rPr lang="ru-RU" sz="2400" b="0" i="0" u="none" strike="noStrike" cap="none" spc="0">
+              <a:rPr lang="ru-RU" sz="2400" b="1" i="0" u="none" strike="noStrike" cap="none" spc="0">
                 <a:solidFill>
                   <a:schemeClr val="bg1"/>
                 </a:solidFill>
@@ -6339,10 +6430,10 @@
                 <a:ea typeface="DejaVu Serif"/>
                 <a:cs typeface="DejaVu Serif"/>
               </a:rPr>
-              <a:t>HLM, </a:t>
-            </a:r>
-            <a:r>
-              <a:rPr lang="ru-RU" sz="2400" b="0" i="0" u="none" strike="noStrike" cap="none" spc="0">
+              <a:t>HLM, HLF</a:t>
+            </a:r>
+            <a:r>
+              <a:rPr lang="ru-RU" sz="2400" b="1" i="0" u="none" strike="noStrike" cap="none" spc="0">
                 <a:solidFill>
                   <a:schemeClr val="bg1"/>
                 </a:solidFill>
@@ -6350,7 +6441,18 @@
                 <a:ea typeface="DejaVu Serif"/>
                 <a:cs typeface="DejaVu Serif"/>
               </a:rPr>
-              <a:t>HLL, HLE</a:t>
+              <a:t>, HLE, </a:t>
+            </a:r>
+            <a:r>
+              <a:rPr lang="ru-RU" sz="2400" b="1" i="0" u="none" strike="noStrike" cap="none" spc="0">
+                <a:solidFill>
+                  <a:schemeClr val="bg1"/>
+                </a:solidFill>
+                <a:latin typeface="DejaVu Serif"/>
+                <a:ea typeface="DejaVu Serif"/>
+                <a:cs typeface="DejaVu Serif"/>
+              </a:rPr>
+              <a:t>HLL</a:t>
             </a:r>
             <a:endParaRPr sz="2400" b="0">
               <a:solidFill>
@@ -7334,7 +7436,7 @@
       </p:grpSpPr>
       <p:sp>
         <p:nvSpPr>
-          <p:cNvPr id="610656097" name="Subtitle 2"/>
+          <p:cNvPr id="214760723" name="Subtitle 2"/>
           <p:cNvSpPr>
             <a:spLocks noGrp="1"/>
           </p:cNvSpPr>
@@ -7342,8 +7444,8 @@
         </p:nvSpPr>
         <p:spPr bwMode="auto">
           <a:xfrm flipH="0" flipV="0">
-            <a:off x="5619747" y="2458180"/>
-            <a:ext cx="5885394" cy="2084510"/>
+            <a:off x="5552019" y="2918860"/>
+            <a:ext cx="6227884" cy="1313353"/>
           </a:xfrm>
         </p:spPr>
         <p:txBody>
@@ -7356,7 +7458,7 @@
                 <a:spcPct val="90000"/>
               </a:lnSpc>
               <a:spcBef>
-                <a:spcPts val="999"/>
+                <a:spcPts val="998"/>
               </a:spcBef>
               <a:buFont typeface="Arial"/>
               <a:buNone/>
@@ -7374,7 +7476,7 @@
                 <a:spcPct val="90000"/>
               </a:lnSpc>
               <a:spcBef>
-                <a:spcPts val="499"/>
+                <a:spcPts val="498"/>
               </a:spcBef>
               <a:buFont typeface="Arial"/>
               <a:buNone/>
@@ -7392,7 +7494,7 @@
                 <a:spcPct val="90000"/>
               </a:lnSpc>
               <a:spcBef>
-                <a:spcPts val="499"/>
+                <a:spcPts val="498"/>
               </a:spcBef>
               <a:buFont typeface="Arial"/>
               <a:buNone/>
@@ -7410,7 +7512,7 @@
                 <a:spcPct val="90000"/>
               </a:lnSpc>
               <a:spcBef>
-                <a:spcPts val="499"/>
+                <a:spcPts val="498"/>
               </a:spcBef>
               <a:buFont typeface="Arial"/>
               <a:buNone/>
@@ -7428,7 +7530,7 @@
                 <a:spcPct val="90000"/>
               </a:lnSpc>
               <a:spcBef>
-                <a:spcPts val="499"/>
+                <a:spcPts val="498"/>
               </a:spcBef>
               <a:buFont typeface="Arial"/>
               <a:buNone/>
@@ -7446,7 +7548,7 @@
                 <a:spcPct val="90000"/>
               </a:lnSpc>
               <a:spcBef>
-                <a:spcPts val="499"/>
+                <a:spcPts val="498"/>
               </a:spcBef>
               <a:buFont typeface="Arial"/>
               <a:buNone/>
@@ -7464,7 +7566,7 @@
                 <a:spcPct val="90000"/>
               </a:lnSpc>
               <a:spcBef>
-                <a:spcPts val="499"/>
+                <a:spcPts val="498"/>
               </a:spcBef>
               <a:buFont typeface="Arial"/>
               <a:buNone/>
@@ -7482,7 +7584,7 @@
                 <a:spcPct val="90000"/>
               </a:lnSpc>
               <a:spcBef>
-                <a:spcPts val="499"/>
+                <a:spcPts val="498"/>
               </a:spcBef>
               <a:buFont typeface="Arial"/>
               <a:buNone/>
@@ -7500,7 +7602,7 @@
                 <a:spcPct val="90000"/>
               </a:lnSpc>
               <a:spcBef>
-                <a:spcPts val="499"/>
+                <a:spcPts val="498"/>
               </a:spcBef>
               <a:buFont typeface="Arial"/>
               <a:buNone/>
@@ -7527,10 +7629,10 @@
                 <a:ea typeface="DejaVu Serif"/>
                 <a:cs typeface="DejaVu Serif"/>
               </a:rPr>
-              <a:t>HLL (Hidden Lake Loader) — </a:t>
-            </a:r>
-            <a:r>
-              <a:rPr lang="ru-RU" sz="2800" b="1" i="0" u="none" strike="noStrike" cap="none" spc="0">
+              <a:t>HLF (Hidden Lake Filesharer) — </a:t>
+            </a:r>
+            <a:r>
+              <a:rPr lang="ru-RU" sz="2800" b="0" i="0" u="none" strike="noStrike" cap="none" spc="0">
                 <a:solidFill>
                   <a:schemeClr val="bg1"/>
                 </a:solidFill>
@@ -7538,10 +7640,10 @@
                 <a:ea typeface="DejaVu Serif"/>
                 <a:cs typeface="DejaVu Serif"/>
               </a:rPr>
-              <a:t>скачиватель </a:t>
-            </a:r>
-            <a:r>
-              <a:rPr lang="ru-RU" sz="2800" b="0" i="0" u="none" strike="noStrike" cap="none" spc="0">
+              <a:t>анонимный </a:t>
+            </a:r>
+            <a:r>
+              <a:rPr lang="ru-RU" sz="2800" b="1" i="0" u="none" strike="noStrike" cap="none" spc="0">
                 <a:solidFill>
                   <a:schemeClr val="bg1"/>
                 </a:solidFill>
@@ -7549,7 +7651,18 @@
                 <a:ea typeface="DejaVu Serif"/>
                 <a:cs typeface="DejaVu Serif"/>
               </a:rPr>
-              <a:t>и распределитель трафика между несколькими HLT сервисами</a:t>
+              <a:t>файлообменник</a:t>
+            </a:r>
+            <a:r>
+              <a:rPr lang="ru-RU" sz="2800" b="0" i="0" u="none" strike="noStrike" cap="none" spc="0">
+                <a:solidFill>
+                  <a:schemeClr val="bg1"/>
+                </a:solidFill>
+                <a:latin typeface="DejaVu Serif"/>
+                <a:ea typeface="DejaVu Serif"/>
+                <a:cs typeface="DejaVu Serif"/>
+              </a:rPr>
+              <a:t>, вызывающий функции HLS</a:t>
             </a:r>
             <a:endParaRPr sz="2800" b="0">
               <a:solidFill>
@@ -7564,7 +7677,7 @@
       </p:sp>
       <p:pic>
         <p:nvPicPr>
-          <p:cNvPr id="1445042602" name=""/>
+          <p:cNvPr id="983286509" name=""/>
           <p:cNvPicPr>
             <a:picLocks noChangeAspect="1"/>
           </p:cNvPicPr>
@@ -7572,13 +7685,13 @@
         </p:nvPicPr>
         <p:blipFill>
           <a:blip r:embed="rId3"/>
-          <a:srcRect l="36077" t="24382" r="35798" b="28006"/>
+          <a:srcRect l="28587" t="13511" r="28874" b="13543"/>
           <a:stretch/>
         </p:blipFill>
         <p:spPr bwMode="auto">
           <a:xfrm flipH="0" flipV="0">
-            <a:off x="789518" y="2201740"/>
-            <a:ext cx="4469423" cy="2454518"/>
+            <a:off x="697932" y="2531700"/>
+            <a:ext cx="4610422" cy="2087671"/>
           </a:xfrm>
           <a:prstGeom prst="rect">
             <a:avLst/>
@@ -7987,7 +8100,7 @@
       </p:grpSpPr>
       <p:sp>
         <p:nvSpPr>
-          <p:cNvPr id="492961581" name="Subtitle 2"/>
+          <p:cNvPr id="610656097" name="Subtitle 2"/>
           <p:cNvSpPr>
             <a:spLocks noGrp="1"/>
           </p:cNvSpPr>
@@ -7995,8 +8108,8 @@
         </p:nvSpPr>
         <p:spPr bwMode="auto">
           <a:xfrm flipH="0" flipV="0">
-            <a:off x="5619746" y="2577242"/>
-            <a:ext cx="5885393" cy="1809752"/>
+            <a:off x="5619747" y="2458180"/>
+            <a:ext cx="5885394" cy="2084510"/>
           </a:xfrm>
         </p:spPr>
         <p:txBody>
@@ -8009,7 +8122,7 @@
                 <a:spcPct val="90000"/>
               </a:lnSpc>
               <a:spcBef>
-                <a:spcPts val="998"/>
+                <a:spcPts val="999"/>
               </a:spcBef>
               <a:buFont typeface="Arial"/>
               <a:buNone/>
@@ -8027,7 +8140,7 @@
                 <a:spcPct val="90000"/>
               </a:lnSpc>
               <a:spcBef>
-                <a:spcPts val="498"/>
+                <a:spcPts val="499"/>
               </a:spcBef>
               <a:buFont typeface="Arial"/>
               <a:buNone/>
@@ -8045,7 +8158,7 @@
                 <a:spcPct val="90000"/>
               </a:lnSpc>
               <a:spcBef>
-                <a:spcPts val="498"/>
+                <a:spcPts val="499"/>
               </a:spcBef>
               <a:buFont typeface="Arial"/>
               <a:buNone/>
@@ -8063,7 +8176,7 @@
                 <a:spcPct val="90000"/>
               </a:lnSpc>
               <a:spcBef>
-                <a:spcPts val="498"/>
+                <a:spcPts val="499"/>
               </a:spcBef>
               <a:buFont typeface="Arial"/>
               <a:buNone/>
@@ -8081,7 +8194,7 @@
                 <a:spcPct val="90000"/>
               </a:lnSpc>
               <a:spcBef>
-                <a:spcPts val="498"/>
+                <a:spcPts val="499"/>
               </a:spcBef>
               <a:buFont typeface="Arial"/>
               <a:buNone/>
@@ -8099,7 +8212,7 @@
                 <a:spcPct val="90000"/>
               </a:lnSpc>
               <a:spcBef>
-                <a:spcPts val="498"/>
+                <a:spcPts val="499"/>
               </a:spcBef>
               <a:buFont typeface="Arial"/>
               <a:buNone/>
@@ -8117,7 +8230,7 @@
                 <a:spcPct val="90000"/>
               </a:lnSpc>
               <a:spcBef>
-                <a:spcPts val="498"/>
+                <a:spcPts val="499"/>
               </a:spcBef>
               <a:buFont typeface="Arial"/>
               <a:buNone/>
@@ -8135,7 +8248,7 @@
                 <a:spcPct val="90000"/>
               </a:lnSpc>
               <a:spcBef>
-                <a:spcPts val="498"/>
+                <a:spcPts val="499"/>
               </a:spcBef>
               <a:buFont typeface="Arial"/>
               <a:buNone/>
@@ -8153,7 +8266,7 @@
                 <a:spcPct val="90000"/>
               </a:lnSpc>
               <a:spcBef>
-                <a:spcPts val="498"/>
+                <a:spcPts val="499"/>
               </a:spcBef>
               <a:buFont typeface="Arial"/>
               <a:buNone/>
@@ -8180,7 +8293,7 @@
                 <a:ea typeface="DejaVu Serif"/>
                 <a:cs typeface="DejaVu Serif"/>
               </a:rPr>
-              <a:t>HLA (Hidden Lake Adapters) — </a:t>
+              <a:t>HLL (Hidden Lake Loader) — </a:t>
             </a:r>
             <a:r>
               <a:rPr lang="ru-RU" sz="2800" b="1" i="0" u="none" strike="noStrike" cap="none" spc="0">
@@ -8191,7 +8304,7 @@
                 <a:ea typeface="DejaVu Serif"/>
                 <a:cs typeface="DejaVu Serif"/>
               </a:rPr>
-              <a:t>адаптеры </a:t>
+              <a:t>скачиватель </a:t>
             </a:r>
             <a:r>
               <a:rPr lang="ru-RU" sz="2800" b="0" i="0" u="none" strike="noStrike" cap="none" spc="0">
@@ -8202,7 +8315,7 @@
                 <a:ea typeface="DejaVu Serif"/>
                 <a:cs typeface="DejaVu Serif"/>
               </a:rPr>
-              <a:t>для создания анонимных коммуникаций в централизованных системах</a:t>
+              <a:t>и распределитель трафика между несколькими HLT сервисами</a:t>
             </a:r>
             <a:endParaRPr sz="2800" b="0">
               <a:solidFill>
@@ -8217,7 +8330,7 @@
       </p:sp>
       <p:pic>
         <p:nvPicPr>
-          <p:cNvPr id="854405764" name=""/>
+          <p:cNvPr id="1445042602" name=""/>
           <p:cNvPicPr>
             <a:picLocks noChangeAspect="1"/>
           </p:cNvPicPr>
@@ -8225,13 +8338,13 @@
         </p:nvPicPr>
         <p:blipFill>
           <a:blip r:embed="rId3"/>
-          <a:srcRect l="35787" t="21586" r="34502" b="22978"/>
+          <a:srcRect l="36077" t="24382" r="35798" b="28006"/>
           <a:stretch/>
         </p:blipFill>
         <p:spPr bwMode="auto">
           <a:xfrm flipH="0" flipV="0">
-            <a:off x="569711" y="2018564"/>
-            <a:ext cx="4835769" cy="2927108"/>
+            <a:off x="789518" y="2201740"/>
+            <a:ext cx="4469423" cy="2454518"/>
           </a:xfrm>
           <a:prstGeom prst="rect">
             <a:avLst/>
@@ -8286,6 +8399,305 @@
       </p:grpSpPr>
       <p:sp>
         <p:nvSpPr>
+          <p:cNvPr id="492961581" name="Subtitle 2"/>
+          <p:cNvSpPr>
+            <a:spLocks noGrp="1"/>
+          </p:cNvSpPr>
+          <p:nvPr/>
+        </p:nvSpPr>
+        <p:spPr bwMode="auto">
+          <a:xfrm flipH="0" flipV="0">
+            <a:off x="417630" y="2577241"/>
+            <a:ext cx="5885393" cy="1809752"/>
+          </a:xfrm>
+        </p:spPr>
+        <p:txBody>
+          <a:bodyPr vertOverflow="overflow" horzOverflow="overflow" vert="horz" wrap="square" lIns="91440" tIns="45720" rIns="91440" bIns="45720" numCol="1" spcCol="0" rtlCol="0" fromWordArt="0" anchor="t" anchorCtr="0" forceAA="0" upright="0" compatLnSpc="0">
+            <a:normAutofit/>
+          </a:bodyPr>
+          <a:lstStyle>
+            <a:lvl1pPr marL="0" indent="0" algn="ctr" defTabSz="914400">
+              <a:lnSpc>
+                <a:spcPct val="90000"/>
+              </a:lnSpc>
+              <a:spcBef>
+                <a:spcPts val="998"/>
+              </a:spcBef>
+              <a:buFont typeface="Arial"/>
+              <a:buNone/>
+              <a:defRPr sz="2400">
+                <a:solidFill>
+                  <a:schemeClr val="tx1"/>
+                </a:solidFill>
+                <a:latin typeface="+mn-lt"/>
+                <a:ea typeface="+mn-ea"/>
+                <a:cs typeface="+mn-cs"/>
+              </a:defRPr>
+            </a:lvl1pPr>
+            <a:lvl2pPr marL="457200" indent="0" algn="ctr" defTabSz="914400">
+              <a:lnSpc>
+                <a:spcPct val="90000"/>
+              </a:lnSpc>
+              <a:spcBef>
+                <a:spcPts val="498"/>
+              </a:spcBef>
+              <a:buFont typeface="Arial"/>
+              <a:buNone/>
+              <a:defRPr sz="2000">
+                <a:solidFill>
+                  <a:schemeClr val="tx1"/>
+                </a:solidFill>
+                <a:latin typeface="+mn-lt"/>
+                <a:ea typeface="+mn-ea"/>
+                <a:cs typeface="+mn-cs"/>
+              </a:defRPr>
+            </a:lvl2pPr>
+            <a:lvl3pPr marL="914400" indent="0" algn="ctr" defTabSz="914400">
+              <a:lnSpc>
+                <a:spcPct val="90000"/>
+              </a:lnSpc>
+              <a:spcBef>
+                <a:spcPts val="498"/>
+              </a:spcBef>
+              <a:buFont typeface="Arial"/>
+              <a:buNone/>
+              <a:defRPr sz="1800">
+                <a:solidFill>
+                  <a:schemeClr val="tx1"/>
+                </a:solidFill>
+                <a:latin typeface="+mn-lt"/>
+                <a:ea typeface="+mn-ea"/>
+                <a:cs typeface="+mn-cs"/>
+              </a:defRPr>
+            </a:lvl3pPr>
+            <a:lvl4pPr marL="1371600" indent="0" algn="ctr" defTabSz="914400">
+              <a:lnSpc>
+                <a:spcPct val="90000"/>
+              </a:lnSpc>
+              <a:spcBef>
+                <a:spcPts val="498"/>
+              </a:spcBef>
+              <a:buFont typeface="Arial"/>
+              <a:buNone/>
+              <a:defRPr sz="1600">
+                <a:solidFill>
+                  <a:schemeClr val="tx1"/>
+                </a:solidFill>
+                <a:latin typeface="+mn-lt"/>
+                <a:ea typeface="+mn-ea"/>
+                <a:cs typeface="+mn-cs"/>
+              </a:defRPr>
+            </a:lvl4pPr>
+            <a:lvl5pPr marL="1828800" indent="0" algn="ctr" defTabSz="914400">
+              <a:lnSpc>
+                <a:spcPct val="90000"/>
+              </a:lnSpc>
+              <a:spcBef>
+                <a:spcPts val="498"/>
+              </a:spcBef>
+              <a:buFont typeface="Arial"/>
+              <a:buNone/>
+              <a:defRPr sz="1600">
+                <a:solidFill>
+                  <a:schemeClr val="tx1"/>
+                </a:solidFill>
+                <a:latin typeface="+mn-lt"/>
+                <a:ea typeface="+mn-ea"/>
+                <a:cs typeface="+mn-cs"/>
+              </a:defRPr>
+            </a:lvl5pPr>
+            <a:lvl6pPr marL="2286000" indent="0" algn="ctr" defTabSz="914400">
+              <a:lnSpc>
+                <a:spcPct val="90000"/>
+              </a:lnSpc>
+              <a:spcBef>
+                <a:spcPts val="498"/>
+              </a:spcBef>
+              <a:buFont typeface="Arial"/>
+              <a:buNone/>
+              <a:defRPr sz="1600">
+                <a:solidFill>
+                  <a:schemeClr val="tx1"/>
+                </a:solidFill>
+                <a:latin typeface="+mn-lt"/>
+                <a:ea typeface="+mn-ea"/>
+                <a:cs typeface="+mn-cs"/>
+              </a:defRPr>
+            </a:lvl6pPr>
+            <a:lvl7pPr marL="2743200" indent="0" algn="ctr" defTabSz="914400">
+              <a:lnSpc>
+                <a:spcPct val="90000"/>
+              </a:lnSpc>
+              <a:spcBef>
+                <a:spcPts val="498"/>
+              </a:spcBef>
+              <a:buFont typeface="Arial"/>
+              <a:buNone/>
+              <a:defRPr sz="1600">
+                <a:solidFill>
+                  <a:schemeClr val="tx1"/>
+                </a:solidFill>
+                <a:latin typeface="+mn-lt"/>
+                <a:ea typeface="+mn-ea"/>
+                <a:cs typeface="+mn-cs"/>
+              </a:defRPr>
+            </a:lvl7pPr>
+            <a:lvl8pPr marL="3200400" indent="0" algn="ctr" defTabSz="914400">
+              <a:lnSpc>
+                <a:spcPct val="90000"/>
+              </a:lnSpc>
+              <a:spcBef>
+                <a:spcPts val="498"/>
+              </a:spcBef>
+              <a:buFont typeface="Arial"/>
+              <a:buNone/>
+              <a:defRPr sz="1600">
+                <a:solidFill>
+                  <a:schemeClr val="tx1"/>
+                </a:solidFill>
+                <a:latin typeface="+mn-lt"/>
+                <a:ea typeface="+mn-ea"/>
+                <a:cs typeface="+mn-cs"/>
+              </a:defRPr>
+            </a:lvl8pPr>
+            <a:lvl9pPr marL="3657600" indent="0" algn="ctr" defTabSz="914400">
+              <a:lnSpc>
+                <a:spcPct val="90000"/>
+              </a:lnSpc>
+              <a:spcBef>
+                <a:spcPts val="498"/>
+              </a:spcBef>
+              <a:buFont typeface="Arial"/>
+              <a:buNone/>
+              <a:defRPr sz="1600">
+                <a:solidFill>
+                  <a:schemeClr val="tx1"/>
+                </a:solidFill>
+                <a:latin typeface="+mn-lt"/>
+                <a:ea typeface="+mn-ea"/>
+                <a:cs typeface="+mn-cs"/>
+              </a:defRPr>
+            </a:lvl9pPr>
+          </a:lstStyle>
+          <a:p>
+            <a:pPr algn="ctr">
+              <a:defRPr/>
+            </a:pPr>
+            <a:r>
+              <a:rPr lang="ru-RU" sz="2800" b="0" i="0" u="none" strike="noStrike" cap="none" spc="0">
+                <a:solidFill>
+                  <a:schemeClr val="bg1"/>
+                </a:solidFill>
+                <a:latin typeface="DejaVu Serif"/>
+                <a:ea typeface="DejaVu Serif"/>
+                <a:cs typeface="DejaVu Serif"/>
+              </a:rPr>
+              <a:t>HLA (Hidden Lake Adapters) — </a:t>
+            </a:r>
+            <a:r>
+              <a:rPr lang="ru-RU" sz="2800" b="1" i="0" u="none" strike="noStrike" cap="none" spc="0">
+                <a:solidFill>
+                  <a:schemeClr val="bg1"/>
+                </a:solidFill>
+                <a:latin typeface="DejaVu Serif"/>
+                <a:ea typeface="DejaVu Serif"/>
+                <a:cs typeface="DejaVu Serif"/>
+              </a:rPr>
+              <a:t>адаптеры </a:t>
+            </a:r>
+            <a:r>
+              <a:rPr lang="ru-RU" sz="2800" b="0" i="0" u="none" strike="noStrike" cap="none" spc="0">
+                <a:solidFill>
+                  <a:schemeClr val="bg1"/>
+                </a:solidFill>
+                <a:latin typeface="DejaVu Serif"/>
+                <a:ea typeface="DejaVu Serif"/>
+                <a:cs typeface="DejaVu Serif"/>
+              </a:rPr>
+              <a:t>для создания анонимных коммуникаций в централизованных системах</a:t>
+            </a:r>
+            <a:endParaRPr sz="2800" b="0">
+              <a:solidFill>
+                <a:schemeClr val="bg1"/>
+              </a:solidFill>
+              <a:latin typeface="DejaVu Serif"/>
+              <a:ea typeface="DejaVu Serif"/>
+              <a:cs typeface="DejaVu Serif"/>
+            </a:endParaRPr>
+          </a:p>
+        </p:txBody>
+      </p:sp>
+      <p:pic>
+        <p:nvPicPr>
+          <p:cNvPr id="854405764" name=""/>
+          <p:cNvPicPr>
+            <a:picLocks noChangeAspect="1"/>
+          </p:cNvPicPr>
+          <p:nvPr/>
+        </p:nvPicPr>
+        <p:blipFill>
+          <a:blip r:embed="rId3"/>
+          <a:srcRect l="35787" t="21586" r="34502" b="22978"/>
+          <a:stretch/>
+        </p:blipFill>
+        <p:spPr bwMode="auto">
+          <a:xfrm flipH="0" flipV="0">
+            <a:off x="6541153" y="2018563"/>
+            <a:ext cx="4835769" cy="2927108"/>
+          </a:xfrm>
+          <a:prstGeom prst="rect">
+            <a:avLst/>
+          </a:prstGeom>
+          <a:ln w="57150">
+            <a:solidFill>
+              <a:schemeClr val="bg2"/>
+            </a:solidFill>
+            <a:prstDash val="solid"/>
+          </a:ln>
+        </p:spPr>
+      </p:pic>
+    </p:spTree>
+  </p:cSld>
+  <p:clrMapOvr>
+    <a:masterClrMapping/>
+  </p:clrMapOvr>
+  <mc:AlternateContent xmlns:mc="http://schemas.openxmlformats.org/markup-compatibility/2006">
+    <mc:Choice xmlns:p159="http://schemas.microsoft.com/office/powerpoint/2015/09/main" xmlns:p14="http://schemas.microsoft.com/office/powerpoint/2010/main" Requires="p159">
+      <p:transition p14:dur="2000" advClick="1"/>
+    </mc:Choice>
+    <mc:Fallback>
+      <p:transition advClick="1"/>
+    </mc:Fallback>
+  </mc:AlternateContent>
+</p:sld>
+</file>
+
+<file path=ppt/slides/slide19.xml><?xml version="1.0" encoding="utf-8"?>
+<p:sld xmlns:a="http://schemas.openxmlformats.org/drawingml/2006/main" xmlns:r="http://schemas.openxmlformats.org/officeDocument/2006/relationships" xmlns:p="http://schemas.openxmlformats.org/presentationml/2006/main" xmlns:m="http://schemas.openxmlformats.org/officeDocument/2006/math" xmlns:w="http://schemas.openxmlformats.org/wordprocessingml/2006/main" showMasterPhAnim="0" show="1">
+  <p:cSld name="">
+    <p:bg>
+      <p:bgPr shadeToTitle="0">
+        <a:solidFill>
+          <a:schemeClr val="tx1"/>
+        </a:solidFill>
+      </p:bgPr>
+    </p:bg>
+    <p:spTree>
+      <p:nvGrpSpPr>
+        <p:cNvPr id="1" name=""/>
+        <p:cNvGrpSpPr/>
+        <p:nvPr/>
+      </p:nvGrpSpPr>
+      <p:grpSpPr bwMode="auto">
+        <a:xfrm>
+          <a:off x="0" y="0"/>
+          <a:ext cx="0" cy="0"/>
+          <a:chOff x="0" y="0"/>
+          <a:chExt cx="0" cy="0"/>
+        </a:xfrm>
+      </p:grpSpPr>
+      <p:sp>
+        <p:nvSpPr>
           <p:cNvPr id="208647222" name="Subtitle 2"/>
           <p:cNvSpPr>
             <a:spLocks noGrp="1"/>
@@ -10946,540 +11358,6 @@
           </a:graphicData>
         </a:graphic>
       </p:graphicFrame>
-    </p:spTree>
-  </p:cSld>
-  <p:clrMapOvr>
-    <a:masterClrMapping/>
-  </p:clrMapOvr>
-  <mc:AlternateContent xmlns:mc="http://schemas.openxmlformats.org/markup-compatibility/2006">
-    <mc:Choice xmlns:p159="http://schemas.microsoft.com/office/powerpoint/2015/09/main" xmlns:p14="http://schemas.microsoft.com/office/powerpoint/2010/main" Requires="p159">
-      <p:transition p14:dur="2000" advClick="1"/>
-    </mc:Choice>
-    <mc:Fallback>
-      <p:transition advClick="1"/>
-    </mc:Fallback>
-  </mc:AlternateContent>
-</p:sld>
-</file>
-
-<file path=ppt/slides/slide19.xml><?xml version="1.0" encoding="utf-8"?>
-<p:sld xmlns:a="http://schemas.openxmlformats.org/drawingml/2006/main" xmlns:r="http://schemas.openxmlformats.org/officeDocument/2006/relationships" xmlns:p="http://schemas.openxmlformats.org/presentationml/2006/main" xmlns:m="http://schemas.openxmlformats.org/officeDocument/2006/math" xmlns:w="http://schemas.openxmlformats.org/wordprocessingml/2006/main" showMasterPhAnim="0" show="1">
-  <p:cSld name="">
-    <p:bg>
-      <p:bgPr shadeToTitle="0">
-        <a:solidFill>
-          <a:schemeClr val="tx1"/>
-        </a:solidFill>
-      </p:bgPr>
-    </p:bg>
-    <p:spTree>
-      <p:nvGrpSpPr>
-        <p:cNvPr id="1" name=""/>
-        <p:cNvGrpSpPr/>
-        <p:nvPr/>
-      </p:nvGrpSpPr>
-      <p:grpSpPr bwMode="auto">
-        <a:xfrm>
-          <a:off x="0" y="0"/>
-          <a:ext cx="0" cy="0"/>
-          <a:chOff x="0" y="0"/>
-          <a:chExt cx="0" cy="0"/>
-        </a:xfrm>
-      </p:grpSpPr>
-      <p:sp>
-        <p:nvSpPr>
-          <p:cNvPr id="1419822648" name="Subtitle 2"/>
-          <p:cNvSpPr>
-            <a:spLocks noGrp="1"/>
-          </p:cNvSpPr>
-          <p:nvPr/>
-        </p:nvSpPr>
-        <p:spPr bwMode="auto">
-          <a:xfrm flipH="0" flipV="0">
-            <a:off x="668535" y="1129870"/>
-            <a:ext cx="3370383" cy="646906"/>
-          </a:xfrm>
-        </p:spPr>
-        <p:txBody>
-          <a:bodyPr vertOverflow="overflow" horzOverflow="overflow" vert="horz" wrap="square" lIns="91440" tIns="45720" rIns="91440" bIns="45720" numCol="1" spcCol="0" rtlCol="0" fromWordArt="0" anchor="t" anchorCtr="0" forceAA="0" upright="0" compatLnSpc="0">
-            <a:normAutofit/>
-          </a:bodyPr>
-          <a:lstStyle>
-            <a:lvl1pPr marL="0" indent="0" algn="ctr" defTabSz="914400">
-              <a:lnSpc>
-                <a:spcPct val="90000"/>
-              </a:lnSpc>
-              <a:spcBef>
-                <a:spcPts val="998"/>
-              </a:spcBef>
-              <a:buFont typeface="Arial"/>
-              <a:buNone/>
-              <a:defRPr sz="2400">
-                <a:solidFill>
-                  <a:schemeClr val="tx1"/>
-                </a:solidFill>
-                <a:latin typeface="+mn-lt"/>
-                <a:ea typeface="+mn-ea"/>
-                <a:cs typeface="+mn-cs"/>
-              </a:defRPr>
-            </a:lvl1pPr>
-            <a:lvl2pPr marL="457200" indent="0" algn="ctr" defTabSz="914400">
-              <a:lnSpc>
-                <a:spcPct val="90000"/>
-              </a:lnSpc>
-              <a:spcBef>
-                <a:spcPts val="498"/>
-              </a:spcBef>
-              <a:buFont typeface="Arial"/>
-              <a:buNone/>
-              <a:defRPr sz="2000">
-                <a:solidFill>
-                  <a:schemeClr val="tx1"/>
-                </a:solidFill>
-                <a:latin typeface="+mn-lt"/>
-                <a:ea typeface="+mn-ea"/>
-                <a:cs typeface="+mn-cs"/>
-              </a:defRPr>
-            </a:lvl2pPr>
-            <a:lvl3pPr marL="914400" indent="0" algn="ctr" defTabSz="914400">
-              <a:lnSpc>
-                <a:spcPct val="90000"/>
-              </a:lnSpc>
-              <a:spcBef>
-                <a:spcPts val="498"/>
-              </a:spcBef>
-              <a:buFont typeface="Arial"/>
-              <a:buNone/>
-              <a:defRPr sz="1800">
-                <a:solidFill>
-                  <a:schemeClr val="tx1"/>
-                </a:solidFill>
-                <a:latin typeface="+mn-lt"/>
-                <a:ea typeface="+mn-ea"/>
-                <a:cs typeface="+mn-cs"/>
-              </a:defRPr>
-            </a:lvl3pPr>
-            <a:lvl4pPr marL="1371600" indent="0" algn="ctr" defTabSz="914400">
-              <a:lnSpc>
-                <a:spcPct val="90000"/>
-              </a:lnSpc>
-              <a:spcBef>
-                <a:spcPts val="498"/>
-              </a:spcBef>
-              <a:buFont typeface="Arial"/>
-              <a:buNone/>
-              <a:defRPr sz="1600">
-                <a:solidFill>
-                  <a:schemeClr val="tx1"/>
-                </a:solidFill>
-                <a:latin typeface="+mn-lt"/>
-                <a:ea typeface="+mn-ea"/>
-                <a:cs typeface="+mn-cs"/>
-              </a:defRPr>
-            </a:lvl4pPr>
-            <a:lvl5pPr marL="1828800" indent="0" algn="ctr" defTabSz="914400">
-              <a:lnSpc>
-                <a:spcPct val="90000"/>
-              </a:lnSpc>
-              <a:spcBef>
-                <a:spcPts val="498"/>
-              </a:spcBef>
-              <a:buFont typeface="Arial"/>
-              <a:buNone/>
-              <a:defRPr sz="1600">
-                <a:solidFill>
-                  <a:schemeClr val="tx1"/>
-                </a:solidFill>
-                <a:latin typeface="+mn-lt"/>
-                <a:ea typeface="+mn-ea"/>
-                <a:cs typeface="+mn-cs"/>
-              </a:defRPr>
-            </a:lvl5pPr>
-            <a:lvl6pPr marL="2286000" indent="0" algn="ctr" defTabSz="914400">
-              <a:lnSpc>
-                <a:spcPct val="90000"/>
-              </a:lnSpc>
-              <a:spcBef>
-                <a:spcPts val="498"/>
-              </a:spcBef>
-              <a:buFont typeface="Arial"/>
-              <a:buNone/>
-              <a:defRPr sz="1600">
-                <a:solidFill>
-                  <a:schemeClr val="tx1"/>
-                </a:solidFill>
-                <a:latin typeface="+mn-lt"/>
-                <a:ea typeface="+mn-ea"/>
-                <a:cs typeface="+mn-cs"/>
-              </a:defRPr>
-            </a:lvl6pPr>
-            <a:lvl7pPr marL="2743200" indent="0" algn="ctr" defTabSz="914400">
-              <a:lnSpc>
-                <a:spcPct val="90000"/>
-              </a:lnSpc>
-              <a:spcBef>
-                <a:spcPts val="498"/>
-              </a:spcBef>
-              <a:buFont typeface="Arial"/>
-              <a:buNone/>
-              <a:defRPr sz="1600">
-                <a:solidFill>
-                  <a:schemeClr val="tx1"/>
-                </a:solidFill>
-                <a:latin typeface="+mn-lt"/>
-                <a:ea typeface="+mn-ea"/>
-                <a:cs typeface="+mn-cs"/>
-              </a:defRPr>
-            </a:lvl7pPr>
-            <a:lvl8pPr marL="3200400" indent="0" algn="ctr" defTabSz="914400">
-              <a:lnSpc>
-                <a:spcPct val="90000"/>
-              </a:lnSpc>
-              <a:spcBef>
-                <a:spcPts val="498"/>
-              </a:spcBef>
-              <a:buFont typeface="Arial"/>
-              <a:buNone/>
-              <a:defRPr sz="1600">
-                <a:solidFill>
-                  <a:schemeClr val="tx1"/>
-                </a:solidFill>
-                <a:latin typeface="+mn-lt"/>
-                <a:ea typeface="+mn-ea"/>
-                <a:cs typeface="+mn-cs"/>
-              </a:defRPr>
-            </a:lvl8pPr>
-            <a:lvl9pPr marL="3657600" indent="0" algn="ctr" defTabSz="914400">
-              <a:lnSpc>
-                <a:spcPct val="90000"/>
-              </a:lnSpc>
-              <a:spcBef>
-                <a:spcPts val="498"/>
-              </a:spcBef>
-              <a:buFont typeface="Arial"/>
-              <a:buNone/>
-              <a:defRPr sz="1600">
-                <a:solidFill>
-                  <a:schemeClr val="tx1"/>
-                </a:solidFill>
-                <a:latin typeface="+mn-lt"/>
-                <a:ea typeface="+mn-ea"/>
-                <a:cs typeface="+mn-cs"/>
-              </a:defRPr>
-            </a:lvl9pPr>
-          </a:lstStyle>
-          <a:p>
-            <a:pPr>
-              <a:defRPr/>
-            </a:pPr>
-            <a:r>
-              <a:rPr lang="ru-RU" sz="3600" b="0">
-                <a:solidFill>
-                  <a:schemeClr val="bg1"/>
-                </a:solidFill>
-                <a:latin typeface="DejaVu Serif"/>
-                <a:ea typeface="DejaVu Serif"/>
-                <a:cs typeface="DejaVu Serif"/>
-              </a:rPr>
-              <a:t>Литература</a:t>
-            </a:r>
-            <a:endParaRPr sz="3600" b="0">
-              <a:solidFill>
-                <a:schemeClr val="bg1"/>
-              </a:solidFill>
-              <a:latin typeface="DejaVu Serif"/>
-              <a:cs typeface="DejaVu Serif"/>
-            </a:endParaRPr>
-          </a:p>
-        </p:txBody>
-      </p:sp>
-      <p:sp>
-        <p:nvSpPr>
-          <p:cNvPr id="2053416302" name="Subtitle 2"/>
-          <p:cNvSpPr>
-            <a:spLocks noGrp="1"/>
-          </p:cNvSpPr>
-          <p:nvPr/>
-        </p:nvSpPr>
-        <p:spPr bwMode="auto">
-          <a:xfrm flipH="0" flipV="0">
-            <a:off x="668535" y="2393764"/>
-            <a:ext cx="9829154" cy="2203877"/>
-          </a:xfrm>
-        </p:spPr>
-        <p:txBody>
-          <a:bodyPr vertOverflow="overflow" horzOverflow="overflow" vert="horz" wrap="square" lIns="91440" tIns="45720" rIns="91440" bIns="45720" numCol="1" spcCol="0" rtlCol="0" fromWordArt="0" anchor="t" anchorCtr="0" forceAA="0" upright="0" compatLnSpc="0">
-            <a:normAutofit fontScale="95000" lnSpcReduction="1000"/>
-          </a:bodyPr>
-          <a:lstStyle>
-            <a:lvl1pPr marL="0" indent="0" algn="ctr" defTabSz="914400">
-              <a:lnSpc>
-                <a:spcPct val="90000"/>
-              </a:lnSpc>
-              <a:spcBef>
-                <a:spcPts val="998"/>
-              </a:spcBef>
-              <a:buFont typeface="Arial"/>
-              <a:buNone/>
-              <a:defRPr sz="2400">
-                <a:solidFill>
-                  <a:schemeClr val="tx1"/>
-                </a:solidFill>
-                <a:latin typeface="+mn-lt"/>
-                <a:ea typeface="+mn-ea"/>
-                <a:cs typeface="+mn-cs"/>
-              </a:defRPr>
-            </a:lvl1pPr>
-            <a:lvl2pPr marL="457200" indent="0" algn="ctr" defTabSz="914400">
-              <a:lnSpc>
-                <a:spcPct val="90000"/>
-              </a:lnSpc>
-              <a:spcBef>
-                <a:spcPts val="498"/>
-              </a:spcBef>
-              <a:buFont typeface="Arial"/>
-              <a:buNone/>
-              <a:defRPr sz="2000">
-                <a:solidFill>
-                  <a:schemeClr val="tx1"/>
-                </a:solidFill>
-                <a:latin typeface="+mn-lt"/>
-                <a:ea typeface="+mn-ea"/>
-                <a:cs typeface="+mn-cs"/>
-              </a:defRPr>
-            </a:lvl2pPr>
-            <a:lvl3pPr marL="914400" indent="0" algn="ctr" defTabSz="914400">
-              <a:lnSpc>
-                <a:spcPct val="90000"/>
-              </a:lnSpc>
-              <a:spcBef>
-                <a:spcPts val="498"/>
-              </a:spcBef>
-              <a:buFont typeface="Arial"/>
-              <a:buNone/>
-              <a:defRPr sz="1800">
-                <a:solidFill>
-                  <a:schemeClr val="tx1"/>
-                </a:solidFill>
-                <a:latin typeface="+mn-lt"/>
-                <a:ea typeface="+mn-ea"/>
-                <a:cs typeface="+mn-cs"/>
-              </a:defRPr>
-            </a:lvl3pPr>
-            <a:lvl4pPr marL="1371600" indent="0" algn="ctr" defTabSz="914400">
-              <a:lnSpc>
-                <a:spcPct val="90000"/>
-              </a:lnSpc>
-              <a:spcBef>
-                <a:spcPts val="498"/>
-              </a:spcBef>
-              <a:buFont typeface="Arial"/>
-              <a:buNone/>
-              <a:defRPr sz="1600">
-                <a:solidFill>
-                  <a:schemeClr val="tx1"/>
-                </a:solidFill>
-                <a:latin typeface="+mn-lt"/>
-                <a:ea typeface="+mn-ea"/>
-                <a:cs typeface="+mn-cs"/>
-              </a:defRPr>
-            </a:lvl4pPr>
-            <a:lvl5pPr marL="1828800" indent="0" algn="ctr" defTabSz="914400">
-              <a:lnSpc>
-                <a:spcPct val="90000"/>
-              </a:lnSpc>
-              <a:spcBef>
-                <a:spcPts val="498"/>
-              </a:spcBef>
-              <a:buFont typeface="Arial"/>
-              <a:buNone/>
-              <a:defRPr sz="1600">
-                <a:solidFill>
-                  <a:schemeClr val="tx1"/>
-                </a:solidFill>
-                <a:latin typeface="+mn-lt"/>
-                <a:ea typeface="+mn-ea"/>
-                <a:cs typeface="+mn-cs"/>
-              </a:defRPr>
-            </a:lvl5pPr>
-            <a:lvl6pPr marL="2286000" indent="0" algn="ctr" defTabSz="914400">
-              <a:lnSpc>
-                <a:spcPct val="90000"/>
-              </a:lnSpc>
-              <a:spcBef>
-                <a:spcPts val="498"/>
-              </a:spcBef>
-              <a:buFont typeface="Arial"/>
-              <a:buNone/>
-              <a:defRPr sz="1600">
-                <a:solidFill>
-                  <a:schemeClr val="tx1"/>
-                </a:solidFill>
-                <a:latin typeface="+mn-lt"/>
-                <a:ea typeface="+mn-ea"/>
-                <a:cs typeface="+mn-cs"/>
-              </a:defRPr>
-            </a:lvl6pPr>
-            <a:lvl7pPr marL="2743200" indent="0" algn="ctr" defTabSz="914400">
-              <a:lnSpc>
-                <a:spcPct val="90000"/>
-              </a:lnSpc>
-              <a:spcBef>
-                <a:spcPts val="498"/>
-              </a:spcBef>
-              <a:buFont typeface="Arial"/>
-              <a:buNone/>
-              <a:defRPr sz="1600">
-                <a:solidFill>
-                  <a:schemeClr val="tx1"/>
-                </a:solidFill>
-                <a:latin typeface="+mn-lt"/>
-                <a:ea typeface="+mn-ea"/>
-                <a:cs typeface="+mn-cs"/>
-              </a:defRPr>
-            </a:lvl7pPr>
-            <a:lvl8pPr marL="3200400" indent="0" algn="ctr" defTabSz="914400">
-              <a:lnSpc>
-                <a:spcPct val="90000"/>
-              </a:lnSpc>
-              <a:spcBef>
-                <a:spcPts val="498"/>
-              </a:spcBef>
-              <a:buFont typeface="Arial"/>
-              <a:buNone/>
-              <a:defRPr sz="1600">
-                <a:solidFill>
-                  <a:schemeClr val="tx1"/>
-                </a:solidFill>
-                <a:latin typeface="+mn-lt"/>
-                <a:ea typeface="+mn-ea"/>
-                <a:cs typeface="+mn-cs"/>
-              </a:defRPr>
-            </a:lvl8pPr>
-            <a:lvl9pPr marL="3657600" indent="0" algn="ctr" defTabSz="914400">
-              <a:lnSpc>
-                <a:spcPct val="90000"/>
-              </a:lnSpc>
-              <a:spcBef>
-                <a:spcPts val="498"/>
-              </a:spcBef>
-              <a:buFont typeface="Arial"/>
-              <a:buNone/>
-              <a:defRPr sz="1600">
-                <a:solidFill>
-                  <a:schemeClr val="tx1"/>
-                </a:solidFill>
-                <a:latin typeface="+mn-lt"/>
-                <a:ea typeface="+mn-ea"/>
-                <a:cs typeface="+mn-cs"/>
-              </a:defRPr>
-            </a:lvl9pPr>
-          </a:lstStyle>
-          <a:p>
-            <a:pPr marL="394022" indent="-394022" algn="l">
-              <a:buFont typeface="Arial"/>
-              <a:buAutoNum type="arabicPeriod"/>
-              <a:defRPr/>
-            </a:pPr>
-            <a:r>
-              <a:rPr lang="ru-RU" sz="2800" b="0">
-                <a:solidFill>
-                  <a:schemeClr val="bg1"/>
-                </a:solidFill>
-                <a:latin typeface="DejaVu Serif"/>
-                <a:ea typeface="DejaVu Serif"/>
-                <a:cs typeface="DejaVu Serif"/>
-              </a:rPr>
-              <a:t>Теория строения скрытых систем</a:t>
-            </a:r>
-            <a:endParaRPr lang="ru-RU" sz="2800" b="0">
-              <a:solidFill>
-                <a:schemeClr val="bg1"/>
-              </a:solidFill>
-              <a:latin typeface="DejaVu Serif"/>
-              <a:ea typeface="DejaVu Serif"/>
-              <a:cs typeface="DejaVu Serif"/>
-            </a:endParaRPr>
-          </a:p>
-          <a:p>
-            <a:pPr marL="394022" indent="-394022" algn="l">
-              <a:buFont typeface="Arial"/>
-              <a:buAutoNum type="arabicPeriod"/>
-              <a:defRPr/>
-            </a:pPr>
-            <a:r>
-              <a:rPr lang="ru-RU" sz="2800" b="0">
-                <a:solidFill>
-                  <a:schemeClr val="bg1"/>
-                </a:solidFill>
-                <a:latin typeface="DejaVu Serif"/>
-                <a:ea typeface="DejaVu Serif"/>
-                <a:cs typeface="DejaVu Serif"/>
-              </a:rPr>
-              <a:t>Монолитный криптографический протокол</a:t>
-            </a:r>
-            <a:endParaRPr lang="ru-RU" sz="2800" b="0">
-              <a:solidFill>
-                <a:schemeClr val="bg1"/>
-              </a:solidFill>
-              <a:latin typeface="DejaVu Serif"/>
-              <a:ea typeface="DejaVu Serif"/>
-              <a:cs typeface="DejaVu Serif"/>
-            </a:endParaRPr>
-          </a:p>
-          <a:p>
-            <a:pPr marL="394022" indent="-394022" algn="l">
-              <a:buFont typeface="Arial"/>
-              <a:buAutoNum type="arabicPeriod"/>
-              <a:defRPr/>
-            </a:pPr>
-            <a:r>
-              <a:rPr lang="ru-RU" sz="2800" b="0">
-                <a:solidFill>
-                  <a:schemeClr val="bg1"/>
-                </a:solidFill>
-                <a:latin typeface="DejaVu Serif"/>
-                <a:ea typeface="DejaVu Serif"/>
-                <a:cs typeface="DejaVu Serif"/>
-              </a:rPr>
-              <a:t>Абстрактные анонимные сети</a:t>
-            </a:r>
-            <a:endParaRPr lang="ru-RU" sz="2800" b="0">
-              <a:solidFill>
-                <a:schemeClr val="bg1"/>
-              </a:solidFill>
-              <a:latin typeface="DejaVu Serif"/>
-              <a:ea typeface="DejaVu Serif"/>
-              <a:cs typeface="DejaVu Serif"/>
-            </a:endParaRPr>
-          </a:p>
-          <a:p>
-            <a:pPr marL="394022" indent="-394022" algn="l">
-              <a:buFont typeface="Arial"/>
-              <a:buAutoNum type="arabicPeriod"/>
-              <a:defRPr/>
-            </a:pPr>
-            <a:r>
-              <a:rPr lang="ru-RU" sz="2800" b="0">
-                <a:solidFill>
-                  <a:schemeClr val="bg1"/>
-                </a:solidFill>
-                <a:latin typeface="DejaVu Serif"/>
-                <a:ea typeface="DejaVu Serif"/>
-                <a:cs typeface="DejaVu Serif"/>
-              </a:rPr>
-              <a:t>Децентрализованный протокол обмена ключами</a:t>
-            </a:r>
-            <a:endParaRPr lang="ru-RU" sz="2800" b="0">
-              <a:solidFill>
-                <a:schemeClr val="bg1"/>
-              </a:solidFill>
-              <a:latin typeface="DejaVu Serif"/>
-              <a:cs typeface="DejaVu Serif"/>
-            </a:endParaRPr>
-          </a:p>
-        </p:txBody>
-      </p:sp>
     </p:spTree>
   </p:cSld>
   <p:clrMapOvr>
@@ -11659,6 +11537,540 @@
       </p:grpSpPr>
       <p:sp>
         <p:nvSpPr>
+          <p:cNvPr id="1419822648" name="Subtitle 2"/>
+          <p:cNvSpPr>
+            <a:spLocks noGrp="1"/>
+          </p:cNvSpPr>
+          <p:nvPr/>
+        </p:nvSpPr>
+        <p:spPr bwMode="auto">
+          <a:xfrm flipH="0" flipV="0">
+            <a:off x="668535" y="1129870"/>
+            <a:ext cx="3370383" cy="646906"/>
+          </a:xfrm>
+        </p:spPr>
+        <p:txBody>
+          <a:bodyPr vertOverflow="overflow" horzOverflow="overflow" vert="horz" wrap="square" lIns="91440" tIns="45720" rIns="91440" bIns="45720" numCol="1" spcCol="0" rtlCol="0" fromWordArt="0" anchor="t" anchorCtr="0" forceAA="0" upright="0" compatLnSpc="0">
+            <a:normAutofit/>
+          </a:bodyPr>
+          <a:lstStyle>
+            <a:lvl1pPr marL="0" indent="0" algn="ctr" defTabSz="914400">
+              <a:lnSpc>
+                <a:spcPct val="90000"/>
+              </a:lnSpc>
+              <a:spcBef>
+                <a:spcPts val="998"/>
+              </a:spcBef>
+              <a:buFont typeface="Arial"/>
+              <a:buNone/>
+              <a:defRPr sz="2400">
+                <a:solidFill>
+                  <a:schemeClr val="tx1"/>
+                </a:solidFill>
+                <a:latin typeface="+mn-lt"/>
+                <a:ea typeface="+mn-ea"/>
+                <a:cs typeface="+mn-cs"/>
+              </a:defRPr>
+            </a:lvl1pPr>
+            <a:lvl2pPr marL="457200" indent="0" algn="ctr" defTabSz="914400">
+              <a:lnSpc>
+                <a:spcPct val="90000"/>
+              </a:lnSpc>
+              <a:spcBef>
+                <a:spcPts val="498"/>
+              </a:spcBef>
+              <a:buFont typeface="Arial"/>
+              <a:buNone/>
+              <a:defRPr sz="2000">
+                <a:solidFill>
+                  <a:schemeClr val="tx1"/>
+                </a:solidFill>
+                <a:latin typeface="+mn-lt"/>
+                <a:ea typeface="+mn-ea"/>
+                <a:cs typeface="+mn-cs"/>
+              </a:defRPr>
+            </a:lvl2pPr>
+            <a:lvl3pPr marL="914400" indent="0" algn="ctr" defTabSz="914400">
+              <a:lnSpc>
+                <a:spcPct val="90000"/>
+              </a:lnSpc>
+              <a:spcBef>
+                <a:spcPts val="498"/>
+              </a:spcBef>
+              <a:buFont typeface="Arial"/>
+              <a:buNone/>
+              <a:defRPr sz="1800">
+                <a:solidFill>
+                  <a:schemeClr val="tx1"/>
+                </a:solidFill>
+                <a:latin typeface="+mn-lt"/>
+                <a:ea typeface="+mn-ea"/>
+                <a:cs typeface="+mn-cs"/>
+              </a:defRPr>
+            </a:lvl3pPr>
+            <a:lvl4pPr marL="1371600" indent="0" algn="ctr" defTabSz="914400">
+              <a:lnSpc>
+                <a:spcPct val="90000"/>
+              </a:lnSpc>
+              <a:spcBef>
+                <a:spcPts val="498"/>
+              </a:spcBef>
+              <a:buFont typeface="Arial"/>
+              <a:buNone/>
+              <a:defRPr sz="1600">
+                <a:solidFill>
+                  <a:schemeClr val="tx1"/>
+                </a:solidFill>
+                <a:latin typeface="+mn-lt"/>
+                <a:ea typeface="+mn-ea"/>
+                <a:cs typeface="+mn-cs"/>
+              </a:defRPr>
+            </a:lvl4pPr>
+            <a:lvl5pPr marL="1828800" indent="0" algn="ctr" defTabSz="914400">
+              <a:lnSpc>
+                <a:spcPct val="90000"/>
+              </a:lnSpc>
+              <a:spcBef>
+                <a:spcPts val="498"/>
+              </a:spcBef>
+              <a:buFont typeface="Arial"/>
+              <a:buNone/>
+              <a:defRPr sz="1600">
+                <a:solidFill>
+                  <a:schemeClr val="tx1"/>
+                </a:solidFill>
+                <a:latin typeface="+mn-lt"/>
+                <a:ea typeface="+mn-ea"/>
+                <a:cs typeface="+mn-cs"/>
+              </a:defRPr>
+            </a:lvl5pPr>
+            <a:lvl6pPr marL="2286000" indent="0" algn="ctr" defTabSz="914400">
+              <a:lnSpc>
+                <a:spcPct val="90000"/>
+              </a:lnSpc>
+              <a:spcBef>
+                <a:spcPts val="498"/>
+              </a:spcBef>
+              <a:buFont typeface="Arial"/>
+              <a:buNone/>
+              <a:defRPr sz="1600">
+                <a:solidFill>
+                  <a:schemeClr val="tx1"/>
+                </a:solidFill>
+                <a:latin typeface="+mn-lt"/>
+                <a:ea typeface="+mn-ea"/>
+                <a:cs typeface="+mn-cs"/>
+              </a:defRPr>
+            </a:lvl6pPr>
+            <a:lvl7pPr marL="2743200" indent="0" algn="ctr" defTabSz="914400">
+              <a:lnSpc>
+                <a:spcPct val="90000"/>
+              </a:lnSpc>
+              <a:spcBef>
+                <a:spcPts val="498"/>
+              </a:spcBef>
+              <a:buFont typeface="Arial"/>
+              <a:buNone/>
+              <a:defRPr sz="1600">
+                <a:solidFill>
+                  <a:schemeClr val="tx1"/>
+                </a:solidFill>
+                <a:latin typeface="+mn-lt"/>
+                <a:ea typeface="+mn-ea"/>
+                <a:cs typeface="+mn-cs"/>
+              </a:defRPr>
+            </a:lvl7pPr>
+            <a:lvl8pPr marL="3200400" indent="0" algn="ctr" defTabSz="914400">
+              <a:lnSpc>
+                <a:spcPct val="90000"/>
+              </a:lnSpc>
+              <a:spcBef>
+                <a:spcPts val="498"/>
+              </a:spcBef>
+              <a:buFont typeface="Arial"/>
+              <a:buNone/>
+              <a:defRPr sz="1600">
+                <a:solidFill>
+                  <a:schemeClr val="tx1"/>
+                </a:solidFill>
+                <a:latin typeface="+mn-lt"/>
+                <a:ea typeface="+mn-ea"/>
+                <a:cs typeface="+mn-cs"/>
+              </a:defRPr>
+            </a:lvl8pPr>
+            <a:lvl9pPr marL="3657600" indent="0" algn="ctr" defTabSz="914400">
+              <a:lnSpc>
+                <a:spcPct val="90000"/>
+              </a:lnSpc>
+              <a:spcBef>
+                <a:spcPts val="498"/>
+              </a:spcBef>
+              <a:buFont typeface="Arial"/>
+              <a:buNone/>
+              <a:defRPr sz="1600">
+                <a:solidFill>
+                  <a:schemeClr val="tx1"/>
+                </a:solidFill>
+                <a:latin typeface="+mn-lt"/>
+                <a:ea typeface="+mn-ea"/>
+                <a:cs typeface="+mn-cs"/>
+              </a:defRPr>
+            </a:lvl9pPr>
+          </a:lstStyle>
+          <a:p>
+            <a:pPr>
+              <a:defRPr/>
+            </a:pPr>
+            <a:r>
+              <a:rPr lang="ru-RU" sz="3600" b="0">
+                <a:solidFill>
+                  <a:schemeClr val="bg1"/>
+                </a:solidFill>
+                <a:latin typeface="DejaVu Serif"/>
+                <a:ea typeface="DejaVu Serif"/>
+                <a:cs typeface="DejaVu Serif"/>
+              </a:rPr>
+              <a:t>Литература</a:t>
+            </a:r>
+            <a:endParaRPr sz="3600" b="0">
+              <a:solidFill>
+                <a:schemeClr val="bg1"/>
+              </a:solidFill>
+              <a:latin typeface="DejaVu Serif"/>
+              <a:cs typeface="DejaVu Serif"/>
+            </a:endParaRPr>
+          </a:p>
+        </p:txBody>
+      </p:sp>
+      <p:sp>
+        <p:nvSpPr>
+          <p:cNvPr id="2053416302" name="Subtitle 2"/>
+          <p:cNvSpPr>
+            <a:spLocks noGrp="1"/>
+          </p:cNvSpPr>
+          <p:nvPr/>
+        </p:nvSpPr>
+        <p:spPr bwMode="auto">
+          <a:xfrm flipH="0" flipV="0">
+            <a:off x="668535" y="2393764"/>
+            <a:ext cx="9829154" cy="2203877"/>
+          </a:xfrm>
+        </p:spPr>
+        <p:txBody>
+          <a:bodyPr vertOverflow="overflow" horzOverflow="overflow" vert="horz" wrap="square" lIns="91440" tIns="45720" rIns="91440" bIns="45720" numCol="1" spcCol="0" rtlCol="0" fromWordArt="0" anchor="t" anchorCtr="0" forceAA="0" upright="0" compatLnSpc="0">
+            <a:normAutofit fontScale="95000" lnSpcReduction="1000"/>
+          </a:bodyPr>
+          <a:lstStyle>
+            <a:lvl1pPr marL="0" indent="0" algn="ctr" defTabSz="914400">
+              <a:lnSpc>
+                <a:spcPct val="90000"/>
+              </a:lnSpc>
+              <a:spcBef>
+                <a:spcPts val="998"/>
+              </a:spcBef>
+              <a:buFont typeface="Arial"/>
+              <a:buNone/>
+              <a:defRPr sz="2400">
+                <a:solidFill>
+                  <a:schemeClr val="tx1"/>
+                </a:solidFill>
+                <a:latin typeface="+mn-lt"/>
+                <a:ea typeface="+mn-ea"/>
+                <a:cs typeface="+mn-cs"/>
+              </a:defRPr>
+            </a:lvl1pPr>
+            <a:lvl2pPr marL="457200" indent="0" algn="ctr" defTabSz="914400">
+              <a:lnSpc>
+                <a:spcPct val="90000"/>
+              </a:lnSpc>
+              <a:spcBef>
+                <a:spcPts val="498"/>
+              </a:spcBef>
+              <a:buFont typeface="Arial"/>
+              <a:buNone/>
+              <a:defRPr sz="2000">
+                <a:solidFill>
+                  <a:schemeClr val="tx1"/>
+                </a:solidFill>
+                <a:latin typeface="+mn-lt"/>
+                <a:ea typeface="+mn-ea"/>
+                <a:cs typeface="+mn-cs"/>
+              </a:defRPr>
+            </a:lvl2pPr>
+            <a:lvl3pPr marL="914400" indent="0" algn="ctr" defTabSz="914400">
+              <a:lnSpc>
+                <a:spcPct val="90000"/>
+              </a:lnSpc>
+              <a:spcBef>
+                <a:spcPts val="498"/>
+              </a:spcBef>
+              <a:buFont typeface="Arial"/>
+              <a:buNone/>
+              <a:defRPr sz="1800">
+                <a:solidFill>
+                  <a:schemeClr val="tx1"/>
+                </a:solidFill>
+                <a:latin typeface="+mn-lt"/>
+                <a:ea typeface="+mn-ea"/>
+                <a:cs typeface="+mn-cs"/>
+              </a:defRPr>
+            </a:lvl3pPr>
+            <a:lvl4pPr marL="1371600" indent="0" algn="ctr" defTabSz="914400">
+              <a:lnSpc>
+                <a:spcPct val="90000"/>
+              </a:lnSpc>
+              <a:spcBef>
+                <a:spcPts val="498"/>
+              </a:spcBef>
+              <a:buFont typeface="Arial"/>
+              <a:buNone/>
+              <a:defRPr sz="1600">
+                <a:solidFill>
+                  <a:schemeClr val="tx1"/>
+                </a:solidFill>
+                <a:latin typeface="+mn-lt"/>
+                <a:ea typeface="+mn-ea"/>
+                <a:cs typeface="+mn-cs"/>
+              </a:defRPr>
+            </a:lvl4pPr>
+            <a:lvl5pPr marL="1828800" indent="0" algn="ctr" defTabSz="914400">
+              <a:lnSpc>
+                <a:spcPct val="90000"/>
+              </a:lnSpc>
+              <a:spcBef>
+                <a:spcPts val="498"/>
+              </a:spcBef>
+              <a:buFont typeface="Arial"/>
+              <a:buNone/>
+              <a:defRPr sz="1600">
+                <a:solidFill>
+                  <a:schemeClr val="tx1"/>
+                </a:solidFill>
+                <a:latin typeface="+mn-lt"/>
+                <a:ea typeface="+mn-ea"/>
+                <a:cs typeface="+mn-cs"/>
+              </a:defRPr>
+            </a:lvl5pPr>
+            <a:lvl6pPr marL="2286000" indent="0" algn="ctr" defTabSz="914400">
+              <a:lnSpc>
+                <a:spcPct val="90000"/>
+              </a:lnSpc>
+              <a:spcBef>
+                <a:spcPts val="498"/>
+              </a:spcBef>
+              <a:buFont typeface="Arial"/>
+              <a:buNone/>
+              <a:defRPr sz="1600">
+                <a:solidFill>
+                  <a:schemeClr val="tx1"/>
+                </a:solidFill>
+                <a:latin typeface="+mn-lt"/>
+                <a:ea typeface="+mn-ea"/>
+                <a:cs typeface="+mn-cs"/>
+              </a:defRPr>
+            </a:lvl6pPr>
+            <a:lvl7pPr marL="2743200" indent="0" algn="ctr" defTabSz="914400">
+              <a:lnSpc>
+                <a:spcPct val="90000"/>
+              </a:lnSpc>
+              <a:spcBef>
+                <a:spcPts val="498"/>
+              </a:spcBef>
+              <a:buFont typeface="Arial"/>
+              <a:buNone/>
+              <a:defRPr sz="1600">
+                <a:solidFill>
+                  <a:schemeClr val="tx1"/>
+                </a:solidFill>
+                <a:latin typeface="+mn-lt"/>
+                <a:ea typeface="+mn-ea"/>
+                <a:cs typeface="+mn-cs"/>
+              </a:defRPr>
+            </a:lvl7pPr>
+            <a:lvl8pPr marL="3200400" indent="0" algn="ctr" defTabSz="914400">
+              <a:lnSpc>
+                <a:spcPct val="90000"/>
+              </a:lnSpc>
+              <a:spcBef>
+                <a:spcPts val="498"/>
+              </a:spcBef>
+              <a:buFont typeface="Arial"/>
+              <a:buNone/>
+              <a:defRPr sz="1600">
+                <a:solidFill>
+                  <a:schemeClr val="tx1"/>
+                </a:solidFill>
+                <a:latin typeface="+mn-lt"/>
+                <a:ea typeface="+mn-ea"/>
+                <a:cs typeface="+mn-cs"/>
+              </a:defRPr>
+            </a:lvl8pPr>
+            <a:lvl9pPr marL="3657600" indent="0" algn="ctr" defTabSz="914400">
+              <a:lnSpc>
+                <a:spcPct val="90000"/>
+              </a:lnSpc>
+              <a:spcBef>
+                <a:spcPts val="498"/>
+              </a:spcBef>
+              <a:buFont typeface="Arial"/>
+              <a:buNone/>
+              <a:defRPr sz="1600">
+                <a:solidFill>
+                  <a:schemeClr val="tx1"/>
+                </a:solidFill>
+                <a:latin typeface="+mn-lt"/>
+                <a:ea typeface="+mn-ea"/>
+                <a:cs typeface="+mn-cs"/>
+              </a:defRPr>
+            </a:lvl9pPr>
+          </a:lstStyle>
+          <a:p>
+            <a:pPr marL="394022" indent="-394022" algn="l">
+              <a:buFont typeface="Arial"/>
+              <a:buAutoNum type="arabicPeriod"/>
+              <a:defRPr/>
+            </a:pPr>
+            <a:r>
+              <a:rPr lang="ru-RU" sz="2800" b="0">
+                <a:solidFill>
+                  <a:schemeClr val="bg1"/>
+                </a:solidFill>
+                <a:latin typeface="DejaVu Serif"/>
+                <a:ea typeface="DejaVu Serif"/>
+                <a:cs typeface="DejaVu Serif"/>
+              </a:rPr>
+              <a:t>Теория строения скрытых систем</a:t>
+            </a:r>
+            <a:endParaRPr lang="ru-RU" sz="2800" b="0">
+              <a:solidFill>
+                <a:schemeClr val="bg1"/>
+              </a:solidFill>
+              <a:latin typeface="DejaVu Serif"/>
+              <a:ea typeface="DejaVu Serif"/>
+              <a:cs typeface="DejaVu Serif"/>
+            </a:endParaRPr>
+          </a:p>
+          <a:p>
+            <a:pPr marL="394022" indent="-394022" algn="l">
+              <a:buFont typeface="Arial"/>
+              <a:buAutoNum type="arabicPeriod"/>
+              <a:defRPr/>
+            </a:pPr>
+            <a:r>
+              <a:rPr lang="ru-RU" sz="2800" b="0">
+                <a:solidFill>
+                  <a:schemeClr val="bg1"/>
+                </a:solidFill>
+                <a:latin typeface="DejaVu Serif"/>
+                <a:ea typeface="DejaVu Serif"/>
+                <a:cs typeface="DejaVu Serif"/>
+              </a:rPr>
+              <a:t>Монолитный криптографический протокол</a:t>
+            </a:r>
+            <a:endParaRPr lang="ru-RU" sz="2800" b="0">
+              <a:solidFill>
+                <a:schemeClr val="bg1"/>
+              </a:solidFill>
+              <a:latin typeface="DejaVu Serif"/>
+              <a:ea typeface="DejaVu Serif"/>
+              <a:cs typeface="DejaVu Serif"/>
+            </a:endParaRPr>
+          </a:p>
+          <a:p>
+            <a:pPr marL="394022" indent="-394022" algn="l">
+              <a:buFont typeface="Arial"/>
+              <a:buAutoNum type="arabicPeriod"/>
+              <a:defRPr/>
+            </a:pPr>
+            <a:r>
+              <a:rPr lang="ru-RU" sz="2800" b="0">
+                <a:solidFill>
+                  <a:schemeClr val="bg1"/>
+                </a:solidFill>
+                <a:latin typeface="DejaVu Serif"/>
+                <a:ea typeface="DejaVu Serif"/>
+                <a:cs typeface="DejaVu Serif"/>
+              </a:rPr>
+              <a:t>Абстрактные анонимные сети</a:t>
+            </a:r>
+            <a:endParaRPr lang="ru-RU" sz="2800" b="0">
+              <a:solidFill>
+                <a:schemeClr val="bg1"/>
+              </a:solidFill>
+              <a:latin typeface="DejaVu Serif"/>
+              <a:ea typeface="DejaVu Serif"/>
+              <a:cs typeface="DejaVu Serif"/>
+            </a:endParaRPr>
+          </a:p>
+          <a:p>
+            <a:pPr marL="394022" indent="-394022" algn="l">
+              <a:buFont typeface="Arial"/>
+              <a:buAutoNum type="arabicPeriod"/>
+              <a:defRPr/>
+            </a:pPr>
+            <a:r>
+              <a:rPr lang="ru-RU" sz="2800" b="0">
+                <a:solidFill>
+                  <a:schemeClr val="bg1"/>
+                </a:solidFill>
+                <a:latin typeface="DejaVu Serif"/>
+                <a:ea typeface="DejaVu Serif"/>
+                <a:cs typeface="DejaVu Serif"/>
+              </a:rPr>
+              <a:t>Децентрализованный протокол обмена ключами</a:t>
+            </a:r>
+            <a:endParaRPr lang="ru-RU" sz="2800" b="0">
+              <a:solidFill>
+                <a:schemeClr val="bg1"/>
+              </a:solidFill>
+              <a:latin typeface="DejaVu Serif"/>
+              <a:cs typeface="DejaVu Serif"/>
+            </a:endParaRPr>
+          </a:p>
+        </p:txBody>
+      </p:sp>
+    </p:spTree>
+  </p:cSld>
+  <p:clrMapOvr>
+    <a:masterClrMapping/>
+  </p:clrMapOvr>
+  <mc:AlternateContent xmlns:mc="http://schemas.openxmlformats.org/markup-compatibility/2006">
+    <mc:Choice xmlns:p159="http://schemas.microsoft.com/office/powerpoint/2015/09/main" xmlns:p14="http://schemas.microsoft.com/office/powerpoint/2010/main" Requires="p159">
+      <p:transition p14:dur="2000" advClick="1"/>
+    </mc:Choice>
+    <mc:Fallback>
+      <p:transition advClick="1"/>
+    </mc:Fallback>
+  </mc:AlternateContent>
+</p:sld>
+</file>
+
+<file path=ppt/slides/slide21.xml><?xml version="1.0" encoding="utf-8"?>
+<p:sld xmlns:a="http://schemas.openxmlformats.org/drawingml/2006/main" xmlns:r="http://schemas.openxmlformats.org/officeDocument/2006/relationships" xmlns:p="http://schemas.openxmlformats.org/presentationml/2006/main" xmlns:m="http://schemas.openxmlformats.org/officeDocument/2006/math" xmlns:w="http://schemas.openxmlformats.org/wordprocessingml/2006/main" showMasterPhAnim="0" show="1">
+  <p:cSld name="">
+    <p:bg>
+      <p:bgPr shadeToTitle="0">
+        <a:solidFill>
+          <a:schemeClr val="tx1"/>
+        </a:solidFill>
+      </p:bgPr>
+    </p:bg>
+    <p:spTree>
+      <p:nvGrpSpPr>
+        <p:cNvPr id="1" name=""/>
+        <p:cNvGrpSpPr/>
+        <p:nvPr/>
+      </p:nvGrpSpPr>
+      <p:grpSpPr bwMode="auto">
+        <a:xfrm>
+          <a:off x="0" y="0"/>
+          <a:ext cx="0" cy="0"/>
+          <a:chOff x="0" y="0"/>
+          <a:chExt cx="0" cy="0"/>
+        </a:xfrm>
+      </p:grpSpPr>
+      <p:sp>
+        <p:nvSpPr>
           <p:cNvPr id="56255059" name="Subtitle 2"/>
           <p:cNvSpPr>
             <a:spLocks noGrp="1"/>
@@ -11874,8 +12286,8 @@
         </p:nvSpPr>
         <p:spPr bwMode="auto">
           <a:xfrm flipH="0" flipV="0">
-            <a:off x="668535" y="2393764"/>
-            <a:ext cx="9829154" cy="2203877"/>
+            <a:off x="668534" y="2393763"/>
+            <a:ext cx="9829153" cy="3925707"/>
           </a:xfrm>
         </p:spPr>
         <p:txBody>
@@ -12110,7 +12522,7 @@
                 <a:latin typeface="DejaVu Serif"/>
                 <a:cs typeface="DejaVu Serif"/>
               </a:rPr>
-              <a:t>Директория Hidden Lake</a:t>
+              <a:t>Документация</a:t>
             </a:r>
             <a:endParaRPr lang="ru-RU" sz="2800" b="0">
               <a:solidFill>
@@ -12133,6 +12545,55 @@
                 <a:ea typeface="DejaVu Serif"/>
                 <a:cs typeface="DejaVu Serif"/>
               </a:rPr>
+              <a:t>https://github.com/number571/go-peer/tree/master/docs</a:t>
+            </a:r>
+            <a:endParaRPr lang="ru-RU" sz="2000" b="0" i="0" u="none" strike="noStrike" cap="none" spc="0">
+              <a:solidFill>
+                <a:schemeClr val="bg1"/>
+              </a:solidFill>
+              <a:latin typeface="DejaVu Serif"/>
+              <a:ea typeface="DejaVu Serif"/>
+              <a:cs typeface="DejaVu Serif"/>
+            </a:endParaRPr>
+          </a:p>
+          <a:p>
+            <a:pPr marL="394022" indent="-394022" algn="l">
+              <a:buFont typeface="Arial"/>
+              <a:buChar char="•"/>
+              <a:defRPr/>
+            </a:pPr>
+            <a:r>
+              <a:rPr lang="ru-RU" sz="2800" b="0" i="0" u="none" strike="noStrike" cap="none" spc="0">
+                <a:solidFill>
+                  <a:schemeClr val="bg1"/>
+                </a:solidFill>
+                <a:latin typeface="DejaVu Serif"/>
+                <a:ea typeface="DejaVu Serif"/>
+                <a:cs typeface="DejaVu Serif"/>
+              </a:rPr>
+              <a:t>Директория Hidden Lake</a:t>
+            </a:r>
+            <a:endParaRPr sz="2000" b="0">
+              <a:solidFill>
+                <a:schemeClr val="bg1"/>
+              </a:solidFill>
+              <a:latin typeface="DejaVu Serif"/>
+              <a:cs typeface="DejaVu Serif"/>
+            </a:endParaRPr>
+          </a:p>
+          <a:p>
+            <a:pPr algn="l">
+              <a:defRPr/>
+            </a:pPr>
+            <a:r>
+              <a:rPr lang="ru-RU" sz="2000" b="0" i="0" u="none" strike="noStrike" cap="none" spc="0">
+                <a:solidFill>
+                  <a:schemeClr val="bg1"/>
+                </a:solidFill>
+                <a:latin typeface="DejaVu Serif"/>
+                <a:ea typeface="DejaVu Serif"/>
+                <a:cs typeface="DejaVu Serif"/>
+              </a:rPr>
               <a:t>https://github.com/number571/go-peer/tree/master/cmd/hidden_lake</a:t>
             </a:r>
             <a:endParaRPr lang="ru-RU" sz="2800" b="0">
@@ -12145,6 +12606,28 @@
           </a:p>
         </p:txBody>
       </p:sp>
+      <p:pic>
+        <p:nvPicPr>
+          <p:cNvPr id="392363906" name=""/>
+          <p:cNvPicPr>
+            <a:picLocks noChangeAspect="1"/>
+          </p:cNvPicPr>
+          <p:nvPr/>
+        </p:nvPicPr>
+        <p:blipFill>
+          <a:blip r:embed="rId3"/>
+          <a:stretch/>
+        </p:blipFill>
+        <p:spPr bwMode="auto">
+          <a:xfrm>
+            <a:off x="8938846" y="422027"/>
+            <a:ext cx="2819399" cy="2819399"/>
+          </a:xfrm>
+          <a:prstGeom prst="rect">
+            <a:avLst/>
+          </a:prstGeom>
+        </p:spPr>
+      </p:pic>
     </p:spTree>
   </p:cSld>
   <p:clrMapOvr>
